--- a/Boilerplate.pptx
+++ b/Boilerplate.pptx
@@ -5,7 +5,7 @@
     <p:sldMasterId id="2147483708" r:id="rId1"/>
   </p:sldMasterIdLst>
   <p:notesMasterIdLst>
-    <p:notesMasterId r:id="rId19"/>
+    <p:notesMasterId r:id="rId21"/>
   </p:notesMasterIdLst>
   <p:sldIdLst>
     <p:sldId id="256" r:id="rId2"/>
@@ -14,17 +14,19 @@
     <p:sldId id="285" r:id="rId5"/>
     <p:sldId id="294" r:id="rId6"/>
     <p:sldId id="288" r:id="rId7"/>
-    <p:sldId id="289" r:id="rId8"/>
-    <p:sldId id="290" r:id="rId9"/>
-    <p:sldId id="291" r:id="rId10"/>
-    <p:sldId id="292" r:id="rId11"/>
-    <p:sldId id="293" r:id="rId12"/>
-    <p:sldId id="274" r:id="rId13"/>
-    <p:sldId id="275" r:id="rId14"/>
-    <p:sldId id="276" r:id="rId15"/>
-    <p:sldId id="277" r:id="rId16"/>
-    <p:sldId id="280" r:id="rId17"/>
-    <p:sldId id="279" r:id="rId18"/>
+    <p:sldId id="295" r:id="rId8"/>
+    <p:sldId id="289" r:id="rId9"/>
+    <p:sldId id="290" r:id="rId10"/>
+    <p:sldId id="296" r:id="rId11"/>
+    <p:sldId id="291" r:id="rId12"/>
+    <p:sldId id="292" r:id="rId13"/>
+    <p:sldId id="293" r:id="rId14"/>
+    <p:sldId id="274" r:id="rId15"/>
+    <p:sldId id="275" r:id="rId16"/>
+    <p:sldId id="276" r:id="rId17"/>
+    <p:sldId id="277" r:id="rId18"/>
+    <p:sldId id="280" r:id="rId19"/>
+    <p:sldId id="279" r:id="rId20"/>
   </p:sldIdLst>
   <p:sldSz cx="9144000" cy="6858000" type="screen4x3"/>
   <p:notesSz cx="6858000" cy="9144000"/>
@@ -234,7 +236,7 @@
           <a:p>
             <a:fld id="{EB3D77A0-B43B-634A-9176-B27E5EE9C15B}" type="datetimeFigureOut">
               <a:rPr lang="de-DE" smtClean="0"/>
-              <a:t>10.10.2018</a:t>
+              <a:t>26.11.2018</a:t>
             </a:fld>
             <a:endParaRPr lang="de-DE"/>
           </a:p>
@@ -8774,24 +8776,327 @@
       </p:grpSpPr>
       <p:sp>
         <p:nvSpPr>
-          <p:cNvPr id="4" name="Rectangle 1">
+          <p:cNvPr id="2" name="Title 1">
             <a:extLst>
               <a:ext uri="{FF2B5EF4-FFF2-40B4-BE49-F238E27FC236}">
-                <a16:creationId xmlns:a16="http://schemas.microsoft.com/office/drawing/2014/main" id="{1790A692-93CE-4A1E-9BC3-F62DAE557A15}"/>
+                <a16:creationId xmlns:a16="http://schemas.microsoft.com/office/drawing/2014/main" id="{62857E77-E6FC-40BD-89C2-2D869BAC9755}"/>
               </a:ext>
             </a:extLst>
           </p:cNvPr>
           <p:cNvSpPr>
-            <a:spLocks noGrp="1" noChangeArrowheads="1"/>
+            <a:spLocks noGrp="1"/>
+          </p:cNvSpPr>
+          <p:nvPr>
+            <p:ph type="title"/>
+          </p:nvPr>
+        </p:nvSpPr>
+        <p:spPr/>
+        <p:txBody>
+          <a:bodyPr/>
+          <a:lstStyle/>
+          <a:p>
+            <a:r>
+              <a:rPr lang="en-US" dirty="0"/>
+              <a:t>Setup a project</a:t>
+            </a:r>
+          </a:p>
+        </p:txBody>
+      </p:sp>
+      <p:sp>
+        <p:nvSpPr>
+          <p:cNvPr id="3" name="Content Placeholder 2">
+            <a:extLst>
+              <a:ext uri="{FF2B5EF4-FFF2-40B4-BE49-F238E27FC236}">
+                <a16:creationId xmlns:a16="http://schemas.microsoft.com/office/drawing/2014/main" id="{A28D4970-AFCA-437F-8C2F-90DB906173AB}"/>
+              </a:ext>
+            </a:extLst>
+          </p:cNvPr>
+          <p:cNvSpPr>
+            <a:spLocks noGrp="1"/>
           </p:cNvSpPr>
           <p:nvPr>
             <p:ph idx="1"/>
           </p:nvPr>
         </p:nvSpPr>
+        <p:spPr/>
+        <p:txBody>
+          <a:bodyPr/>
+          <a:lstStyle/>
+          <a:p>
+            <a:pPr marL="0" indent="0">
+              <a:buNone/>
+            </a:pPr>
+            <a:r>
+              <a:rPr lang="en-US" altLang="en-US" dirty="0">
+                <a:solidFill>
+                  <a:schemeClr val="tx1"/>
+                </a:solidFill>
+                <a:latin typeface="Arial" panose="020B0604020202020204" pitchFamily="34" charset="0"/>
+              </a:rPr>
+              <a:t>WIFI: QH85!Tr3t2</a:t>
+            </a:r>
+            <a:endParaRPr lang="en-US" altLang="en-US" sz="1000" dirty="0">
+              <a:solidFill>
+                <a:schemeClr val="tx1"/>
+              </a:solidFill>
+              <a:latin typeface="Arial" panose="020B0604020202020204" pitchFamily="34" charset="0"/>
+            </a:endParaRPr>
+          </a:p>
+          <a:p>
+            <a:pPr marL="0" indent="0">
+              <a:buNone/>
+            </a:pPr>
+            <a:r>
+              <a:rPr lang="en-US" altLang="en-US" sz="1000" dirty="0" err="1">
+                <a:solidFill>
+                  <a:schemeClr val="tx1"/>
+                </a:solidFill>
+                <a:latin typeface="Arial" panose="020B0604020202020204" pitchFamily="34" charset="0"/>
+              </a:rPr>
+              <a:t>mvn</a:t>
+            </a:r>
+            <a:r>
+              <a:rPr lang="en-US" altLang="en-US" sz="1000" dirty="0">
+                <a:solidFill>
+                  <a:schemeClr val="tx1"/>
+                </a:solidFill>
+                <a:latin typeface="Arial" panose="020B0604020202020204" pitchFamily="34" charset="0"/>
+              </a:rPr>
+              <a:t> </a:t>
+            </a:r>
+            <a:r>
+              <a:rPr lang="en-US" altLang="en-US" sz="1000" dirty="0" err="1">
+                <a:solidFill>
+                  <a:schemeClr val="tx1"/>
+                </a:solidFill>
+                <a:latin typeface="Arial" panose="020B0604020202020204" pitchFamily="34" charset="0"/>
+              </a:rPr>
+              <a:t>archetype:generate</a:t>
+            </a:r>
+            <a:r>
+              <a:rPr lang="en-US" altLang="en-US" sz="1000" dirty="0">
+                <a:solidFill>
+                  <a:schemeClr val="tx1"/>
+                </a:solidFill>
+                <a:latin typeface="Arial" panose="020B0604020202020204" pitchFamily="34" charset="0"/>
+              </a:rPr>
+              <a:t> -</a:t>
+            </a:r>
+            <a:r>
+              <a:rPr lang="en-US" altLang="en-US" sz="1000" dirty="0" err="1">
+                <a:solidFill>
+                  <a:schemeClr val="tx1"/>
+                </a:solidFill>
+                <a:latin typeface="Arial" panose="020B0604020202020204" pitchFamily="34" charset="0"/>
+              </a:rPr>
+              <a:t>DgroupId</a:t>
+            </a:r>
+            <a:r>
+              <a:rPr lang="en-US" altLang="en-US" sz="1000" dirty="0">
+                <a:solidFill>
+                  <a:schemeClr val="tx1"/>
+                </a:solidFill>
+                <a:latin typeface="Arial" panose="020B0604020202020204" pitchFamily="34" charset="0"/>
+              </a:rPr>
+              <a:t>=</a:t>
+            </a:r>
+            <a:r>
+              <a:rPr lang="en-US" altLang="en-US" sz="1000" dirty="0" err="1">
+                <a:solidFill>
+                  <a:schemeClr val="tx1"/>
+                </a:solidFill>
+                <a:latin typeface="Arial" panose="020B0604020202020204" pitchFamily="34" charset="0"/>
+              </a:rPr>
+              <a:t>com.boilerplate.tutorals</a:t>
+            </a:r>
+            <a:r>
+              <a:rPr lang="en-US" altLang="en-US" sz="1000" dirty="0">
+                <a:solidFill>
+                  <a:schemeClr val="tx1"/>
+                </a:solidFill>
+                <a:latin typeface="Arial" panose="020B0604020202020204" pitchFamily="34" charset="0"/>
+              </a:rPr>
+              <a:t> -</a:t>
+            </a:r>
+            <a:r>
+              <a:rPr lang="en-US" altLang="en-US" sz="1000" dirty="0" err="1">
+                <a:solidFill>
+                  <a:schemeClr val="tx1"/>
+                </a:solidFill>
+                <a:latin typeface="Arial" panose="020B0604020202020204" pitchFamily="34" charset="0"/>
+              </a:rPr>
+              <a:t>DartifactId</a:t>
+            </a:r>
+            <a:r>
+              <a:rPr lang="en-US" altLang="en-US" sz="1000" dirty="0">
+                <a:solidFill>
+                  <a:schemeClr val="tx1"/>
+                </a:solidFill>
+                <a:latin typeface="Arial" panose="020B0604020202020204" pitchFamily="34" charset="0"/>
+              </a:rPr>
+              <a:t>=boilerplate-</a:t>
+            </a:r>
+            <a:r>
+              <a:rPr lang="en-US" altLang="en-US" sz="1000" dirty="0" err="1">
+                <a:solidFill>
+                  <a:schemeClr val="tx1"/>
+                </a:solidFill>
+                <a:latin typeface="Arial" panose="020B0604020202020204" pitchFamily="34" charset="0"/>
+              </a:rPr>
+              <a:t>tutoral</a:t>
+            </a:r>
+            <a:r>
+              <a:rPr lang="en-US" altLang="en-US" sz="1000" dirty="0">
+                <a:solidFill>
+                  <a:schemeClr val="tx1"/>
+                </a:solidFill>
+                <a:latin typeface="Arial" panose="020B0604020202020204" pitchFamily="34" charset="0"/>
+              </a:rPr>
+              <a:t> -</a:t>
+            </a:r>
+            <a:r>
+              <a:rPr lang="en-US" altLang="en-US" sz="1000" dirty="0" err="1">
+                <a:solidFill>
+                  <a:schemeClr val="tx1"/>
+                </a:solidFill>
+                <a:latin typeface="Arial" panose="020B0604020202020204" pitchFamily="34" charset="0"/>
+              </a:rPr>
+              <a:t>DarchetypeArtifactId</a:t>
+            </a:r>
+            <a:r>
+              <a:rPr lang="en-US" altLang="en-US" sz="1000" dirty="0">
+                <a:solidFill>
+                  <a:schemeClr val="tx1"/>
+                </a:solidFill>
+                <a:latin typeface="Arial" panose="020B0604020202020204" pitchFamily="34" charset="0"/>
+              </a:rPr>
+              <a:t>=maven-archetype-</a:t>
+            </a:r>
+            <a:r>
+              <a:rPr lang="en-US" altLang="en-US" sz="1000" dirty="0" err="1">
+                <a:solidFill>
+                  <a:schemeClr val="tx1"/>
+                </a:solidFill>
+                <a:latin typeface="Arial" panose="020B0604020202020204" pitchFamily="34" charset="0"/>
+              </a:rPr>
+              <a:t>quickstart</a:t>
+            </a:r>
+            <a:r>
+              <a:rPr lang="en-US" altLang="en-US" sz="1000" dirty="0">
+                <a:solidFill>
+                  <a:schemeClr val="tx1"/>
+                </a:solidFill>
+                <a:latin typeface="Arial" panose="020B0604020202020204" pitchFamily="34" charset="0"/>
+              </a:rPr>
+              <a:t> -</a:t>
+            </a:r>
+            <a:r>
+              <a:rPr lang="en-US" altLang="en-US" sz="1000" dirty="0" err="1">
+                <a:solidFill>
+                  <a:schemeClr val="tx1"/>
+                </a:solidFill>
+                <a:latin typeface="Arial" panose="020B0604020202020204" pitchFamily="34" charset="0"/>
+              </a:rPr>
+              <a:t>DinteractiveMode</a:t>
+            </a:r>
+            <a:r>
+              <a:rPr lang="en-US" altLang="en-US" sz="1000" dirty="0">
+                <a:solidFill>
+                  <a:schemeClr val="tx1"/>
+                </a:solidFill>
+                <a:latin typeface="Arial" panose="020B0604020202020204" pitchFamily="34" charset="0"/>
+              </a:rPr>
+              <a:t>=false</a:t>
+            </a:r>
+            <a:br>
+              <a:rPr lang="en-US" altLang="en-US" sz="1000" dirty="0">
+                <a:solidFill>
+                  <a:schemeClr val="tx1"/>
+                </a:solidFill>
+                <a:latin typeface="Arial" panose="020B0604020202020204" pitchFamily="34" charset="0"/>
+              </a:rPr>
+            </a:br>
+            <a:r>
+              <a:rPr lang="en-US" altLang="en-US" sz="1000" dirty="0">
+                <a:solidFill>
+                  <a:schemeClr val="tx1"/>
+                </a:solidFill>
+                <a:latin typeface="Arial" panose="020B0604020202020204" pitchFamily="34" charset="0"/>
+                <a:hlinkClick r:id="rId2"/>
+              </a:rPr>
+              <a:t>https://projectlombok.org/setup/intellij</a:t>
+            </a:r>
+            <a:r>
+              <a:rPr lang="en-US" altLang="en-US" sz="1000" dirty="0">
+                <a:solidFill>
+                  <a:schemeClr val="tx1"/>
+                </a:solidFill>
+                <a:latin typeface="Arial" panose="020B0604020202020204" pitchFamily="34" charset="0"/>
+              </a:rPr>
+              <a:t> </a:t>
+            </a:r>
+          </a:p>
+          <a:p>
+            <a:pPr marL="0" indent="0">
+              <a:buNone/>
+            </a:pPr>
+            <a:r>
+              <a:rPr lang="en-US" altLang="en-US" sz="1000" dirty="0">
+                <a:solidFill>
+                  <a:schemeClr val="tx1"/>
+                </a:solidFill>
+                <a:latin typeface="Arial" panose="020B0604020202020204" pitchFamily="34" charset="0"/>
+                <a:hlinkClick r:id="rId3"/>
+              </a:rPr>
+              <a:t>https://projectlombok.org/setup/eclipse</a:t>
+            </a:r>
+            <a:r>
+              <a:rPr lang="en-US" altLang="en-US" sz="1000" dirty="0">
+                <a:solidFill>
+                  <a:schemeClr val="tx1"/>
+                </a:solidFill>
+                <a:latin typeface="Arial" panose="020B0604020202020204" pitchFamily="34" charset="0"/>
+              </a:rPr>
+              <a:t> </a:t>
+            </a:r>
+            <a:br>
+              <a:rPr lang="en-US" altLang="en-US" dirty="0">
+                <a:solidFill>
+                  <a:schemeClr val="tx1"/>
+                </a:solidFill>
+                <a:latin typeface="Arial" panose="020B0604020202020204" pitchFamily="34" charset="0"/>
+              </a:rPr>
+            </a:br>
+            <a:br>
+              <a:rPr lang="en-US" altLang="en-US" dirty="0">
+                <a:solidFill>
+                  <a:schemeClr val="tx1"/>
+                </a:solidFill>
+                <a:latin typeface="Arial" panose="020B0604020202020204" pitchFamily="34" charset="0"/>
+              </a:rPr>
+            </a:br>
+            <a:endParaRPr lang="en-US" dirty="0"/>
+          </a:p>
+        </p:txBody>
+      </p:sp>
+      <p:sp>
+        <p:nvSpPr>
+          <p:cNvPr id="7" name="Rectangle 4">
+            <a:extLst>
+              <a:ext uri="{FF2B5EF4-FFF2-40B4-BE49-F238E27FC236}">
+                <a16:creationId xmlns:a16="http://schemas.microsoft.com/office/drawing/2014/main" id="{B48EE421-A2BB-44B3-9247-F014058719DB}"/>
+              </a:ext>
+            </a:extLst>
+          </p:cNvPr>
+          <p:cNvSpPr>
+            <a:spLocks noChangeArrowheads="1"/>
+          </p:cNvSpPr>
+          <p:nvPr/>
+        </p:nvSpPr>
         <p:spPr bwMode="auto">
           <a:xfrm>
-            <a:off x="440193" y="1297113"/>
-            <a:ext cx="6328076" cy="4524315"/>
+            <a:off x="354735" y="3477128"/>
+            <a:ext cx="9144000" cy="457200"/>
           </a:xfrm>
           <a:prstGeom prst="rect">
             <a:avLst/>
@@ -8826,7 +9131,7 @@
           </a:extLst>
         </p:spPr>
         <p:txBody>
-          <a:bodyPr vert="horz" wrap="square" lIns="91440" tIns="45720" rIns="91440" bIns="45720" numCol="1" anchor="ctr" anchorCtr="0" compatLnSpc="1">
+          <a:bodyPr vert="horz" wrap="none" lIns="91440" tIns="45720" rIns="91440" bIns="45720" numCol="1" anchor="ctr" anchorCtr="0" compatLnSpc="1">
             <a:prstTxWarp prst="textNoShape">
               <a:avLst/>
             </a:prstTxWarp>
@@ -8834,7 +9139,7 @@
           </a:bodyPr>
           <a:lstStyle/>
           <a:p>
-            <a:pPr marL="0" lvl="0" indent="0" defTabSz="914400" eaLnBrk="0" fontAlgn="base" hangingPunct="0">
+            <a:pPr marL="0" marR="0" lvl="0" indent="0" algn="l" defTabSz="914400" rtl="0" eaLnBrk="0" fontAlgn="base" latinLnBrk="0" hangingPunct="0">
               <a:lnSpc>
                 <a:spcPct val="100000"/>
               </a:lnSpc>
@@ -8846,20 +9151,569 @@
               </a:spcAft>
               <a:buClrTx/>
               <a:buSzTx/>
+              <a:buFontTx/>
               <a:buNone/>
+              <a:tabLst/>
             </a:pPr>
             <a:r>
-              <a:rPr lang="en-US" altLang="en-US" dirty="0">
+              <a:rPr kumimoji="0" lang="en-US" altLang="en-US" sz="900" b="0" i="0" u="none" strike="noStrike" cap="none" normalizeH="0" baseline="0" dirty="0">
+                <a:ln>
+                  <a:noFill/>
+                </a:ln>
+                <a:solidFill>
+                  <a:srgbClr val="000000"/>
+                </a:solidFill>
+                <a:effectLst/>
+                <a:latin typeface="Courier New" panose="02070309020205020404" pitchFamily="49" charset="0"/>
+                <a:cs typeface="Courier New" panose="02070309020205020404" pitchFamily="49" charset="0"/>
+              </a:rPr>
+              <a:t>&lt;</a:t>
+            </a:r>
+            <a:r>
+              <a:rPr kumimoji="0" lang="en-US" altLang="en-US" sz="900" b="1" i="0" u="none" strike="noStrike" cap="none" normalizeH="0" baseline="0" dirty="0">
+                <a:ln>
+                  <a:noFill/>
+                </a:ln>
+                <a:solidFill>
+                  <a:srgbClr val="000080"/>
+                </a:solidFill>
+                <a:effectLst/>
+                <a:latin typeface="Courier New" panose="02070309020205020404" pitchFamily="49" charset="0"/>
+                <a:cs typeface="Courier New" panose="02070309020205020404" pitchFamily="49" charset="0"/>
+              </a:rPr>
+              <a:t>dependency</a:t>
+            </a:r>
+            <a:r>
+              <a:rPr kumimoji="0" lang="en-US" altLang="en-US" sz="900" b="0" i="0" u="none" strike="noStrike" cap="none" normalizeH="0" baseline="0" dirty="0">
+                <a:ln>
+                  <a:noFill/>
+                </a:ln>
+                <a:solidFill>
+                  <a:srgbClr val="000000"/>
+                </a:solidFill>
+                <a:effectLst/>
+                <a:latin typeface="Courier New" panose="02070309020205020404" pitchFamily="49" charset="0"/>
+                <a:cs typeface="Courier New" panose="02070309020205020404" pitchFamily="49" charset="0"/>
+              </a:rPr>
+              <a:t>&gt;</a:t>
+            </a:r>
+            <a:br>
+              <a:rPr kumimoji="0" lang="en-US" altLang="en-US" sz="900" b="0" i="0" u="none" strike="noStrike" cap="none" normalizeH="0" baseline="0" dirty="0">
+                <a:ln>
+                  <a:noFill/>
+                </a:ln>
+                <a:solidFill>
+                  <a:srgbClr val="000000"/>
+                </a:solidFill>
+                <a:effectLst/>
+                <a:latin typeface="Courier New" panose="02070309020205020404" pitchFamily="49" charset="0"/>
+                <a:cs typeface="Courier New" panose="02070309020205020404" pitchFamily="49" charset="0"/>
+              </a:rPr>
+            </a:br>
+            <a:r>
+              <a:rPr kumimoji="0" lang="en-US" altLang="en-US" sz="900" b="0" i="0" u="none" strike="noStrike" cap="none" normalizeH="0" baseline="0" dirty="0">
+                <a:ln>
+                  <a:noFill/>
+                </a:ln>
+                <a:solidFill>
+                  <a:srgbClr val="000000"/>
+                </a:solidFill>
+                <a:effectLst/>
+                <a:latin typeface="Courier New" panose="02070309020205020404" pitchFamily="49" charset="0"/>
+                <a:cs typeface="Courier New" panose="02070309020205020404" pitchFamily="49" charset="0"/>
+              </a:rPr>
+              <a:t>    &lt;</a:t>
+            </a:r>
+            <a:r>
+              <a:rPr kumimoji="0" lang="en-US" altLang="en-US" sz="900" b="1" i="0" u="none" strike="noStrike" cap="none" normalizeH="0" baseline="0" dirty="0" err="1">
+                <a:ln>
+                  <a:noFill/>
+                </a:ln>
+                <a:solidFill>
+                  <a:srgbClr val="000080"/>
+                </a:solidFill>
+                <a:effectLst/>
+                <a:latin typeface="Courier New" panose="02070309020205020404" pitchFamily="49" charset="0"/>
+                <a:cs typeface="Courier New" panose="02070309020205020404" pitchFamily="49" charset="0"/>
+              </a:rPr>
+              <a:t>groupId</a:t>
+            </a:r>
+            <a:r>
+              <a:rPr kumimoji="0" lang="en-US" altLang="en-US" sz="900" b="0" i="0" u="none" strike="noStrike" cap="none" normalizeH="0" baseline="0" dirty="0">
+                <a:ln>
+                  <a:noFill/>
+                </a:ln>
+                <a:solidFill>
+                  <a:srgbClr val="000000"/>
+                </a:solidFill>
+                <a:effectLst/>
+                <a:latin typeface="Courier New" panose="02070309020205020404" pitchFamily="49" charset="0"/>
+                <a:cs typeface="Courier New" panose="02070309020205020404" pitchFamily="49" charset="0"/>
+              </a:rPr>
+              <a:t>&gt;</a:t>
+            </a:r>
+            <a:r>
+              <a:rPr kumimoji="0" lang="en-US" altLang="en-US" sz="900" b="0" i="0" u="none" strike="noStrike" cap="none" normalizeH="0" baseline="0" dirty="0" err="1">
+                <a:ln>
+                  <a:noFill/>
+                </a:ln>
+                <a:solidFill>
+                  <a:srgbClr val="000000"/>
+                </a:solidFill>
+                <a:effectLst/>
+                <a:latin typeface="Courier New" panose="02070309020205020404" pitchFamily="49" charset="0"/>
+                <a:cs typeface="Courier New" panose="02070309020205020404" pitchFamily="49" charset="0"/>
+              </a:rPr>
+              <a:t>org.projectlombok</a:t>
+            </a:r>
+            <a:r>
+              <a:rPr kumimoji="0" lang="en-US" altLang="en-US" sz="900" b="0" i="0" u="none" strike="noStrike" cap="none" normalizeH="0" baseline="0" dirty="0">
+                <a:ln>
+                  <a:noFill/>
+                </a:ln>
+                <a:solidFill>
+                  <a:srgbClr val="000000"/>
+                </a:solidFill>
+                <a:effectLst/>
+                <a:latin typeface="Courier New" panose="02070309020205020404" pitchFamily="49" charset="0"/>
+                <a:cs typeface="Courier New" panose="02070309020205020404" pitchFamily="49" charset="0"/>
+              </a:rPr>
+              <a:t>&lt;/</a:t>
+            </a:r>
+            <a:r>
+              <a:rPr kumimoji="0" lang="en-US" altLang="en-US" sz="900" b="1" i="0" u="none" strike="noStrike" cap="none" normalizeH="0" baseline="0" dirty="0" err="1">
+                <a:ln>
+                  <a:noFill/>
+                </a:ln>
+                <a:solidFill>
+                  <a:srgbClr val="000080"/>
+                </a:solidFill>
+                <a:effectLst/>
+                <a:latin typeface="Courier New" panose="02070309020205020404" pitchFamily="49" charset="0"/>
+                <a:cs typeface="Courier New" panose="02070309020205020404" pitchFamily="49" charset="0"/>
+              </a:rPr>
+              <a:t>groupId</a:t>
+            </a:r>
+            <a:r>
+              <a:rPr kumimoji="0" lang="en-US" altLang="en-US" sz="900" b="0" i="0" u="none" strike="noStrike" cap="none" normalizeH="0" baseline="0" dirty="0">
+                <a:ln>
+                  <a:noFill/>
+                </a:ln>
+                <a:solidFill>
+                  <a:srgbClr val="000000"/>
+                </a:solidFill>
+                <a:effectLst/>
+                <a:latin typeface="Courier New" panose="02070309020205020404" pitchFamily="49" charset="0"/>
+                <a:cs typeface="Courier New" panose="02070309020205020404" pitchFamily="49" charset="0"/>
+              </a:rPr>
+              <a:t>&gt;</a:t>
+            </a:r>
+            <a:br>
+              <a:rPr kumimoji="0" lang="en-US" altLang="en-US" sz="900" b="0" i="0" u="none" strike="noStrike" cap="none" normalizeH="0" baseline="0" dirty="0">
+                <a:ln>
+                  <a:noFill/>
+                </a:ln>
+                <a:solidFill>
+                  <a:srgbClr val="000000"/>
+                </a:solidFill>
+                <a:effectLst/>
+                <a:latin typeface="Courier New" panose="02070309020205020404" pitchFamily="49" charset="0"/>
+                <a:cs typeface="Courier New" panose="02070309020205020404" pitchFamily="49" charset="0"/>
+              </a:rPr>
+            </a:br>
+            <a:r>
+              <a:rPr kumimoji="0" lang="en-US" altLang="en-US" sz="900" b="0" i="0" u="none" strike="noStrike" cap="none" normalizeH="0" baseline="0" dirty="0">
+                <a:ln>
+                  <a:noFill/>
+                </a:ln>
+                <a:solidFill>
+                  <a:srgbClr val="000000"/>
+                </a:solidFill>
+                <a:effectLst/>
+                <a:latin typeface="Courier New" panose="02070309020205020404" pitchFamily="49" charset="0"/>
+                <a:cs typeface="Courier New" panose="02070309020205020404" pitchFamily="49" charset="0"/>
+              </a:rPr>
+              <a:t>    &lt;</a:t>
+            </a:r>
+            <a:r>
+              <a:rPr kumimoji="0" lang="en-US" altLang="en-US" sz="900" b="1" i="0" u="none" strike="noStrike" cap="none" normalizeH="0" baseline="0" dirty="0" err="1">
+                <a:ln>
+                  <a:noFill/>
+                </a:ln>
+                <a:solidFill>
+                  <a:srgbClr val="000080"/>
+                </a:solidFill>
+                <a:effectLst/>
+                <a:latin typeface="Courier New" panose="02070309020205020404" pitchFamily="49" charset="0"/>
+                <a:cs typeface="Courier New" panose="02070309020205020404" pitchFamily="49" charset="0"/>
+              </a:rPr>
+              <a:t>artifactId</a:t>
+            </a:r>
+            <a:r>
+              <a:rPr kumimoji="0" lang="en-US" altLang="en-US" sz="900" b="0" i="0" u="none" strike="noStrike" cap="none" normalizeH="0" baseline="0" dirty="0">
+                <a:ln>
+                  <a:noFill/>
+                </a:ln>
+                <a:solidFill>
+                  <a:srgbClr val="000000"/>
+                </a:solidFill>
+                <a:effectLst/>
+                <a:latin typeface="Courier New" panose="02070309020205020404" pitchFamily="49" charset="0"/>
+                <a:cs typeface="Courier New" panose="02070309020205020404" pitchFamily="49" charset="0"/>
+              </a:rPr>
+              <a:t>&gt;</a:t>
+            </a:r>
+            <a:r>
+              <a:rPr kumimoji="0" lang="en-US" altLang="en-US" sz="900" b="0" i="0" u="none" strike="noStrike" cap="none" normalizeH="0" baseline="0" dirty="0" err="1">
+                <a:ln>
+                  <a:noFill/>
+                </a:ln>
+                <a:solidFill>
+                  <a:srgbClr val="000000"/>
+                </a:solidFill>
+                <a:effectLst/>
+                <a:latin typeface="Courier New" panose="02070309020205020404" pitchFamily="49" charset="0"/>
+                <a:cs typeface="Courier New" panose="02070309020205020404" pitchFamily="49" charset="0"/>
+              </a:rPr>
+              <a:t>lombok</a:t>
+            </a:r>
+            <a:r>
+              <a:rPr kumimoji="0" lang="en-US" altLang="en-US" sz="900" b="0" i="0" u="none" strike="noStrike" cap="none" normalizeH="0" baseline="0" dirty="0">
+                <a:ln>
+                  <a:noFill/>
+                </a:ln>
+                <a:solidFill>
+                  <a:srgbClr val="000000"/>
+                </a:solidFill>
+                <a:effectLst/>
+                <a:latin typeface="Courier New" panose="02070309020205020404" pitchFamily="49" charset="0"/>
+                <a:cs typeface="Courier New" panose="02070309020205020404" pitchFamily="49" charset="0"/>
+              </a:rPr>
+              <a:t>&lt;/</a:t>
+            </a:r>
+            <a:r>
+              <a:rPr kumimoji="0" lang="en-US" altLang="en-US" sz="900" b="1" i="0" u="none" strike="noStrike" cap="none" normalizeH="0" baseline="0" dirty="0" err="1">
+                <a:ln>
+                  <a:noFill/>
+                </a:ln>
+                <a:solidFill>
+                  <a:srgbClr val="000080"/>
+                </a:solidFill>
+                <a:effectLst/>
+                <a:latin typeface="Courier New" panose="02070309020205020404" pitchFamily="49" charset="0"/>
+                <a:cs typeface="Courier New" panose="02070309020205020404" pitchFamily="49" charset="0"/>
+              </a:rPr>
+              <a:t>artifactId</a:t>
+            </a:r>
+            <a:r>
+              <a:rPr kumimoji="0" lang="en-US" altLang="en-US" sz="900" b="0" i="0" u="none" strike="noStrike" cap="none" normalizeH="0" baseline="0" dirty="0">
+                <a:ln>
+                  <a:noFill/>
+                </a:ln>
+                <a:solidFill>
+                  <a:srgbClr val="000000"/>
+                </a:solidFill>
+                <a:effectLst/>
+                <a:latin typeface="Courier New" panose="02070309020205020404" pitchFamily="49" charset="0"/>
+                <a:cs typeface="Courier New" panose="02070309020205020404" pitchFamily="49" charset="0"/>
+              </a:rPr>
+              <a:t>&gt;</a:t>
+            </a:r>
+            <a:br>
+              <a:rPr kumimoji="0" lang="en-US" altLang="en-US" sz="900" b="0" i="0" u="none" strike="noStrike" cap="none" normalizeH="0" baseline="0" dirty="0">
+                <a:ln>
+                  <a:noFill/>
+                </a:ln>
+                <a:solidFill>
+                  <a:srgbClr val="000000"/>
+                </a:solidFill>
+                <a:effectLst/>
+                <a:latin typeface="Courier New" panose="02070309020205020404" pitchFamily="49" charset="0"/>
+                <a:cs typeface="Courier New" panose="02070309020205020404" pitchFamily="49" charset="0"/>
+              </a:rPr>
+            </a:br>
+            <a:r>
+              <a:rPr kumimoji="0" lang="en-US" altLang="en-US" sz="900" b="0" i="0" u="none" strike="noStrike" cap="none" normalizeH="0" baseline="0" dirty="0">
+                <a:ln>
+                  <a:noFill/>
+                </a:ln>
+                <a:solidFill>
+                  <a:srgbClr val="000000"/>
+                </a:solidFill>
+                <a:effectLst/>
+                <a:latin typeface="Courier New" panose="02070309020205020404" pitchFamily="49" charset="0"/>
+                <a:cs typeface="Courier New" panose="02070309020205020404" pitchFamily="49" charset="0"/>
+              </a:rPr>
+              <a:t>    &lt;</a:t>
+            </a:r>
+            <a:r>
+              <a:rPr kumimoji="0" lang="en-US" altLang="en-US" sz="900" b="1" i="0" u="none" strike="noStrike" cap="none" normalizeH="0" baseline="0" dirty="0">
+                <a:ln>
+                  <a:noFill/>
+                </a:ln>
+                <a:solidFill>
+                  <a:srgbClr val="000080"/>
+                </a:solidFill>
+                <a:effectLst/>
+                <a:latin typeface="Courier New" panose="02070309020205020404" pitchFamily="49" charset="0"/>
+                <a:cs typeface="Courier New" panose="02070309020205020404" pitchFamily="49" charset="0"/>
+              </a:rPr>
+              <a:t>version</a:t>
+            </a:r>
+            <a:r>
+              <a:rPr kumimoji="0" lang="en-US" altLang="en-US" sz="900" b="0" i="0" u="none" strike="noStrike" cap="none" normalizeH="0" baseline="0" dirty="0">
+                <a:ln>
+                  <a:noFill/>
+                </a:ln>
+                <a:solidFill>
+                  <a:srgbClr val="000000"/>
+                </a:solidFill>
+                <a:effectLst/>
+                <a:latin typeface="Courier New" panose="02070309020205020404" pitchFamily="49" charset="0"/>
+                <a:cs typeface="Courier New" panose="02070309020205020404" pitchFamily="49" charset="0"/>
+              </a:rPr>
+              <a:t>&gt;1.18.2&lt;/</a:t>
+            </a:r>
+            <a:r>
+              <a:rPr kumimoji="0" lang="en-US" altLang="en-US" sz="900" b="1" i="0" u="none" strike="noStrike" cap="none" normalizeH="0" baseline="0" dirty="0">
+                <a:ln>
+                  <a:noFill/>
+                </a:ln>
+                <a:solidFill>
+                  <a:srgbClr val="000080"/>
+                </a:solidFill>
+                <a:effectLst/>
+                <a:latin typeface="Courier New" panose="02070309020205020404" pitchFamily="49" charset="0"/>
+                <a:cs typeface="Courier New" panose="02070309020205020404" pitchFamily="49" charset="0"/>
+              </a:rPr>
+              <a:t>version</a:t>
+            </a:r>
+            <a:r>
+              <a:rPr kumimoji="0" lang="en-US" altLang="en-US" sz="900" b="0" i="0" u="none" strike="noStrike" cap="none" normalizeH="0" baseline="0" dirty="0">
+                <a:ln>
+                  <a:noFill/>
+                </a:ln>
+                <a:solidFill>
+                  <a:srgbClr val="000000"/>
+                </a:solidFill>
+                <a:effectLst/>
+                <a:latin typeface="Courier New" panose="02070309020205020404" pitchFamily="49" charset="0"/>
+                <a:cs typeface="Courier New" panose="02070309020205020404" pitchFamily="49" charset="0"/>
+              </a:rPr>
+              <a:t>&gt;</a:t>
+            </a:r>
+            <a:br>
+              <a:rPr kumimoji="0" lang="en-US" altLang="en-US" sz="900" b="0" i="0" u="none" strike="noStrike" cap="none" normalizeH="0" baseline="0" dirty="0">
+                <a:ln>
+                  <a:noFill/>
+                </a:ln>
+                <a:solidFill>
+                  <a:srgbClr val="000000"/>
+                </a:solidFill>
+                <a:effectLst/>
+                <a:latin typeface="Courier New" panose="02070309020205020404" pitchFamily="49" charset="0"/>
+                <a:cs typeface="Courier New" panose="02070309020205020404" pitchFamily="49" charset="0"/>
+              </a:rPr>
+            </a:br>
+            <a:r>
+              <a:rPr kumimoji="0" lang="en-US" altLang="en-US" sz="900" b="0" i="0" u="none" strike="noStrike" cap="none" normalizeH="0" baseline="0" dirty="0">
+                <a:ln>
+                  <a:noFill/>
+                </a:ln>
+                <a:solidFill>
+                  <a:srgbClr val="000000"/>
+                </a:solidFill>
+                <a:effectLst/>
+                <a:latin typeface="Courier New" panose="02070309020205020404" pitchFamily="49" charset="0"/>
+                <a:cs typeface="Courier New" panose="02070309020205020404" pitchFamily="49" charset="0"/>
+              </a:rPr>
+              <a:t>    &lt;</a:t>
+            </a:r>
+            <a:r>
+              <a:rPr kumimoji="0" lang="en-US" altLang="en-US" sz="900" b="1" i="0" u="none" strike="noStrike" cap="none" normalizeH="0" baseline="0" dirty="0">
+                <a:ln>
+                  <a:noFill/>
+                </a:ln>
+                <a:solidFill>
+                  <a:srgbClr val="000080"/>
+                </a:solidFill>
+                <a:effectLst/>
+                <a:latin typeface="Courier New" panose="02070309020205020404" pitchFamily="49" charset="0"/>
+                <a:cs typeface="Courier New" panose="02070309020205020404" pitchFamily="49" charset="0"/>
+              </a:rPr>
+              <a:t>scope</a:t>
+            </a:r>
+            <a:r>
+              <a:rPr kumimoji="0" lang="en-US" altLang="en-US" sz="900" b="0" i="0" u="none" strike="noStrike" cap="none" normalizeH="0" baseline="0" dirty="0">
+                <a:ln>
+                  <a:noFill/>
+                </a:ln>
+                <a:solidFill>
+                  <a:srgbClr val="000000"/>
+                </a:solidFill>
+                <a:effectLst/>
+                <a:latin typeface="Courier New" panose="02070309020205020404" pitchFamily="49" charset="0"/>
+                <a:cs typeface="Courier New" panose="02070309020205020404" pitchFamily="49" charset="0"/>
+              </a:rPr>
+              <a:t>&gt;provided&lt;/</a:t>
+            </a:r>
+            <a:r>
+              <a:rPr kumimoji="0" lang="en-US" altLang="en-US" sz="900" b="1" i="0" u="none" strike="noStrike" cap="none" normalizeH="0" baseline="0" dirty="0">
+                <a:ln>
+                  <a:noFill/>
+                </a:ln>
+                <a:solidFill>
+                  <a:srgbClr val="000080"/>
+                </a:solidFill>
+                <a:effectLst/>
+                <a:latin typeface="Courier New" panose="02070309020205020404" pitchFamily="49" charset="0"/>
+                <a:cs typeface="Courier New" panose="02070309020205020404" pitchFamily="49" charset="0"/>
+              </a:rPr>
+              <a:t>scope</a:t>
+            </a:r>
+            <a:r>
+              <a:rPr kumimoji="0" lang="en-US" altLang="en-US" sz="900" b="0" i="0" u="none" strike="noStrike" cap="none" normalizeH="0" baseline="0" dirty="0">
+                <a:ln>
+                  <a:noFill/>
+                </a:ln>
+                <a:solidFill>
+                  <a:srgbClr val="000000"/>
+                </a:solidFill>
+                <a:effectLst/>
+                <a:latin typeface="Courier New" panose="02070309020205020404" pitchFamily="49" charset="0"/>
+                <a:cs typeface="Courier New" panose="02070309020205020404" pitchFamily="49" charset="0"/>
+              </a:rPr>
+              <a:t>&gt;</a:t>
+            </a:r>
+            <a:br>
+              <a:rPr kumimoji="0" lang="en-US" altLang="en-US" sz="900" b="0" i="0" u="none" strike="noStrike" cap="none" normalizeH="0" baseline="0" dirty="0">
+                <a:ln>
+                  <a:noFill/>
+                </a:ln>
+                <a:solidFill>
+                  <a:srgbClr val="000000"/>
+                </a:solidFill>
+                <a:effectLst/>
+                <a:latin typeface="Courier New" panose="02070309020205020404" pitchFamily="49" charset="0"/>
+                <a:cs typeface="Courier New" panose="02070309020205020404" pitchFamily="49" charset="0"/>
+              </a:rPr>
+            </a:br>
+            <a:r>
+              <a:rPr kumimoji="0" lang="en-US" altLang="en-US" sz="900" b="0" i="0" u="none" strike="noStrike" cap="none" normalizeH="0" baseline="0" dirty="0">
+                <a:ln>
+                  <a:noFill/>
+                </a:ln>
+                <a:solidFill>
+                  <a:srgbClr val="000000"/>
+                </a:solidFill>
+                <a:effectLst/>
+                <a:latin typeface="Courier New" panose="02070309020205020404" pitchFamily="49" charset="0"/>
+                <a:cs typeface="Courier New" panose="02070309020205020404" pitchFamily="49" charset="0"/>
+              </a:rPr>
+              <a:t>&lt;/</a:t>
+            </a:r>
+            <a:r>
+              <a:rPr kumimoji="0" lang="en-US" altLang="en-US" sz="900" b="1" i="0" u="none" strike="noStrike" cap="none" normalizeH="0" baseline="0" dirty="0">
+                <a:ln>
+                  <a:noFill/>
+                </a:ln>
+                <a:solidFill>
+                  <a:srgbClr val="000080"/>
+                </a:solidFill>
+                <a:effectLst/>
+                <a:latin typeface="Courier New" panose="02070309020205020404" pitchFamily="49" charset="0"/>
+                <a:cs typeface="Courier New" panose="02070309020205020404" pitchFamily="49" charset="0"/>
+              </a:rPr>
+              <a:t>dependency</a:t>
+            </a:r>
+            <a:r>
+              <a:rPr kumimoji="0" lang="en-US" altLang="en-US" sz="900" b="0" i="0" u="none" strike="noStrike" cap="none" normalizeH="0" baseline="0" dirty="0">
+                <a:ln>
+                  <a:noFill/>
+                </a:ln>
+                <a:solidFill>
+                  <a:srgbClr val="000000"/>
+                </a:solidFill>
+                <a:effectLst/>
+                <a:latin typeface="Courier New" panose="02070309020205020404" pitchFamily="49" charset="0"/>
+                <a:cs typeface="Courier New" panose="02070309020205020404" pitchFamily="49" charset="0"/>
+              </a:rPr>
+              <a:t>&gt;</a:t>
+            </a:r>
+            <a:endParaRPr kumimoji="0" lang="en-US" altLang="en-US" sz="1800" b="0" i="0" u="none" strike="noStrike" cap="none" normalizeH="0" baseline="0" dirty="0">
+              <a:ln>
+                <a:noFill/>
+              </a:ln>
+              <a:solidFill>
+                <a:schemeClr val="tx1"/>
+              </a:solidFill>
+              <a:effectLst/>
+              <a:latin typeface="Arial" panose="020B0604020202020204" pitchFamily="34" charset="0"/>
+            </a:endParaRPr>
+          </a:p>
+        </p:txBody>
+      </p:sp>
+      <p:sp>
+        <p:nvSpPr>
+          <p:cNvPr id="8" name="Rectangle 5">
+            <a:extLst>
+              <a:ext uri="{FF2B5EF4-FFF2-40B4-BE49-F238E27FC236}">
+                <a16:creationId xmlns:a16="http://schemas.microsoft.com/office/drawing/2014/main" id="{4C6893E7-9C1C-4F71-A14C-740819E10246}"/>
+              </a:ext>
+            </a:extLst>
+          </p:cNvPr>
+          <p:cNvSpPr>
+            <a:spLocks noChangeArrowheads="1"/>
+          </p:cNvSpPr>
+          <p:nvPr/>
+        </p:nvSpPr>
+        <p:spPr bwMode="auto">
+          <a:xfrm>
+            <a:off x="354735" y="4162928"/>
+            <a:ext cx="184731" cy="369332"/>
+          </a:xfrm>
+          <a:prstGeom prst="rect">
+            <a:avLst/>
+          </a:prstGeom>
+          <a:solidFill>
+            <a:srgbClr val="FFFFFF"/>
+          </a:solidFill>
+          <a:ln>
+            <a:noFill/>
+          </a:ln>
+          <a:effectLst/>
+          <a:extLst>
+            <a:ext uri="{91240B29-F687-4F45-9708-019B960494DF}">
+              <a14:hiddenLine xmlns:a14="http://schemas.microsoft.com/office/drawing/2010/main" w="9525">
                 <a:solidFill>
                   <a:schemeClr val="tx1"/>
                 </a:solidFill>
-                <a:latin typeface="Arial" panose="020B0604020202020204" pitchFamily="34" charset="0"/>
-              </a:rPr>
-              <a:t>Builders</a:t>
-            </a:r>
-          </a:p>
-          <a:p>
-            <a:pPr marL="0" lvl="0" indent="0" defTabSz="914400" eaLnBrk="0" fontAlgn="base" hangingPunct="0">
+                <a:miter lim="800000"/>
+                <a:headEnd/>
+                <a:tailEnd/>
+              </a14:hiddenLine>
+            </a:ext>
+            <a:ext uri="{AF507438-7753-43E0-B8FC-AC1667EBCBE1}">
+              <a14:hiddenEffects xmlns:a14="http://schemas.microsoft.com/office/drawing/2010/main">
+                <a:effectLst>
+                  <a:outerShdw dist="35921" dir="2700000" algn="ctr" rotWithShape="0">
+                    <a:schemeClr val="bg2"/>
+                  </a:outerShdw>
+                </a:effectLst>
+              </a14:hiddenEffects>
+            </a:ext>
+          </a:extLst>
+        </p:spPr>
+        <p:txBody>
+          <a:bodyPr vert="horz" wrap="none" lIns="91440" tIns="45720" rIns="91440" bIns="45720" numCol="1" anchor="ctr" anchorCtr="0" compatLnSpc="1">
+            <a:prstTxWarp prst="textNoShape">
+              <a:avLst/>
+            </a:prstTxWarp>
+            <a:spAutoFit/>
+          </a:bodyPr>
+          <a:lstStyle/>
+          <a:p>
+            <a:pPr marL="0" marR="0" lvl="0" indent="0" algn="l" defTabSz="914400" rtl="0" eaLnBrk="0" fontAlgn="base" latinLnBrk="0" hangingPunct="0">
               <a:lnSpc>
                 <a:spcPct val="100000"/>
               </a:lnSpc>
@@ -8871,30 +9725,84 @@
               </a:spcAft>
               <a:buClrTx/>
               <a:buSzTx/>
+              <a:buFontTx/>
               <a:buNone/>
+              <a:tabLst/>
             </a:pPr>
-            <a:r>
-              <a:rPr lang="en-US" altLang="en-US" dirty="0">
+            <a:endParaRPr kumimoji="0" lang="en-US" altLang="en-US" sz="1800" b="0" i="0" u="none" strike="noStrike" cap="none" normalizeH="0" baseline="0" dirty="0">
+              <a:ln>
+                <a:noFill/>
+              </a:ln>
+              <a:solidFill>
+                <a:schemeClr val="tx1"/>
+              </a:solidFill>
+              <a:effectLst/>
+              <a:latin typeface="Arial" panose="020B0604020202020204" pitchFamily="34" charset="0"/>
+            </a:endParaRPr>
+          </a:p>
+        </p:txBody>
+      </p:sp>
+      <p:sp>
+        <p:nvSpPr>
+          <p:cNvPr id="9" name="Rectangle 6">
+            <a:extLst>
+              <a:ext uri="{FF2B5EF4-FFF2-40B4-BE49-F238E27FC236}">
+                <a16:creationId xmlns:a16="http://schemas.microsoft.com/office/drawing/2014/main" id="{697767BB-C1AC-4229-9B2E-7A25F02ED269}"/>
+              </a:ext>
+            </a:extLst>
+          </p:cNvPr>
+          <p:cNvSpPr>
+            <a:spLocks noChangeArrowheads="1"/>
+          </p:cNvSpPr>
+          <p:nvPr/>
+        </p:nvSpPr>
+        <p:spPr bwMode="auto">
+          <a:xfrm>
+            <a:off x="350896" y="4797543"/>
+            <a:ext cx="9144000" cy="457200"/>
+          </a:xfrm>
+          <a:prstGeom prst="rect">
+            <a:avLst/>
+          </a:prstGeom>
+          <a:solidFill>
+            <a:srgbClr val="FFFFFF"/>
+          </a:solidFill>
+          <a:ln>
+            <a:noFill/>
+          </a:ln>
+          <a:effectLst/>
+          <a:extLst>
+            <a:ext uri="{91240B29-F687-4F45-9708-019B960494DF}">
+              <a14:hiddenLine xmlns:a14="http://schemas.microsoft.com/office/drawing/2010/main" w="9525">
                 <a:solidFill>
                   <a:schemeClr val="tx1"/>
                 </a:solidFill>
-                <a:latin typeface="Arial" panose="020B0604020202020204" pitchFamily="34" charset="0"/>
-                <a:hlinkClick r:id="rId2"/>
-              </a:rPr>
-              <a:t>https://github.com/dimpon/fight-boilerplatecode-tutorial/tree/master/src/main/java/com/dimpon/tutorals/lombok/builders</a:t>
-            </a:r>
-            <a:r>
-              <a:rPr lang="en-US" altLang="en-US" dirty="0">
-                <a:solidFill>
-                  <a:schemeClr val="tx1"/>
-                </a:solidFill>
-                <a:latin typeface="Arial" panose="020B0604020202020204" pitchFamily="34" charset="0"/>
-              </a:rPr>
-              <a:t> </a:t>
-            </a:r>
-          </a:p>
-          <a:p>
-            <a:pPr marL="0" lvl="0" indent="0" defTabSz="914400" eaLnBrk="0" fontAlgn="base" hangingPunct="0">
+                <a:miter lim="800000"/>
+                <a:headEnd/>
+                <a:tailEnd/>
+              </a14:hiddenLine>
+            </a:ext>
+            <a:ext uri="{AF507438-7753-43E0-B8FC-AC1667EBCBE1}">
+              <a14:hiddenEffects xmlns:a14="http://schemas.microsoft.com/office/drawing/2010/main">
+                <a:effectLst>
+                  <a:outerShdw dist="35921" dir="2700000" algn="ctr" rotWithShape="0">
+                    <a:schemeClr val="bg2"/>
+                  </a:outerShdw>
+                </a:effectLst>
+              </a14:hiddenEffects>
+            </a:ext>
+          </a:extLst>
+        </p:spPr>
+        <p:txBody>
+          <a:bodyPr vert="horz" wrap="none" lIns="91440" tIns="45720" rIns="91440" bIns="45720" numCol="1" anchor="ctr" anchorCtr="0" compatLnSpc="1">
+            <a:prstTxWarp prst="textNoShape">
+              <a:avLst/>
+            </a:prstTxWarp>
+            <a:spAutoFit/>
+          </a:bodyPr>
+          <a:lstStyle/>
+          <a:p>
+            <a:pPr marL="0" marR="0" lvl="0" indent="0" algn="l" defTabSz="914400" rtl="0" eaLnBrk="0" fontAlgn="base" latinLnBrk="0" hangingPunct="0">
               <a:lnSpc>
                 <a:spcPct val="100000"/>
               </a:lnSpc>
@@ -8906,8 +9814,741 @@
               </a:spcAft>
               <a:buClrTx/>
               <a:buSzTx/>
+              <a:buFontTx/>
               <a:buNone/>
+              <a:tabLst/>
             </a:pPr>
+            <a:r>
+              <a:rPr kumimoji="0" lang="en-US" altLang="en-US" sz="900" b="0" i="0" u="none" strike="noStrike" cap="none" normalizeH="0" baseline="0" dirty="0">
+                <a:ln>
+                  <a:noFill/>
+                </a:ln>
+                <a:solidFill>
+                  <a:srgbClr val="000000"/>
+                </a:solidFill>
+                <a:effectLst/>
+                <a:latin typeface="Courier New" panose="02070309020205020404" pitchFamily="49" charset="0"/>
+                <a:cs typeface="Courier New" panose="02070309020205020404" pitchFamily="49" charset="0"/>
+              </a:rPr>
+              <a:t>&lt;</a:t>
+            </a:r>
+            <a:r>
+              <a:rPr kumimoji="0" lang="en-US" altLang="en-US" sz="900" b="1" i="0" u="none" strike="noStrike" cap="none" normalizeH="0" baseline="0" dirty="0">
+                <a:ln>
+                  <a:noFill/>
+                </a:ln>
+                <a:solidFill>
+                  <a:srgbClr val="000080"/>
+                </a:solidFill>
+                <a:effectLst/>
+                <a:latin typeface="Courier New" panose="02070309020205020404" pitchFamily="49" charset="0"/>
+                <a:cs typeface="Courier New" panose="02070309020205020404" pitchFamily="49" charset="0"/>
+              </a:rPr>
+              <a:t>dependency</a:t>
+            </a:r>
+            <a:r>
+              <a:rPr kumimoji="0" lang="en-US" altLang="en-US" sz="900" b="0" i="0" u="none" strike="noStrike" cap="none" normalizeH="0" baseline="0" dirty="0">
+                <a:ln>
+                  <a:noFill/>
+                </a:ln>
+                <a:solidFill>
+                  <a:srgbClr val="000000"/>
+                </a:solidFill>
+                <a:effectLst/>
+                <a:latin typeface="Courier New" panose="02070309020205020404" pitchFamily="49" charset="0"/>
+                <a:cs typeface="Courier New" panose="02070309020205020404" pitchFamily="49" charset="0"/>
+              </a:rPr>
+              <a:t>&gt;</a:t>
+            </a:r>
+            <a:br>
+              <a:rPr kumimoji="0" lang="en-US" altLang="en-US" sz="900" b="0" i="0" u="none" strike="noStrike" cap="none" normalizeH="0" baseline="0" dirty="0">
+                <a:ln>
+                  <a:noFill/>
+                </a:ln>
+                <a:solidFill>
+                  <a:srgbClr val="000000"/>
+                </a:solidFill>
+                <a:effectLst/>
+                <a:latin typeface="Courier New" panose="02070309020205020404" pitchFamily="49" charset="0"/>
+                <a:cs typeface="Courier New" panose="02070309020205020404" pitchFamily="49" charset="0"/>
+              </a:rPr>
+            </a:br>
+            <a:r>
+              <a:rPr kumimoji="0" lang="en-US" altLang="en-US" sz="900" b="0" i="0" u="none" strike="noStrike" cap="none" normalizeH="0" baseline="0" dirty="0">
+                <a:ln>
+                  <a:noFill/>
+                </a:ln>
+                <a:solidFill>
+                  <a:srgbClr val="000000"/>
+                </a:solidFill>
+                <a:effectLst/>
+                <a:latin typeface="Courier New" panose="02070309020205020404" pitchFamily="49" charset="0"/>
+                <a:cs typeface="Courier New" panose="02070309020205020404" pitchFamily="49" charset="0"/>
+              </a:rPr>
+              <a:t>    &lt;</a:t>
+            </a:r>
+            <a:r>
+              <a:rPr kumimoji="0" lang="en-US" altLang="en-US" sz="900" b="1" i="0" u="none" strike="noStrike" cap="none" normalizeH="0" baseline="0" dirty="0" err="1">
+                <a:ln>
+                  <a:noFill/>
+                </a:ln>
+                <a:solidFill>
+                  <a:srgbClr val="000080"/>
+                </a:solidFill>
+                <a:effectLst/>
+                <a:latin typeface="Courier New" panose="02070309020205020404" pitchFamily="49" charset="0"/>
+                <a:cs typeface="Courier New" panose="02070309020205020404" pitchFamily="49" charset="0"/>
+              </a:rPr>
+              <a:t>groupId</a:t>
+            </a:r>
+            <a:r>
+              <a:rPr kumimoji="0" lang="en-US" altLang="en-US" sz="900" b="0" i="0" u="none" strike="noStrike" cap="none" normalizeH="0" baseline="0" dirty="0">
+                <a:ln>
+                  <a:noFill/>
+                </a:ln>
+                <a:solidFill>
+                  <a:srgbClr val="000000"/>
+                </a:solidFill>
+                <a:effectLst/>
+                <a:latin typeface="Courier New" panose="02070309020205020404" pitchFamily="49" charset="0"/>
+                <a:cs typeface="Courier New" panose="02070309020205020404" pitchFamily="49" charset="0"/>
+              </a:rPr>
+              <a:t>&gt;org.slf4j&lt;/</a:t>
+            </a:r>
+            <a:r>
+              <a:rPr kumimoji="0" lang="en-US" altLang="en-US" sz="900" b="1" i="0" u="none" strike="noStrike" cap="none" normalizeH="0" baseline="0" dirty="0" err="1">
+                <a:ln>
+                  <a:noFill/>
+                </a:ln>
+                <a:solidFill>
+                  <a:srgbClr val="000080"/>
+                </a:solidFill>
+                <a:effectLst/>
+                <a:latin typeface="Courier New" panose="02070309020205020404" pitchFamily="49" charset="0"/>
+                <a:cs typeface="Courier New" panose="02070309020205020404" pitchFamily="49" charset="0"/>
+              </a:rPr>
+              <a:t>groupId</a:t>
+            </a:r>
+            <a:r>
+              <a:rPr kumimoji="0" lang="en-US" altLang="en-US" sz="900" b="0" i="0" u="none" strike="noStrike" cap="none" normalizeH="0" baseline="0" dirty="0">
+                <a:ln>
+                  <a:noFill/>
+                </a:ln>
+                <a:solidFill>
+                  <a:srgbClr val="000000"/>
+                </a:solidFill>
+                <a:effectLst/>
+                <a:latin typeface="Courier New" panose="02070309020205020404" pitchFamily="49" charset="0"/>
+                <a:cs typeface="Courier New" panose="02070309020205020404" pitchFamily="49" charset="0"/>
+              </a:rPr>
+              <a:t>&gt;</a:t>
+            </a:r>
+            <a:br>
+              <a:rPr kumimoji="0" lang="en-US" altLang="en-US" sz="900" b="0" i="0" u="none" strike="noStrike" cap="none" normalizeH="0" baseline="0" dirty="0">
+                <a:ln>
+                  <a:noFill/>
+                </a:ln>
+                <a:solidFill>
+                  <a:srgbClr val="000000"/>
+                </a:solidFill>
+                <a:effectLst/>
+                <a:latin typeface="Courier New" panose="02070309020205020404" pitchFamily="49" charset="0"/>
+                <a:cs typeface="Courier New" panose="02070309020205020404" pitchFamily="49" charset="0"/>
+              </a:rPr>
+            </a:br>
+            <a:r>
+              <a:rPr kumimoji="0" lang="en-US" altLang="en-US" sz="900" b="0" i="0" u="none" strike="noStrike" cap="none" normalizeH="0" baseline="0" dirty="0">
+                <a:ln>
+                  <a:noFill/>
+                </a:ln>
+                <a:solidFill>
+                  <a:srgbClr val="000000"/>
+                </a:solidFill>
+                <a:effectLst/>
+                <a:latin typeface="Courier New" panose="02070309020205020404" pitchFamily="49" charset="0"/>
+                <a:cs typeface="Courier New" panose="02070309020205020404" pitchFamily="49" charset="0"/>
+              </a:rPr>
+              <a:t>    &lt;</a:t>
+            </a:r>
+            <a:r>
+              <a:rPr kumimoji="0" lang="en-US" altLang="en-US" sz="900" b="1" i="0" u="none" strike="noStrike" cap="none" normalizeH="0" baseline="0" dirty="0" err="1">
+                <a:ln>
+                  <a:noFill/>
+                </a:ln>
+                <a:solidFill>
+                  <a:srgbClr val="000080"/>
+                </a:solidFill>
+                <a:effectLst/>
+                <a:latin typeface="Courier New" panose="02070309020205020404" pitchFamily="49" charset="0"/>
+                <a:cs typeface="Courier New" panose="02070309020205020404" pitchFamily="49" charset="0"/>
+              </a:rPr>
+              <a:t>artifactId</a:t>
+            </a:r>
+            <a:r>
+              <a:rPr kumimoji="0" lang="en-US" altLang="en-US" sz="900" b="0" i="0" u="none" strike="noStrike" cap="none" normalizeH="0" baseline="0" dirty="0">
+                <a:ln>
+                  <a:noFill/>
+                </a:ln>
+                <a:solidFill>
+                  <a:srgbClr val="000000"/>
+                </a:solidFill>
+                <a:effectLst/>
+                <a:latin typeface="Courier New" panose="02070309020205020404" pitchFamily="49" charset="0"/>
+                <a:cs typeface="Courier New" panose="02070309020205020404" pitchFamily="49" charset="0"/>
+              </a:rPr>
+              <a:t>&gt;slf4j-api&lt;/</a:t>
+            </a:r>
+            <a:r>
+              <a:rPr kumimoji="0" lang="en-US" altLang="en-US" sz="900" b="1" i="0" u="none" strike="noStrike" cap="none" normalizeH="0" baseline="0" dirty="0" err="1">
+                <a:ln>
+                  <a:noFill/>
+                </a:ln>
+                <a:solidFill>
+                  <a:srgbClr val="000080"/>
+                </a:solidFill>
+                <a:effectLst/>
+                <a:latin typeface="Courier New" panose="02070309020205020404" pitchFamily="49" charset="0"/>
+                <a:cs typeface="Courier New" panose="02070309020205020404" pitchFamily="49" charset="0"/>
+              </a:rPr>
+              <a:t>artifactId</a:t>
+            </a:r>
+            <a:r>
+              <a:rPr kumimoji="0" lang="en-US" altLang="en-US" sz="900" b="0" i="0" u="none" strike="noStrike" cap="none" normalizeH="0" baseline="0" dirty="0">
+                <a:ln>
+                  <a:noFill/>
+                </a:ln>
+                <a:solidFill>
+                  <a:srgbClr val="000000"/>
+                </a:solidFill>
+                <a:effectLst/>
+                <a:latin typeface="Courier New" panose="02070309020205020404" pitchFamily="49" charset="0"/>
+                <a:cs typeface="Courier New" panose="02070309020205020404" pitchFamily="49" charset="0"/>
+              </a:rPr>
+              <a:t>&gt;</a:t>
+            </a:r>
+            <a:br>
+              <a:rPr kumimoji="0" lang="en-US" altLang="en-US" sz="900" b="0" i="0" u="none" strike="noStrike" cap="none" normalizeH="0" baseline="0" dirty="0">
+                <a:ln>
+                  <a:noFill/>
+                </a:ln>
+                <a:solidFill>
+                  <a:srgbClr val="000000"/>
+                </a:solidFill>
+                <a:effectLst/>
+                <a:latin typeface="Courier New" panose="02070309020205020404" pitchFamily="49" charset="0"/>
+                <a:cs typeface="Courier New" panose="02070309020205020404" pitchFamily="49" charset="0"/>
+              </a:rPr>
+            </a:br>
+            <a:r>
+              <a:rPr kumimoji="0" lang="en-US" altLang="en-US" sz="900" b="0" i="0" u="none" strike="noStrike" cap="none" normalizeH="0" baseline="0" dirty="0">
+                <a:ln>
+                  <a:noFill/>
+                </a:ln>
+                <a:solidFill>
+                  <a:srgbClr val="000000"/>
+                </a:solidFill>
+                <a:effectLst/>
+                <a:latin typeface="Courier New" panose="02070309020205020404" pitchFamily="49" charset="0"/>
+                <a:cs typeface="Courier New" panose="02070309020205020404" pitchFamily="49" charset="0"/>
+              </a:rPr>
+              <a:t>    &lt;</a:t>
+            </a:r>
+            <a:r>
+              <a:rPr kumimoji="0" lang="en-US" altLang="en-US" sz="900" b="1" i="0" u="none" strike="noStrike" cap="none" normalizeH="0" baseline="0" dirty="0">
+                <a:ln>
+                  <a:noFill/>
+                </a:ln>
+                <a:solidFill>
+                  <a:srgbClr val="000080"/>
+                </a:solidFill>
+                <a:effectLst/>
+                <a:latin typeface="Courier New" panose="02070309020205020404" pitchFamily="49" charset="0"/>
+                <a:cs typeface="Courier New" panose="02070309020205020404" pitchFamily="49" charset="0"/>
+              </a:rPr>
+              <a:t>version</a:t>
+            </a:r>
+            <a:r>
+              <a:rPr kumimoji="0" lang="en-US" altLang="en-US" sz="900" b="0" i="0" u="none" strike="noStrike" cap="none" normalizeH="0" baseline="0" dirty="0">
+                <a:ln>
+                  <a:noFill/>
+                </a:ln>
+                <a:solidFill>
+                  <a:srgbClr val="000000"/>
+                </a:solidFill>
+                <a:effectLst/>
+                <a:latin typeface="Courier New" panose="02070309020205020404" pitchFamily="49" charset="0"/>
+                <a:cs typeface="Courier New" panose="02070309020205020404" pitchFamily="49" charset="0"/>
+              </a:rPr>
+              <a:t>&gt;1.7.25&lt;/</a:t>
+            </a:r>
+            <a:r>
+              <a:rPr kumimoji="0" lang="en-US" altLang="en-US" sz="900" b="1" i="0" u="none" strike="noStrike" cap="none" normalizeH="0" baseline="0" dirty="0">
+                <a:ln>
+                  <a:noFill/>
+                </a:ln>
+                <a:solidFill>
+                  <a:srgbClr val="000080"/>
+                </a:solidFill>
+                <a:effectLst/>
+                <a:latin typeface="Courier New" panose="02070309020205020404" pitchFamily="49" charset="0"/>
+                <a:cs typeface="Courier New" panose="02070309020205020404" pitchFamily="49" charset="0"/>
+              </a:rPr>
+              <a:t>version</a:t>
+            </a:r>
+            <a:r>
+              <a:rPr kumimoji="0" lang="en-US" altLang="en-US" sz="900" b="0" i="0" u="none" strike="noStrike" cap="none" normalizeH="0" baseline="0" dirty="0">
+                <a:ln>
+                  <a:noFill/>
+                </a:ln>
+                <a:solidFill>
+                  <a:srgbClr val="000000"/>
+                </a:solidFill>
+                <a:effectLst/>
+                <a:latin typeface="Courier New" panose="02070309020205020404" pitchFamily="49" charset="0"/>
+                <a:cs typeface="Courier New" panose="02070309020205020404" pitchFamily="49" charset="0"/>
+              </a:rPr>
+              <a:t>&gt;</a:t>
+            </a:r>
+            <a:br>
+              <a:rPr kumimoji="0" lang="en-US" altLang="en-US" sz="900" b="0" i="0" u="none" strike="noStrike" cap="none" normalizeH="0" baseline="0" dirty="0">
+                <a:ln>
+                  <a:noFill/>
+                </a:ln>
+                <a:solidFill>
+                  <a:srgbClr val="000000"/>
+                </a:solidFill>
+                <a:effectLst/>
+                <a:latin typeface="Courier New" panose="02070309020205020404" pitchFamily="49" charset="0"/>
+                <a:cs typeface="Courier New" panose="02070309020205020404" pitchFamily="49" charset="0"/>
+              </a:rPr>
+            </a:br>
+            <a:r>
+              <a:rPr kumimoji="0" lang="en-US" altLang="en-US" sz="900" b="0" i="0" u="none" strike="noStrike" cap="none" normalizeH="0" baseline="0" dirty="0">
+                <a:ln>
+                  <a:noFill/>
+                </a:ln>
+                <a:solidFill>
+                  <a:srgbClr val="000000"/>
+                </a:solidFill>
+                <a:effectLst/>
+                <a:latin typeface="Courier New" panose="02070309020205020404" pitchFamily="49" charset="0"/>
+                <a:cs typeface="Courier New" panose="02070309020205020404" pitchFamily="49" charset="0"/>
+              </a:rPr>
+              <a:t>&lt;/</a:t>
+            </a:r>
+            <a:r>
+              <a:rPr kumimoji="0" lang="en-US" altLang="en-US" sz="900" b="1" i="0" u="none" strike="noStrike" cap="none" normalizeH="0" baseline="0" dirty="0">
+                <a:ln>
+                  <a:noFill/>
+                </a:ln>
+                <a:solidFill>
+                  <a:srgbClr val="000080"/>
+                </a:solidFill>
+                <a:effectLst/>
+                <a:latin typeface="Courier New" panose="02070309020205020404" pitchFamily="49" charset="0"/>
+                <a:cs typeface="Courier New" panose="02070309020205020404" pitchFamily="49" charset="0"/>
+              </a:rPr>
+              <a:t>dependency</a:t>
+            </a:r>
+            <a:r>
+              <a:rPr kumimoji="0" lang="en-US" altLang="en-US" sz="900" b="0" i="0" u="none" strike="noStrike" cap="none" normalizeH="0" baseline="0" dirty="0">
+                <a:ln>
+                  <a:noFill/>
+                </a:ln>
+                <a:solidFill>
+                  <a:srgbClr val="000000"/>
+                </a:solidFill>
+                <a:effectLst/>
+                <a:latin typeface="Courier New" panose="02070309020205020404" pitchFamily="49" charset="0"/>
+                <a:cs typeface="Courier New" panose="02070309020205020404" pitchFamily="49" charset="0"/>
+              </a:rPr>
+              <a:t>&gt;</a:t>
+            </a:r>
+            <a:br>
+              <a:rPr kumimoji="0" lang="en-US" altLang="en-US" sz="900" b="0" i="0" u="none" strike="noStrike" cap="none" normalizeH="0" baseline="0" dirty="0">
+                <a:ln>
+                  <a:noFill/>
+                </a:ln>
+                <a:solidFill>
+                  <a:srgbClr val="000000"/>
+                </a:solidFill>
+                <a:effectLst/>
+                <a:latin typeface="Courier New" panose="02070309020205020404" pitchFamily="49" charset="0"/>
+                <a:cs typeface="Courier New" panose="02070309020205020404" pitchFamily="49" charset="0"/>
+              </a:rPr>
+            </a:br>
+            <a:br>
+              <a:rPr kumimoji="0" lang="en-US" altLang="en-US" sz="900" b="0" i="0" u="none" strike="noStrike" cap="none" normalizeH="0" baseline="0" dirty="0">
+                <a:ln>
+                  <a:noFill/>
+                </a:ln>
+                <a:solidFill>
+                  <a:srgbClr val="000000"/>
+                </a:solidFill>
+                <a:effectLst/>
+                <a:latin typeface="Courier New" panose="02070309020205020404" pitchFamily="49" charset="0"/>
+                <a:cs typeface="Courier New" panose="02070309020205020404" pitchFamily="49" charset="0"/>
+              </a:rPr>
+            </a:br>
+            <a:br>
+              <a:rPr kumimoji="0" lang="en-US" altLang="en-US" sz="900" b="0" i="0" u="none" strike="noStrike" cap="none" normalizeH="0" baseline="0" dirty="0">
+                <a:ln>
+                  <a:noFill/>
+                </a:ln>
+                <a:solidFill>
+                  <a:srgbClr val="000000"/>
+                </a:solidFill>
+                <a:effectLst/>
+                <a:latin typeface="Courier New" panose="02070309020205020404" pitchFamily="49" charset="0"/>
+                <a:cs typeface="Courier New" panose="02070309020205020404" pitchFamily="49" charset="0"/>
+              </a:rPr>
+            </a:br>
+            <a:r>
+              <a:rPr kumimoji="0" lang="en-US" altLang="en-US" sz="900" b="0" i="0" u="none" strike="noStrike" cap="none" normalizeH="0" baseline="0" dirty="0">
+                <a:ln>
+                  <a:noFill/>
+                </a:ln>
+                <a:solidFill>
+                  <a:srgbClr val="000000"/>
+                </a:solidFill>
+                <a:effectLst/>
+                <a:latin typeface="Courier New" panose="02070309020205020404" pitchFamily="49" charset="0"/>
+                <a:cs typeface="Courier New" panose="02070309020205020404" pitchFamily="49" charset="0"/>
+              </a:rPr>
+              <a:t>&lt;</a:t>
+            </a:r>
+            <a:r>
+              <a:rPr kumimoji="0" lang="en-US" altLang="en-US" sz="900" b="1" i="0" u="none" strike="noStrike" cap="none" normalizeH="0" baseline="0" dirty="0">
+                <a:ln>
+                  <a:noFill/>
+                </a:ln>
+                <a:solidFill>
+                  <a:srgbClr val="000080"/>
+                </a:solidFill>
+                <a:effectLst/>
+                <a:latin typeface="Courier New" panose="02070309020205020404" pitchFamily="49" charset="0"/>
+                <a:cs typeface="Courier New" panose="02070309020205020404" pitchFamily="49" charset="0"/>
+              </a:rPr>
+              <a:t>dependency</a:t>
+            </a:r>
+            <a:r>
+              <a:rPr kumimoji="0" lang="en-US" altLang="en-US" sz="900" b="0" i="0" u="none" strike="noStrike" cap="none" normalizeH="0" baseline="0" dirty="0">
+                <a:ln>
+                  <a:noFill/>
+                </a:ln>
+                <a:solidFill>
+                  <a:srgbClr val="000000"/>
+                </a:solidFill>
+                <a:effectLst/>
+                <a:latin typeface="Courier New" panose="02070309020205020404" pitchFamily="49" charset="0"/>
+                <a:cs typeface="Courier New" panose="02070309020205020404" pitchFamily="49" charset="0"/>
+              </a:rPr>
+              <a:t>&gt;</a:t>
+            </a:r>
+            <a:br>
+              <a:rPr kumimoji="0" lang="en-US" altLang="en-US" sz="900" b="0" i="0" u="none" strike="noStrike" cap="none" normalizeH="0" baseline="0" dirty="0">
+                <a:ln>
+                  <a:noFill/>
+                </a:ln>
+                <a:solidFill>
+                  <a:srgbClr val="000000"/>
+                </a:solidFill>
+                <a:effectLst/>
+                <a:latin typeface="Courier New" panose="02070309020205020404" pitchFamily="49" charset="0"/>
+                <a:cs typeface="Courier New" panose="02070309020205020404" pitchFamily="49" charset="0"/>
+              </a:rPr>
+            </a:br>
+            <a:r>
+              <a:rPr kumimoji="0" lang="en-US" altLang="en-US" sz="900" b="0" i="0" u="none" strike="noStrike" cap="none" normalizeH="0" baseline="0" dirty="0">
+                <a:ln>
+                  <a:noFill/>
+                </a:ln>
+                <a:solidFill>
+                  <a:srgbClr val="000000"/>
+                </a:solidFill>
+                <a:effectLst/>
+                <a:latin typeface="Courier New" panose="02070309020205020404" pitchFamily="49" charset="0"/>
+                <a:cs typeface="Courier New" panose="02070309020205020404" pitchFamily="49" charset="0"/>
+              </a:rPr>
+              <a:t>    &lt;</a:t>
+            </a:r>
+            <a:r>
+              <a:rPr kumimoji="0" lang="en-US" altLang="en-US" sz="900" b="1" i="0" u="none" strike="noStrike" cap="none" normalizeH="0" baseline="0" dirty="0" err="1">
+                <a:ln>
+                  <a:noFill/>
+                </a:ln>
+                <a:solidFill>
+                  <a:srgbClr val="000080"/>
+                </a:solidFill>
+                <a:effectLst/>
+                <a:latin typeface="Courier New" panose="02070309020205020404" pitchFamily="49" charset="0"/>
+                <a:cs typeface="Courier New" panose="02070309020205020404" pitchFamily="49" charset="0"/>
+              </a:rPr>
+              <a:t>groupId</a:t>
+            </a:r>
+            <a:r>
+              <a:rPr kumimoji="0" lang="en-US" altLang="en-US" sz="900" b="0" i="0" u="none" strike="noStrike" cap="none" normalizeH="0" baseline="0" dirty="0">
+                <a:ln>
+                  <a:noFill/>
+                </a:ln>
+                <a:solidFill>
+                  <a:srgbClr val="000000"/>
+                </a:solidFill>
+                <a:effectLst/>
+                <a:latin typeface="Courier New" panose="02070309020205020404" pitchFamily="49" charset="0"/>
+                <a:cs typeface="Courier New" panose="02070309020205020404" pitchFamily="49" charset="0"/>
+              </a:rPr>
+              <a:t>&gt;org.slf4j&lt;/</a:t>
+            </a:r>
+            <a:r>
+              <a:rPr kumimoji="0" lang="en-US" altLang="en-US" sz="900" b="1" i="0" u="none" strike="noStrike" cap="none" normalizeH="0" baseline="0" dirty="0" err="1">
+                <a:ln>
+                  <a:noFill/>
+                </a:ln>
+                <a:solidFill>
+                  <a:srgbClr val="000080"/>
+                </a:solidFill>
+                <a:effectLst/>
+                <a:latin typeface="Courier New" panose="02070309020205020404" pitchFamily="49" charset="0"/>
+                <a:cs typeface="Courier New" panose="02070309020205020404" pitchFamily="49" charset="0"/>
+              </a:rPr>
+              <a:t>groupId</a:t>
+            </a:r>
+            <a:r>
+              <a:rPr kumimoji="0" lang="en-US" altLang="en-US" sz="900" b="0" i="0" u="none" strike="noStrike" cap="none" normalizeH="0" baseline="0" dirty="0">
+                <a:ln>
+                  <a:noFill/>
+                </a:ln>
+                <a:solidFill>
+                  <a:srgbClr val="000000"/>
+                </a:solidFill>
+                <a:effectLst/>
+                <a:latin typeface="Courier New" panose="02070309020205020404" pitchFamily="49" charset="0"/>
+                <a:cs typeface="Courier New" panose="02070309020205020404" pitchFamily="49" charset="0"/>
+              </a:rPr>
+              <a:t>&gt;</a:t>
+            </a:r>
+            <a:br>
+              <a:rPr kumimoji="0" lang="en-US" altLang="en-US" sz="900" b="0" i="0" u="none" strike="noStrike" cap="none" normalizeH="0" baseline="0" dirty="0">
+                <a:ln>
+                  <a:noFill/>
+                </a:ln>
+                <a:solidFill>
+                  <a:srgbClr val="000000"/>
+                </a:solidFill>
+                <a:effectLst/>
+                <a:latin typeface="Courier New" panose="02070309020205020404" pitchFamily="49" charset="0"/>
+                <a:cs typeface="Courier New" panose="02070309020205020404" pitchFamily="49" charset="0"/>
+              </a:rPr>
+            </a:br>
+            <a:r>
+              <a:rPr kumimoji="0" lang="en-US" altLang="en-US" sz="900" b="0" i="0" u="none" strike="noStrike" cap="none" normalizeH="0" baseline="0" dirty="0">
+                <a:ln>
+                  <a:noFill/>
+                </a:ln>
+                <a:solidFill>
+                  <a:srgbClr val="000000"/>
+                </a:solidFill>
+                <a:effectLst/>
+                <a:latin typeface="Courier New" panose="02070309020205020404" pitchFamily="49" charset="0"/>
+                <a:cs typeface="Courier New" panose="02070309020205020404" pitchFamily="49" charset="0"/>
+              </a:rPr>
+              <a:t>    &lt;</a:t>
+            </a:r>
+            <a:r>
+              <a:rPr kumimoji="0" lang="en-US" altLang="en-US" sz="900" b="1" i="0" u="none" strike="noStrike" cap="none" normalizeH="0" baseline="0" dirty="0" err="1">
+                <a:ln>
+                  <a:noFill/>
+                </a:ln>
+                <a:solidFill>
+                  <a:srgbClr val="000080"/>
+                </a:solidFill>
+                <a:effectLst/>
+                <a:latin typeface="Courier New" panose="02070309020205020404" pitchFamily="49" charset="0"/>
+                <a:cs typeface="Courier New" panose="02070309020205020404" pitchFamily="49" charset="0"/>
+              </a:rPr>
+              <a:t>artifactId</a:t>
+            </a:r>
+            <a:r>
+              <a:rPr kumimoji="0" lang="en-US" altLang="en-US" sz="900" b="0" i="0" u="none" strike="noStrike" cap="none" normalizeH="0" baseline="0" dirty="0">
+                <a:ln>
+                  <a:noFill/>
+                </a:ln>
+                <a:solidFill>
+                  <a:srgbClr val="000000"/>
+                </a:solidFill>
+                <a:effectLst/>
+                <a:latin typeface="Courier New" panose="02070309020205020404" pitchFamily="49" charset="0"/>
+                <a:cs typeface="Courier New" panose="02070309020205020404" pitchFamily="49" charset="0"/>
+              </a:rPr>
+              <a:t>&gt;slf4j-simple&lt;/</a:t>
+            </a:r>
+            <a:r>
+              <a:rPr kumimoji="0" lang="en-US" altLang="en-US" sz="900" b="1" i="0" u="none" strike="noStrike" cap="none" normalizeH="0" baseline="0" dirty="0" err="1">
+                <a:ln>
+                  <a:noFill/>
+                </a:ln>
+                <a:solidFill>
+                  <a:srgbClr val="000080"/>
+                </a:solidFill>
+                <a:effectLst/>
+                <a:latin typeface="Courier New" panose="02070309020205020404" pitchFamily="49" charset="0"/>
+                <a:cs typeface="Courier New" panose="02070309020205020404" pitchFamily="49" charset="0"/>
+              </a:rPr>
+              <a:t>artifactId</a:t>
+            </a:r>
+            <a:r>
+              <a:rPr kumimoji="0" lang="en-US" altLang="en-US" sz="900" b="0" i="0" u="none" strike="noStrike" cap="none" normalizeH="0" baseline="0" dirty="0">
+                <a:ln>
+                  <a:noFill/>
+                </a:ln>
+                <a:solidFill>
+                  <a:srgbClr val="000000"/>
+                </a:solidFill>
+                <a:effectLst/>
+                <a:latin typeface="Courier New" panose="02070309020205020404" pitchFamily="49" charset="0"/>
+                <a:cs typeface="Courier New" panose="02070309020205020404" pitchFamily="49" charset="0"/>
+              </a:rPr>
+              <a:t>&gt;</a:t>
+            </a:r>
+            <a:br>
+              <a:rPr kumimoji="0" lang="en-US" altLang="en-US" sz="900" b="0" i="0" u="none" strike="noStrike" cap="none" normalizeH="0" baseline="0" dirty="0">
+                <a:ln>
+                  <a:noFill/>
+                </a:ln>
+                <a:solidFill>
+                  <a:srgbClr val="000000"/>
+                </a:solidFill>
+                <a:effectLst/>
+                <a:latin typeface="Courier New" panose="02070309020205020404" pitchFamily="49" charset="0"/>
+                <a:cs typeface="Courier New" panose="02070309020205020404" pitchFamily="49" charset="0"/>
+              </a:rPr>
+            </a:br>
+            <a:r>
+              <a:rPr kumimoji="0" lang="en-US" altLang="en-US" sz="900" b="0" i="0" u="none" strike="noStrike" cap="none" normalizeH="0" baseline="0" dirty="0">
+                <a:ln>
+                  <a:noFill/>
+                </a:ln>
+                <a:solidFill>
+                  <a:srgbClr val="000000"/>
+                </a:solidFill>
+                <a:effectLst/>
+                <a:latin typeface="Courier New" panose="02070309020205020404" pitchFamily="49" charset="0"/>
+                <a:cs typeface="Courier New" panose="02070309020205020404" pitchFamily="49" charset="0"/>
+              </a:rPr>
+              <a:t>    &lt;</a:t>
+            </a:r>
+            <a:r>
+              <a:rPr kumimoji="0" lang="en-US" altLang="en-US" sz="900" b="1" i="0" u="none" strike="noStrike" cap="none" normalizeH="0" baseline="0" dirty="0">
+                <a:ln>
+                  <a:noFill/>
+                </a:ln>
+                <a:solidFill>
+                  <a:srgbClr val="000080"/>
+                </a:solidFill>
+                <a:effectLst/>
+                <a:latin typeface="Courier New" panose="02070309020205020404" pitchFamily="49" charset="0"/>
+                <a:cs typeface="Courier New" panose="02070309020205020404" pitchFamily="49" charset="0"/>
+              </a:rPr>
+              <a:t>version</a:t>
+            </a:r>
+            <a:r>
+              <a:rPr kumimoji="0" lang="en-US" altLang="en-US" sz="900" b="0" i="0" u="none" strike="noStrike" cap="none" normalizeH="0" baseline="0" dirty="0">
+                <a:ln>
+                  <a:noFill/>
+                </a:ln>
+                <a:solidFill>
+                  <a:srgbClr val="000000"/>
+                </a:solidFill>
+                <a:effectLst/>
+                <a:latin typeface="Courier New" panose="02070309020205020404" pitchFamily="49" charset="0"/>
+                <a:cs typeface="Courier New" panose="02070309020205020404" pitchFamily="49" charset="0"/>
+              </a:rPr>
+              <a:t>&gt;1.7.25&lt;/</a:t>
+            </a:r>
+            <a:r>
+              <a:rPr kumimoji="0" lang="en-US" altLang="en-US" sz="900" b="1" i="0" u="none" strike="noStrike" cap="none" normalizeH="0" baseline="0" dirty="0">
+                <a:ln>
+                  <a:noFill/>
+                </a:ln>
+                <a:solidFill>
+                  <a:srgbClr val="000080"/>
+                </a:solidFill>
+                <a:effectLst/>
+                <a:latin typeface="Courier New" panose="02070309020205020404" pitchFamily="49" charset="0"/>
+                <a:cs typeface="Courier New" panose="02070309020205020404" pitchFamily="49" charset="0"/>
+              </a:rPr>
+              <a:t>version</a:t>
+            </a:r>
+            <a:r>
+              <a:rPr kumimoji="0" lang="en-US" altLang="en-US" sz="900" b="0" i="0" u="none" strike="noStrike" cap="none" normalizeH="0" baseline="0" dirty="0">
+                <a:ln>
+                  <a:noFill/>
+                </a:ln>
+                <a:solidFill>
+                  <a:srgbClr val="000000"/>
+                </a:solidFill>
+                <a:effectLst/>
+                <a:latin typeface="Courier New" panose="02070309020205020404" pitchFamily="49" charset="0"/>
+                <a:cs typeface="Courier New" panose="02070309020205020404" pitchFamily="49" charset="0"/>
+              </a:rPr>
+              <a:t>&gt;</a:t>
+            </a:r>
+            <a:br>
+              <a:rPr kumimoji="0" lang="en-US" altLang="en-US" sz="900" b="0" i="0" u="none" strike="noStrike" cap="none" normalizeH="0" baseline="0" dirty="0">
+                <a:ln>
+                  <a:noFill/>
+                </a:ln>
+                <a:solidFill>
+                  <a:srgbClr val="000000"/>
+                </a:solidFill>
+                <a:effectLst/>
+                <a:latin typeface="Courier New" panose="02070309020205020404" pitchFamily="49" charset="0"/>
+                <a:cs typeface="Courier New" panose="02070309020205020404" pitchFamily="49" charset="0"/>
+              </a:rPr>
+            </a:br>
+            <a:r>
+              <a:rPr kumimoji="0" lang="en-US" altLang="en-US" sz="900" b="0" i="0" u="none" strike="noStrike" cap="none" normalizeH="0" baseline="0" dirty="0">
+                <a:ln>
+                  <a:noFill/>
+                </a:ln>
+                <a:solidFill>
+                  <a:srgbClr val="000000"/>
+                </a:solidFill>
+                <a:effectLst/>
+                <a:latin typeface="Courier New" panose="02070309020205020404" pitchFamily="49" charset="0"/>
+                <a:cs typeface="Courier New" panose="02070309020205020404" pitchFamily="49" charset="0"/>
+              </a:rPr>
+              <a:t>&lt;/</a:t>
+            </a:r>
+            <a:r>
+              <a:rPr kumimoji="0" lang="en-US" altLang="en-US" sz="900" b="1" i="0" u="none" strike="noStrike" cap="none" normalizeH="0" baseline="0" dirty="0">
+                <a:ln>
+                  <a:noFill/>
+                </a:ln>
+                <a:solidFill>
+                  <a:srgbClr val="000080"/>
+                </a:solidFill>
+                <a:effectLst/>
+                <a:latin typeface="Courier New" panose="02070309020205020404" pitchFamily="49" charset="0"/>
+                <a:cs typeface="Courier New" panose="02070309020205020404" pitchFamily="49" charset="0"/>
+              </a:rPr>
+              <a:t>dependency</a:t>
+            </a:r>
+            <a:r>
+              <a:rPr kumimoji="0" lang="en-US" altLang="en-US" sz="900" b="0" i="0" u="none" strike="noStrike" cap="none" normalizeH="0" baseline="0" dirty="0">
+                <a:ln>
+                  <a:noFill/>
+                </a:ln>
+                <a:solidFill>
+                  <a:srgbClr val="000000"/>
+                </a:solidFill>
+                <a:effectLst/>
+                <a:latin typeface="Courier New" panose="02070309020205020404" pitchFamily="49" charset="0"/>
+                <a:cs typeface="Courier New" panose="02070309020205020404" pitchFamily="49" charset="0"/>
+              </a:rPr>
+              <a:t>&gt;</a:t>
+            </a:r>
             <a:endParaRPr kumimoji="0" lang="en-US" altLang="en-US" sz="1800" b="0" i="0" u="none" strike="noStrike" cap="none" normalizeH="0" baseline="0" dirty="0">
               <a:ln>
                 <a:noFill/>
@@ -8919,215 +10560,12 @@
               <a:latin typeface="Arial" panose="020B0604020202020204" pitchFamily="34" charset="0"/>
             </a:endParaRPr>
           </a:p>
-          <a:p>
-            <a:pPr marL="0" lvl="0" indent="0" defTabSz="914400" eaLnBrk="0" fontAlgn="base" hangingPunct="0">
-              <a:lnSpc>
-                <a:spcPct val="100000"/>
-              </a:lnSpc>
-              <a:spcBef>
-                <a:spcPct val="0"/>
-              </a:spcBef>
-              <a:spcAft>
-                <a:spcPct val="0"/>
-              </a:spcAft>
-              <a:buClrTx/>
-              <a:buSzTx/>
-              <a:buNone/>
-            </a:pPr>
-            <a:r>
-              <a:rPr lang="en-US" altLang="en-US" dirty="0" err="1">
-                <a:solidFill>
-                  <a:schemeClr val="tx1"/>
-                </a:solidFill>
-                <a:latin typeface="Arial" panose="020B0604020202020204" pitchFamily="34" charset="0"/>
-              </a:rPr>
-              <a:t>Delagates</a:t>
-            </a:r>
-            <a:endParaRPr lang="en-US" altLang="en-US" dirty="0">
-              <a:solidFill>
-                <a:schemeClr val="tx1"/>
-              </a:solidFill>
-              <a:latin typeface="Arial" panose="020B0604020202020204" pitchFamily="34" charset="0"/>
-            </a:endParaRPr>
-          </a:p>
-          <a:p>
-            <a:pPr marL="0" lvl="0" indent="0" defTabSz="914400" eaLnBrk="0" fontAlgn="base" hangingPunct="0">
-              <a:lnSpc>
-                <a:spcPct val="100000"/>
-              </a:lnSpc>
-              <a:spcBef>
-                <a:spcPct val="0"/>
-              </a:spcBef>
-              <a:spcAft>
-                <a:spcPct val="0"/>
-              </a:spcAft>
-              <a:buClrTx/>
-              <a:buSzTx/>
-              <a:buNone/>
-            </a:pPr>
-            <a:r>
-              <a:rPr lang="en-US" altLang="en-US" dirty="0">
-                <a:solidFill>
-                  <a:schemeClr val="tx1"/>
-                </a:solidFill>
-                <a:latin typeface="Arial" panose="020B0604020202020204" pitchFamily="34" charset="0"/>
-                <a:hlinkClick r:id="rId3"/>
-              </a:rPr>
-              <a:t>https://github.com/dimpon/fight-boilerplatecode-tutorial/tree/master/src/main/java/com/dimpon/tutorals/lombok/delegation</a:t>
-            </a:r>
-            <a:endParaRPr lang="en-US" altLang="en-US" dirty="0">
-              <a:solidFill>
-                <a:schemeClr val="tx1"/>
-              </a:solidFill>
-              <a:latin typeface="Arial" panose="020B0604020202020204" pitchFamily="34" charset="0"/>
-            </a:endParaRPr>
-          </a:p>
-          <a:p>
-            <a:pPr marL="0" lvl="0" indent="0" defTabSz="914400" eaLnBrk="0" fontAlgn="base" hangingPunct="0">
-              <a:lnSpc>
-                <a:spcPct val="100000"/>
-              </a:lnSpc>
-              <a:spcBef>
-                <a:spcPct val="0"/>
-              </a:spcBef>
-              <a:spcAft>
-                <a:spcPct val="0"/>
-              </a:spcAft>
-              <a:buClrTx/>
-              <a:buSzTx/>
-              <a:buNone/>
-            </a:pPr>
-            <a:endParaRPr lang="en-US" altLang="en-US" dirty="0">
-              <a:solidFill>
-                <a:schemeClr val="tx1"/>
-              </a:solidFill>
-              <a:latin typeface="Arial" panose="020B0604020202020204" pitchFamily="34" charset="0"/>
-            </a:endParaRPr>
-          </a:p>
-          <a:p>
-            <a:pPr marL="0" lvl="0" indent="0" defTabSz="914400" eaLnBrk="0" fontAlgn="base" hangingPunct="0">
-              <a:lnSpc>
-                <a:spcPct val="100000"/>
-              </a:lnSpc>
-              <a:spcBef>
-                <a:spcPct val="0"/>
-              </a:spcBef>
-              <a:spcAft>
-                <a:spcPct val="0"/>
-              </a:spcAft>
-              <a:buClrTx/>
-              <a:buSzTx/>
-              <a:buNone/>
-            </a:pPr>
-            <a:r>
-              <a:rPr lang="en-US" altLang="en-US" dirty="0">
-                <a:solidFill>
-                  <a:schemeClr val="tx1"/>
-                </a:solidFill>
-                <a:latin typeface="Arial" panose="020B0604020202020204" pitchFamily="34" charset="0"/>
-              </a:rPr>
-              <a:t>Utilities</a:t>
-            </a:r>
-          </a:p>
-          <a:p>
-            <a:pPr marL="0" lvl="0" indent="0" defTabSz="914400" eaLnBrk="0" fontAlgn="base" hangingPunct="0">
-              <a:lnSpc>
-                <a:spcPct val="100000"/>
-              </a:lnSpc>
-              <a:spcBef>
-                <a:spcPct val="0"/>
-              </a:spcBef>
-              <a:spcAft>
-                <a:spcPct val="0"/>
-              </a:spcAft>
-              <a:buClrTx/>
-              <a:buSzTx/>
-              <a:buNone/>
-            </a:pPr>
-            <a:r>
-              <a:rPr lang="en-US" altLang="en-US">
-                <a:solidFill>
-                  <a:schemeClr val="tx1"/>
-                </a:solidFill>
-                <a:latin typeface="Arial" panose="020B0604020202020204" pitchFamily="34" charset="0"/>
-                <a:hlinkClick r:id="rId4"/>
-              </a:rPr>
-              <a:t>https://github.com/dimpon/fight-boilerplatecode-tutorial/tree/master/src/main/java/com/dimpon/tutorals/lombok/ulility</a:t>
-            </a:r>
-            <a:r>
-              <a:rPr lang="en-US" altLang="en-US">
-                <a:solidFill>
-                  <a:schemeClr val="tx1"/>
-                </a:solidFill>
-                <a:latin typeface="Arial" panose="020B0604020202020204" pitchFamily="34" charset="0"/>
-              </a:rPr>
-              <a:t> </a:t>
-            </a:r>
-            <a:endParaRPr lang="en-US" altLang="en-US" dirty="0">
-              <a:solidFill>
-                <a:schemeClr val="tx1"/>
-              </a:solidFill>
-              <a:latin typeface="Arial" panose="020B0604020202020204" pitchFamily="34" charset="0"/>
-            </a:endParaRPr>
-          </a:p>
-          <a:p>
-            <a:pPr marL="0" lvl="0" indent="0" defTabSz="914400" eaLnBrk="0" fontAlgn="base" hangingPunct="0">
-              <a:lnSpc>
-                <a:spcPct val="100000"/>
-              </a:lnSpc>
-              <a:spcBef>
-                <a:spcPct val="0"/>
-              </a:spcBef>
-              <a:spcAft>
-                <a:spcPct val="0"/>
-              </a:spcAft>
-              <a:buClrTx/>
-              <a:buSzTx/>
-              <a:buNone/>
-            </a:pPr>
-            <a:endParaRPr kumimoji="0" lang="en-US" altLang="en-US" sz="1800" b="0" i="0" u="none" strike="noStrike" cap="none" normalizeH="0" baseline="0" dirty="0">
-              <a:ln>
-                <a:noFill/>
-              </a:ln>
-              <a:solidFill>
-                <a:schemeClr val="tx1"/>
-              </a:solidFill>
-              <a:effectLst/>
-              <a:latin typeface="Arial" panose="020B0604020202020204" pitchFamily="34" charset="0"/>
-            </a:endParaRPr>
-          </a:p>
-          <a:p>
-            <a:pPr marL="0" lvl="0" indent="0" defTabSz="914400" eaLnBrk="0" fontAlgn="base" hangingPunct="0">
-              <a:lnSpc>
-                <a:spcPct val="100000"/>
-              </a:lnSpc>
-              <a:spcBef>
-                <a:spcPct val="0"/>
-              </a:spcBef>
-              <a:spcAft>
-                <a:spcPct val="0"/>
-              </a:spcAft>
-              <a:buClrTx/>
-              <a:buSzTx/>
-              <a:buNone/>
-            </a:pPr>
-            <a:endParaRPr kumimoji="0" lang="en-US" altLang="en-US" sz="1800" b="0" i="0" u="none" strike="noStrike" cap="none" normalizeH="0" baseline="0" dirty="0">
-              <a:ln>
-                <a:noFill/>
-              </a:ln>
-              <a:solidFill>
-                <a:schemeClr val="tx1"/>
-              </a:solidFill>
-              <a:effectLst/>
-              <a:latin typeface="Arial" panose="020B0604020202020204" pitchFamily="34" charset="0"/>
-            </a:endParaRPr>
-          </a:p>
         </p:txBody>
       </p:sp>
     </p:spTree>
     <p:extLst>
       <p:ext uri="{BB962C8B-B14F-4D97-AF65-F5344CB8AC3E}">
-        <p14:creationId xmlns:p14="http://schemas.microsoft.com/office/powerpoint/2010/main" val="4157927576"/>
+        <p14:creationId xmlns:p14="http://schemas.microsoft.com/office/powerpoint/2010/main" val="4032333450"/>
       </p:ext>
     </p:extLst>
   </p:cSld>
@@ -9171,7 +10609,7 @@
           <a:p>
             <a:r>
               <a:rPr lang="en-US" dirty="0"/>
-              <a:t>Real task</a:t>
+              <a:t>Let’s go coding!</a:t>
             </a:r>
           </a:p>
         </p:txBody>
@@ -9194,8 +10632,8 @@
         </p:nvSpPr>
         <p:spPr bwMode="auto">
           <a:xfrm>
-            <a:off x="440193" y="1574113"/>
-            <a:ext cx="6328076" cy="3970318"/>
+            <a:off x="440193" y="1250945"/>
+            <a:ext cx="6328076" cy="4616648"/>
           </a:xfrm>
           <a:prstGeom prst="rect">
             <a:avLst/>
@@ -9252,6 +10690,23 @@
               <a:buSzTx/>
               <a:buNone/>
             </a:pPr>
+            <a:br>
+              <a:rPr lang="en-US" altLang="en-US" dirty="0">
+                <a:solidFill>
+                  <a:schemeClr val="tx1"/>
+                </a:solidFill>
+                <a:latin typeface="Arial" panose="020B0604020202020204" pitchFamily="34" charset="0"/>
+              </a:rPr>
+            </a:br>
+            <a:r>
+              <a:rPr lang="en-US" altLang="en-US" dirty="0">
+                <a:solidFill>
+                  <a:schemeClr val="tx1"/>
+                </a:solidFill>
+                <a:latin typeface="Arial" panose="020B0604020202020204" pitchFamily="34" charset="0"/>
+              </a:rPr>
+              <a:t>Play </a:t>
+            </a:r>
             <a:r>
               <a:rPr kumimoji="0" lang="en-US" altLang="en-US" sz="1800" b="0" i="0" u="none" strike="noStrike" cap="none" normalizeH="0" baseline="0" dirty="0">
                 <a:ln>
@@ -9263,46 +10718,8 @@
                 <a:effectLst/>
                 <a:latin typeface="Arial" panose="020B0604020202020204" pitchFamily="34" charset="0"/>
               </a:rPr>
-              <a:t>You have a map of keys-values (FIX data?) you need to build new DTO object, based on these Map.</a:t>
-            </a:r>
-          </a:p>
-          <a:p>
-            <a:pPr marL="0" lvl="0" indent="0" defTabSz="914400" eaLnBrk="0" fontAlgn="base" hangingPunct="0">
-              <a:lnSpc>
-                <a:spcPct val="100000"/>
-              </a:lnSpc>
-              <a:spcBef>
-                <a:spcPct val="0"/>
-              </a:spcBef>
-              <a:spcAft>
-                <a:spcPct val="0"/>
-              </a:spcAft>
-              <a:buClrTx/>
-              <a:buSzTx/>
-              <a:buNone/>
-            </a:pPr>
-            <a:endParaRPr lang="en-US" altLang="en-US" dirty="0">
-              <a:solidFill>
-                <a:schemeClr val="tx1"/>
-              </a:solidFill>
-              <a:latin typeface="Arial" panose="020B0604020202020204" pitchFamily="34" charset="0"/>
-            </a:endParaRPr>
-          </a:p>
-          <a:p>
-            <a:pPr marL="0" lvl="0" indent="0" defTabSz="914400" eaLnBrk="0" fontAlgn="base" hangingPunct="0">
-              <a:lnSpc>
-                <a:spcPct val="100000"/>
-              </a:lnSpc>
-              <a:spcBef>
-                <a:spcPct val="0"/>
-              </a:spcBef>
-              <a:spcAft>
-                <a:spcPct val="0"/>
-              </a:spcAft>
-              <a:buClrTx/>
-              <a:buSzTx/>
-              <a:buNone/>
-            </a:pPr>
+              <a:t>with DTO </a:t>
+            </a:r>
             <a:r>
               <a:rPr lang="en-US" altLang="en-US" dirty="0">
                 <a:solidFill>
@@ -9310,7 +10727,34 @@
                 </a:solidFill>
                 <a:latin typeface="Arial" panose="020B0604020202020204" pitchFamily="34" charset="0"/>
               </a:rPr>
-              <a:t>Write transformer class, which can work with arbitrary classes, and any transformation functions (transformation functions can be reused) and, in same time, class must type safe. (accidently the object of wrong class can not be passed)</a:t>
+              <a:t>classes.</a:t>
+            </a:r>
+            <a:br>
+              <a:rPr lang="en-US" altLang="en-US" dirty="0">
+                <a:solidFill>
+                  <a:schemeClr val="tx1"/>
+                </a:solidFill>
+                <a:latin typeface="Arial" panose="020B0604020202020204" pitchFamily="34" charset="0"/>
+              </a:rPr>
+            </a:br>
+            <a:r>
+              <a:rPr lang="en-US" altLang="en-US" dirty="0">
+                <a:solidFill>
+                  <a:schemeClr val="tx1"/>
+                </a:solidFill>
+                <a:latin typeface="Arial" panose="020B0604020202020204" pitchFamily="34" charset="0"/>
+                <a:hlinkClick r:id="rId2"/>
+              </a:rPr>
+              <a:t>https://github.com/dimpon/fight-boilerplatecode-tutorial/tree/master/src/main/java/com/dimpon/tutorals/lombok/dto</a:t>
+            </a:r>
+            <a:r>
+              <a:rPr lang="en-US" altLang="en-US" dirty="0">
+                <a:solidFill>
+                  <a:schemeClr val="tx1"/>
+                </a:solidFill>
+                <a:latin typeface="Arial" panose="020B0604020202020204" pitchFamily="34" charset="0"/>
+              </a:rPr>
+              <a:t> </a:t>
             </a:r>
           </a:p>
           <a:p>
@@ -9361,26 +10805,50 @@
                 </a:solidFill>
                 <a:latin typeface="Arial" panose="020B0604020202020204" pitchFamily="34" charset="0"/>
               </a:rPr>
-              <a:t>Extend the class for be able to support diff sets transformation rules. Use </a:t>
-            </a:r>
-            <a:r>
-              <a:rPr lang="en-US" altLang="en-US" dirty="0" err="1">
+              <a:t>NPE</a:t>
+            </a:r>
+            <a:endParaRPr kumimoji="0" lang="en-US" altLang="en-US" sz="1800" b="0" i="0" u="none" strike="noStrike" cap="none" normalizeH="0" baseline="0" dirty="0">
+              <a:ln>
+                <a:noFill/>
+              </a:ln>
+              <a:solidFill>
+                <a:schemeClr val="tx1"/>
+              </a:solidFill>
+              <a:effectLst/>
+              <a:latin typeface="Arial" panose="020B0604020202020204" pitchFamily="34" charset="0"/>
+            </a:endParaRPr>
+          </a:p>
+          <a:p>
+            <a:pPr marL="0" lvl="0" indent="0" defTabSz="914400" eaLnBrk="0" fontAlgn="base" hangingPunct="0">
+              <a:lnSpc>
+                <a:spcPct val="100000"/>
+              </a:lnSpc>
+              <a:spcBef>
+                <a:spcPct val="0"/>
+              </a:spcBef>
+              <a:spcAft>
+                <a:spcPct val="0"/>
+              </a:spcAft>
+              <a:buClrTx/>
+              <a:buSzTx/>
+              <a:buNone/>
+            </a:pPr>
+            <a:r>
+              <a:rPr lang="en-US" altLang="en-US" dirty="0">
                 <a:solidFill>
                   <a:schemeClr val="tx1"/>
                 </a:solidFill>
                 <a:latin typeface="Arial" panose="020B0604020202020204" pitchFamily="34" charset="0"/>
-              </a:rPr>
-              <a:t>enum</a:t>
-            </a:r>
-            <a:r>
-              <a:rPr lang="en-US" altLang="en-US" dirty="0">
-                <a:solidFill>
-                  <a:schemeClr val="tx1"/>
-                </a:solidFill>
-                <a:latin typeface="Arial" panose="020B0604020202020204" pitchFamily="34" charset="0"/>
-              </a:rPr>
-              <a:t> for choosing the transformation set.</a:t>
-            </a:r>
+                <a:hlinkClick r:id="rId3"/>
+              </a:rPr>
+              <a:t>https://github.com/dimpon/fight-boilerplatecode-tutorial/tree/master/src/main/java/com/dimpon/tutorals/lombok/npe</a:t>
+            </a:r>
+            <a:endParaRPr lang="en-US" altLang="en-US" dirty="0">
+              <a:solidFill>
+                <a:schemeClr val="tx1"/>
+              </a:solidFill>
+              <a:latin typeface="Arial" panose="020B0604020202020204" pitchFamily="34" charset="0"/>
+            </a:endParaRPr>
           </a:p>
           <a:p>
             <a:pPr marL="0" lvl="0" indent="0" defTabSz="914400" eaLnBrk="0" fontAlgn="base" hangingPunct="0">
@@ -9424,14 +10892,66 @@
               <a:buNone/>
             </a:pPr>
             <a:r>
+              <a:rPr lang="en-US" altLang="en-US" dirty="0" err="1">
+                <a:solidFill>
+                  <a:schemeClr val="tx1"/>
+                </a:solidFill>
+                <a:latin typeface="Arial" panose="020B0604020202020204" pitchFamily="34" charset="0"/>
+              </a:rPr>
+              <a:t>val</a:t>
+            </a:r>
+            <a:r>
               <a:rPr lang="en-US" altLang="en-US" dirty="0">
                 <a:solidFill>
                   <a:schemeClr val="tx1"/>
                 </a:solidFill>
                 <a:latin typeface="Arial" panose="020B0604020202020204" pitchFamily="34" charset="0"/>
               </a:rPr>
-              <a:t>How can we improve it?</a:t>
-            </a:r>
+              <a:t> &amp; var</a:t>
+            </a:r>
+            <a:br>
+              <a:rPr lang="en-US" altLang="en-US" dirty="0">
+                <a:solidFill>
+                  <a:schemeClr val="tx1"/>
+                </a:solidFill>
+                <a:latin typeface="Arial" panose="020B0604020202020204" pitchFamily="34" charset="0"/>
+              </a:rPr>
+            </a:br>
+            <a:r>
+              <a:rPr lang="en-US" altLang="en-US" dirty="0">
+                <a:solidFill>
+                  <a:schemeClr val="tx1"/>
+                </a:solidFill>
+                <a:latin typeface="Arial" panose="020B0604020202020204" pitchFamily="34" charset="0"/>
+                <a:hlinkClick r:id="rId4"/>
+              </a:rPr>
+              <a:t>https://github.com/dimpon/fight-boilerplatecode-tutorial/tree/master/src/main/java/com/dimpon/tutorals/lombok/valandvar</a:t>
+            </a:r>
+            <a:r>
+              <a:rPr lang="en-US" altLang="en-US" dirty="0">
+                <a:solidFill>
+                  <a:schemeClr val="tx1"/>
+                </a:solidFill>
+                <a:latin typeface="Arial" panose="020B0604020202020204" pitchFamily="34" charset="0"/>
+              </a:rPr>
+              <a:t> </a:t>
+            </a:r>
+          </a:p>
+          <a:p>
+            <a:pPr marL="0" lvl="0" indent="0" defTabSz="914400" eaLnBrk="0" fontAlgn="base" hangingPunct="0">
+              <a:lnSpc>
+                <a:spcPct val="100000"/>
+              </a:lnSpc>
+              <a:spcBef>
+                <a:spcPct val="0"/>
+              </a:spcBef>
+              <a:spcAft>
+                <a:spcPct val="0"/>
+              </a:spcAft>
+              <a:buClrTx/>
+              <a:buSzTx/>
+              <a:buNone/>
+            </a:pPr>
             <a:endParaRPr kumimoji="0" lang="en-US" altLang="en-US" sz="1800" b="0" i="0" u="none" strike="noStrike" cap="none" normalizeH="0" baseline="0" dirty="0">
               <a:ln>
                 <a:noFill/>
@@ -9448,7 +10968,7 @@
     </p:spTree>
     <p:extLst>
       <p:ext uri="{BB962C8B-B14F-4D97-AF65-F5344CB8AC3E}">
-        <p14:creationId xmlns:p14="http://schemas.microsoft.com/office/powerpoint/2010/main" val="3697888238"/>
+        <p14:creationId xmlns:p14="http://schemas.microsoft.com/office/powerpoint/2010/main" val="3765592248"/>
       </p:ext>
     </p:extLst>
   </p:cSld>
@@ -9477,46 +10997,360 @@
       </p:grpSpPr>
       <p:sp>
         <p:nvSpPr>
-          <p:cNvPr id="2" name="Titel 1"/>
+          <p:cNvPr id="4" name="Rectangle 1">
+            <a:extLst>
+              <a:ext uri="{FF2B5EF4-FFF2-40B4-BE49-F238E27FC236}">
+                <a16:creationId xmlns:a16="http://schemas.microsoft.com/office/drawing/2014/main" id="{1790A692-93CE-4A1E-9BC3-F62DAE557A15}"/>
+              </a:ext>
+            </a:extLst>
+          </p:cNvPr>
           <p:cNvSpPr>
-            <a:spLocks noGrp="1"/>
-          </p:cNvSpPr>
-          <p:nvPr>
-            <p:ph type="title"/>
-          </p:nvPr>
-        </p:nvSpPr>
-        <p:spPr/>
-        <p:txBody>
-          <a:bodyPr/>
-          <a:lstStyle/>
-          <a:p>
-            <a:endParaRPr lang="en-US" dirty="0"/>
-          </a:p>
-        </p:txBody>
-      </p:sp>
-      <p:sp>
-        <p:nvSpPr>
-          <p:cNvPr id="3" name="Inhaltsplatzhalter 2"/>
-          <p:cNvSpPr>
-            <a:spLocks noGrp="1"/>
+            <a:spLocks noGrp="1" noChangeArrowheads="1"/>
           </p:cNvSpPr>
           <p:nvPr>
             <p:ph idx="1"/>
           </p:nvPr>
         </p:nvSpPr>
-        <p:spPr/>
+        <p:spPr bwMode="auto">
+          <a:xfrm>
+            <a:off x="440193" y="1297113"/>
+            <a:ext cx="6328076" cy="4524315"/>
+          </a:xfrm>
+          <a:prstGeom prst="rect">
+            <a:avLst/>
+          </a:prstGeom>
+          <a:solidFill>
+            <a:srgbClr val="FFFFFF"/>
+          </a:solidFill>
+          <a:ln>
+            <a:noFill/>
+          </a:ln>
+          <a:effectLst/>
+          <a:extLst>
+            <a:ext uri="{91240B29-F687-4F45-9708-019B960494DF}">
+              <a14:hiddenLine xmlns:a14="http://schemas.microsoft.com/office/drawing/2010/main" w="9525">
+                <a:solidFill>
+                  <a:schemeClr val="tx1"/>
+                </a:solidFill>
+                <a:miter lim="800000"/>
+                <a:headEnd/>
+                <a:tailEnd/>
+              </a14:hiddenLine>
+            </a:ext>
+            <a:ext uri="{AF507438-7753-43E0-B8FC-AC1667EBCBE1}">
+              <a14:hiddenEffects xmlns:a14="http://schemas.microsoft.com/office/drawing/2010/main">
+                <a:effectLst>
+                  <a:outerShdw dist="35921" dir="2700000" algn="ctr" rotWithShape="0">
+                    <a:schemeClr val="bg2"/>
+                  </a:outerShdw>
+                </a:effectLst>
+              </a14:hiddenEffects>
+            </a:ext>
+          </a:extLst>
+        </p:spPr>
         <p:txBody>
-          <a:bodyPr/>
+          <a:bodyPr vert="horz" wrap="square" lIns="91440" tIns="45720" rIns="91440" bIns="45720" numCol="1" anchor="ctr" anchorCtr="0" compatLnSpc="1">
+            <a:prstTxWarp prst="textNoShape">
+              <a:avLst/>
+            </a:prstTxWarp>
+            <a:spAutoFit/>
+          </a:bodyPr>
           <a:lstStyle/>
           <a:p>
-            <a:endParaRPr lang="en-US" dirty="0"/>
+            <a:pPr marL="0" lvl="0" indent="0" defTabSz="914400" eaLnBrk="0" fontAlgn="base" hangingPunct="0">
+              <a:lnSpc>
+                <a:spcPct val="100000"/>
+              </a:lnSpc>
+              <a:spcBef>
+                <a:spcPct val="0"/>
+              </a:spcBef>
+              <a:spcAft>
+                <a:spcPct val="0"/>
+              </a:spcAft>
+              <a:buClrTx/>
+              <a:buSzTx/>
+              <a:buNone/>
+            </a:pPr>
+            <a:r>
+              <a:rPr lang="en-US" altLang="en-US" dirty="0">
+                <a:solidFill>
+                  <a:schemeClr val="tx1"/>
+                </a:solidFill>
+                <a:latin typeface="Arial" panose="020B0604020202020204" pitchFamily="34" charset="0"/>
+              </a:rPr>
+              <a:t>Builders</a:t>
+            </a:r>
+          </a:p>
+          <a:p>
+            <a:pPr marL="0" lvl="0" indent="0" defTabSz="914400" eaLnBrk="0" fontAlgn="base" hangingPunct="0">
+              <a:lnSpc>
+                <a:spcPct val="100000"/>
+              </a:lnSpc>
+              <a:spcBef>
+                <a:spcPct val="0"/>
+              </a:spcBef>
+              <a:spcAft>
+                <a:spcPct val="0"/>
+              </a:spcAft>
+              <a:buClrTx/>
+              <a:buSzTx/>
+              <a:buNone/>
+            </a:pPr>
+            <a:r>
+              <a:rPr lang="en-US" altLang="en-US" dirty="0">
+                <a:solidFill>
+                  <a:schemeClr val="tx1"/>
+                </a:solidFill>
+                <a:latin typeface="Arial" panose="020B0604020202020204" pitchFamily="34" charset="0"/>
+                <a:hlinkClick r:id="rId2"/>
+              </a:rPr>
+              <a:t>https://github.com/dimpon/fight-boilerplatecode-tutorial/tree/master/src/main/java/com/dimpon/tutorals/lombok/builders</a:t>
+            </a:r>
+            <a:r>
+              <a:rPr lang="en-US" altLang="en-US" dirty="0">
+                <a:solidFill>
+                  <a:schemeClr val="tx1"/>
+                </a:solidFill>
+                <a:latin typeface="Arial" panose="020B0604020202020204" pitchFamily="34" charset="0"/>
+              </a:rPr>
+              <a:t> </a:t>
+            </a:r>
+          </a:p>
+          <a:p>
+            <a:pPr marL="0" lvl="0" indent="0" defTabSz="914400" eaLnBrk="0" fontAlgn="base" hangingPunct="0">
+              <a:lnSpc>
+                <a:spcPct val="100000"/>
+              </a:lnSpc>
+              <a:spcBef>
+                <a:spcPct val="0"/>
+              </a:spcBef>
+              <a:spcAft>
+                <a:spcPct val="0"/>
+              </a:spcAft>
+              <a:buClrTx/>
+              <a:buSzTx/>
+              <a:buNone/>
+            </a:pPr>
+            <a:endParaRPr kumimoji="0" lang="en-US" altLang="en-US" sz="1800" b="0" i="0" u="none" strike="noStrike" cap="none" normalizeH="0" baseline="0" dirty="0">
+              <a:ln>
+                <a:noFill/>
+              </a:ln>
+              <a:solidFill>
+                <a:schemeClr val="tx1"/>
+              </a:solidFill>
+              <a:effectLst/>
+              <a:latin typeface="Arial" panose="020B0604020202020204" pitchFamily="34" charset="0"/>
+            </a:endParaRPr>
+          </a:p>
+          <a:p>
+            <a:pPr marL="0" lvl="0" indent="0" defTabSz="914400" eaLnBrk="0" fontAlgn="base" hangingPunct="0">
+              <a:lnSpc>
+                <a:spcPct val="100000"/>
+              </a:lnSpc>
+              <a:spcBef>
+                <a:spcPct val="0"/>
+              </a:spcBef>
+              <a:spcAft>
+                <a:spcPct val="0"/>
+              </a:spcAft>
+              <a:buClrTx/>
+              <a:buSzTx/>
+              <a:buNone/>
+            </a:pPr>
+            <a:r>
+              <a:rPr lang="en-US" altLang="en-US" dirty="0" err="1">
+                <a:solidFill>
+                  <a:schemeClr val="tx1"/>
+                </a:solidFill>
+                <a:latin typeface="Arial" panose="020B0604020202020204" pitchFamily="34" charset="0"/>
+              </a:rPr>
+              <a:t>Delagates</a:t>
+            </a:r>
+            <a:endParaRPr lang="en-US" altLang="en-US" dirty="0">
+              <a:solidFill>
+                <a:schemeClr val="tx1"/>
+              </a:solidFill>
+              <a:latin typeface="Arial" panose="020B0604020202020204" pitchFamily="34" charset="0"/>
+            </a:endParaRPr>
+          </a:p>
+          <a:p>
+            <a:pPr marL="0" lvl="0" indent="0" defTabSz="914400" eaLnBrk="0" fontAlgn="base" hangingPunct="0">
+              <a:lnSpc>
+                <a:spcPct val="100000"/>
+              </a:lnSpc>
+              <a:spcBef>
+                <a:spcPct val="0"/>
+              </a:spcBef>
+              <a:spcAft>
+                <a:spcPct val="0"/>
+              </a:spcAft>
+              <a:buClrTx/>
+              <a:buSzTx/>
+              <a:buNone/>
+            </a:pPr>
+            <a:r>
+              <a:rPr lang="en-US" altLang="en-US" dirty="0">
+                <a:solidFill>
+                  <a:schemeClr val="tx1"/>
+                </a:solidFill>
+                <a:latin typeface="Arial" panose="020B0604020202020204" pitchFamily="34" charset="0"/>
+                <a:hlinkClick r:id="rId3"/>
+              </a:rPr>
+              <a:t>https://github.com/dimpon/fight-boilerplatecode-tutorial/tree/master/src/main/java/com/dimpon/tutorals/lombok/delegation</a:t>
+            </a:r>
+            <a:endParaRPr lang="en-US" altLang="en-US" dirty="0">
+              <a:solidFill>
+                <a:schemeClr val="tx1"/>
+              </a:solidFill>
+              <a:latin typeface="Arial" panose="020B0604020202020204" pitchFamily="34" charset="0"/>
+            </a:endParaRPr>
+          </a:p>
+          <a:p>
+            <a:pPr marL="0" lvl="0" indent="0" defTabSz="914400" eaLnBrk="0" fontAlgn="base" hangingPunct="0">
+              <a:lnSpc>
+                <a:spcPct val="100000"/>
+              </a:lnSpc>
+              <a:spcBef>
+                <a:spcPct val="0"/>
+              </a:spcBef>
+              <a:spcAft>
+                <a:spcPct val="0"/>
+              </a:spcAft>
+              <a:buClrTx/>
+              <a:buSzTx/>
+              <a:buNone/>
+            </a:pPr>
+            <a:endParaRPr lang="en-US" altLang="en-US" dirty="0">
+              <a:solidFill>
+                <a:schemeClr val="tx1"/>
+              </a:solidFill>
+              <a:latin typeface="Arial" panose="020B0604020202020204" pitchFamily="34" charset="0"/>
+            </a:endParaRPr>
+          </a:p>
+          <a:p>
+            <a:pPr marL="0" lvl="0" indent="0" defTabSz="914400" eaLnBrk="0" fontAlgn="base" hangingPunct="0">
+              <a:lnSpc>
+                <a:spcPct val="100000"/>
+              </a:lnSpc>
+              <a:spcBef>
+                <a:spcPct val="0"/>
+              </a:spcBef>
+              <a:spcAft>
+                <a:spcPct val="0"/>
+              </a:spcAft>
+              <a:buClrTx/>
+              <a:buSzTx/>
+              <a:buNone/>
+            </a:pPr>
+            <a:r>
+              <a:rPr lang="en-US" altLang="en-US" dirty="0">
+                <a:solidFill>
+                  <a:schemeClr val="tx1"/>
+                </a:solidFill>
+                <a:latin typeface="Arial" panose="020B0604020202020204" pitchFamily="34" charset="0"/>
+              </a:rPr>
+              <a:t>Utilities</a:t>
+            </a:r>
+          </a:p>
+          <a:p>
+            <a:pPr marL="0" lvl="0" indent="0" defTabSz="914400" eaLnBrk="0" fontAlgn="base" hangingPunct="0">
+              <a:lnSpc>
+                <a:spcPct val="100000"/>
+              </a:lnSpc>
+              <a:spcBef>
+                <a:spcPct val="0"/>
+              </a:spcBef>
+              <a:spcAft>
+                <a:spcPct val="0"/>
+              </a:spcAft>
+              <a:buClrTx/>
+              <a:buSzTx/>
+              <a:buNone/>
+            </a:pPr>
+            <a:r>
+              <a:rPr lang="en-US" altLang="en-US">
+                <a:solidFill>
+                  <a:schemeClr val="tx1"/>
+                </a:solidFill>
+                <a:latin typeface="Arial" panose="020B0604020202020204" pitchFamily="34" charset="0"/>
+                <a:hlinkClick r:id="rId4"/>
+              </a:rPr>
+              <a:t>https://github.com/dimpon/fight-boilerplatecode-tutorial/tree/master/src/main/java/com/dimpon/tutorals/lombok/ulility</a:t>
+            </a:r>
+            <a:r>
+              <a:rPr lang="en-US" altLang="en-US">
+                <a:solidFill>
+                  <a:schemeClr val="tx1"/>
+                </a:solidFill>
+                <a:latin typeface="Arial" panose="020B0604020202020204" pitchFamily="34" charset="0"/>
+              </a:rPr>
+              <a:t> </a:t>
+            </a:r>
+            <a:endParaRPr lang="en-US" altLang="en-US" dirty="0">
+              <a:solidFill>
+                <a:schemeClr val="tx1"/>
+              </a:solidFill>
+              <a:latin typeface="Arial" panose="020B0604020202020204" pitchFamily="34" charset="0"/>
+            </a:endParaRPr>
+          </a:p>
+          <a:p>
+            <a:pPr marL="0" lvl="0" indent="0" defTabSz="914400" eaLnBrk="0" fontAlgn="base" hangingPunct="0">
+              <a:lnSpc>
+                <a:spcPct val="100000"/>
+              </a:lnSpc>
+              <a:spcBef>
+                <a:spcPct val="0"/>
+              </a:spcBef>
+              <a:spcAft>
+                <a:spcPct val="0"/>
+              </a:spcAft>
+              <a:buClrTx/>
+              <a:buSzTx/>
+              <a:buNone/>
+            </a:pPr>
+            <a:endParaRPr kumimoji="0" lang="en-US" altLang="en-US" sz="1800" b="0" i="0" u="none" strike="noStrike" cap="none" normalizeH="0" baseline="0" dirty="0">
+              <a:ln>
+                <a:noFill/>
+              </a:ln>
+              <a:solidFill>
+                <a:schemeClr val="tx1"/>
+              </a:solidFill>
+              <a:effectLst/>
+              <a:latin typeface="Arial" panose="020B0604020202020204" pitchFamily="34" charset="0"/>
+            </a:endParaRPr>
+          </a:p>
+          <a:p>
+            <a:pPr marL="0" lvl="0" indent="0" defTabSz="914400" eaLnBrk="0" fontAlgn="base" hangingPunct="0">
+              <a:lnSpc>
+                <a:spcPct val="100000"/>
+              </a:lnSpc>
+              <a:spcBef>
+                <a:spcPct val="0"/>
+              </a:spcBef>
+              <a:spcAft>
+                <a:spcPct val="0"/>
+              </a:spcAft>
+              <a:buClrTx/>
+              <a:buSzTx/>
+              <a:buNone/>
+            </a:pPr>
+            <a:endParaRPr kumimoji="0" lang="en-US" altLang="en-US" sz="1800" b="0" i="0" u="none" strike="noStrike" cap="none" normalizeH="0" baseline="0" dirty="0">
+              <a:ln>
+                <a:noFill/>
+              </a:ln>
+              <a:solidFill>
+                <a:schemeClr val="tx1"/>
+              </a:solidFill>
+              <a:effectLst/>
+              <a:latin typeface="Arial" panose="020B0604020202020204" pitchFamily="34" charset="0"/>
+            </a:endParaRPr>
           </a:p>
         </p:txBody>
       </p:sp>
     </p:spTree>
     <p:extLst>
       <p:ext uri="{BB962C8B-B14F-4D97-AF65-F5344CB8AC3E}">
-        <p14:creationId xmlns:p14="http://schemas.microsoft.com/office/powerpoint/2010/main" val="2824274169"/>
+        <p14:creationId xmlns:p14="http://schemas.microsoft.com/office/powerpoint/2010/main" val="4157927576"/>
       </p:ext>
     </p:extLst>
   </p:cSld>
@@ -9558,33 +11392,286 @@
           <a:bodyPr/>
           <a:lstStyle/>
           <a:p>
-            <a:endParaRPr lang="en-US" dirty="0"/>
+            <a:r>
+              <a:rPr lang="en-US" dirty="0"/>
+              <a:t>Real task</a:t>
+            </a:r>
           </a:p>
         </p:txBody>
       </p:sp>
       <p:sp>
         <p:nvSpPr>
-          <p:cNvPr id="3" name="Inhaltsplatzhalter 2"/>
+          <p:cNvPr id="4" name="Rectangle 1">
+            <a:extLst>
+              <a:ext uri="{FF2B5EF4-FFF2-40B4-BE49-F238E27FC236}">
+                <a16:creationId xmlns:a16="http://schemas.microsoft.com/office/drawing/2014/main" id="{1790A692-93CE-4A1E-9BC3-F62DAE557A15}"/>
+              </a:ext>
+            </a:extLst>
+          </p:cNvPr>
           <p:cNvSpPr>
-            <a:spLocks noGrp="1"/>
+            <a:spLocks noGrp="1" noChangeArrowheads="1"/>
           </p:cNvSpPr>
           <p:nvPr>
             <p:ph idx="1"/>
           </p:nvPr>
         </p:nvSpPr>
-        <p:spPr/>
+        <p:spPr bwMode="auto">
+          <a:xfrm>
+            <a:off x="440193" y="1574113"/>
+            <a:ext cx="6328076" cy="3970318"/>
+          </a:xfrm>
+          <a:prstGeom prst="rect">
+            <a:avLst/>
+          </a:prstGeom>
+          <a:solidFill>
+            <a:srgbClr val="FFFFFF"/>
+          </a:solidFill>
+          <a:ln>
+            <a:noFill/>
+          </a:ln>
+          <a:effectLst/>
+          <a:extLst>
+            <a:ext uri="{91240B29-F687-4F45-9708-019B960494DF}">
+              <a14:hiddenLine xmlns:a14="http://schemas.microsoft.com/office/drawing/2010/main" w="9525">
+                <a:solidFill>
+                  <a:schemeClr val="tx1"/>
+                </a:solidFill>
+                <a:miter lim="800000"/>
+                <a:headEnd/>
+                <a:tailEnd/>
+              </a14:hiddenLine>
+            </a:ext>
+            <a:ext uri="{AF507438-7753-43E0-B8FC-AC1667EBCBE1}">
+              <a14:hiddenEffects xmlns:a14="http://schemas.microsoft.com/office/drawing/2010/main">
+                <a:effectLst>
+                  <a:outerShdw dist="35921" dir="2700000" algn="ctr" rotWithShape="0">
+                    <a:schemeClr val="bg2"/>
+                  </a:outerShdw>
+                </a:effectLst>
+              </a14:hiddenEffects>
+            </a:ext>
+          </a:extLst>
+        </p:spPr>
         <p:txBody>
-          <a:bodyPr/>
+          <a:bodyPr vert="horz" wrap="square" lIns="91440" tIns="45720" rIns="91440" bIns="45720" numCol="1" anchor="ctr" anchorCtr="0" compatLnSpc="1">
+            <a:prstTxWarp prst="textNoShape">
+              <a:avLst/>
+            </a:prstTxWarp>
+            <a:spAutoFit/>
+          </a:bodyPr>
           <a:lstStyle/>
           <a:p>
-            <a:endParaRPr lang="en-US" dirty="0"/>
+            <a:pPr marL="0" lvl="0" indent="0" defTabSz="914400" eaLnBrk="0" fontAlgn="base" hangingPunct="0">
+              <a:lnSpc>
+                <a:spcPct val="100000"/>
+              </a:lnSpc>
+              <a:spcBef>
+                <a:spcPct val="0"/>
+              </a:spcBef>
+              <a:spcAft>
+                <a:spcPct val="0"/>
+              </a:spcAft>
+              <a:buClrTx/>
+              <a:buSzTx/>
+              <a:buNone/>
+            </a:pPr>
+            <a:r>
+              <a:rPr kumimoji="0" lang="en-US" altLang="en-US" sz="1800" b="0" i="0" u="none" strike="noStrike" cap="none" normalizeH="0" baseline="0" dirty="0">
+                <a:ln>
+                  <a:noFill/>
+                </a:ln>
+                <a:solidFill>
+                  <a:schemeClr val="tx1"/>
+                </a:solidFill>
+                <a:effectLst/>
+                <a:latin typeface="Arial" panose="020B0604020202020204" pitchFamily="34" charset="0"/>
+              </a:rPr>
+              <a:t>You have a map of keys-values (FIX data?) you need to build new DTO object, based on these Map.</a:t>
+            </a:r>
+          </a:p>
+          <a:p>
+            <a:pPr marL="0" lvl="0" indent="0" defTabSz="914400" eaLnBrk="0" fontAlgn="base" hangingPunct="0">
+              <a:lnSpc>
+                <a:spcPct val="100000"/>
+              </a:lnSpc>
+              <a:spcBef>
+                <a:spcPct val="0"/>
+              </a:spcBef>
+              <a:spcAft>
+                <a:spcPct val="0"/>
+              </a:spcAft>
+              <a:buClrTx/>
+              <a:buSzTx/>
+              <a:buNone/>
+            </a:pPr>
+            <a:endParaRPr lang="en-US" altLang="en-US" dirty="0">
+              <a:solidFill>
+                <a:schemeClr val="tx1"/>
+              </a:solidFill>
+              <a:latin typeface="Arial" panose="020B0604020202020204" pitchFamily="34" charset="0"/>
+            </a:endParaRPr>
+          </a:p>
+          <a:p>
+            <a:pPr marL="0" lvl="0" indent="0" defTabSz="914400" eaLnBrk="0" fontAlgn="base" hangingPunct="0">
+              <a:lnSpc>
+                <a:spcPct val="100000"/>
+              </a:lnSpc>
+              <a:spcBef>
+                <a:spcPct val="0"/>
+              </a:spcBef>
+              <a:spcAft>
+                <a:spcPct val="0"/>
+              </a:spcAft>
+              <a:buClrTx/>
+              <a:buSzTx/>
+              <a:buNone/>
+            </a:pPr>
+            <a:r>
+              <a:rPr lang="en-US" altLang="en-US" dirty="0">
+                <a:solidFill>
+                  <a:schemeClr val="tx1"/>
+                </a:solidFill>
+                <a:latin typeface="Arial" panose="020B0604020202020204" pitchFamily="34" charset="0"/>
+              </a:rPr>
+              <a:t>Write transformer class, which can work with arbitrary classes, and any transformation functions (transformation functions can be reused) and, in same time, class must type safe. (accidently the object of wrong class can not be passed)</a:t>
+            </a:r>
+          </a:p>
+          <a:p>
+            <a:pPr marL="0" lvl="0" indent="0" defTabSz="914400" eaLnBrk="0" fontAlgn="base" hangingPunct="0">
+              <a:lnSpc>
+                <a:spcPct val="100000"/>
+              </a:lnSpc>
+              <a:spcBef>
+                <a:spcPct val="0"/>
+              </a:spcBef>
+              <a:spcAft>
+                <a:spcPct val="0"/>
+              </a:spcAft>
+              <a:buClrTx/>
+              <a:buSzTx/>
+              <a:buNone/>
+            </a:pPr>
+            <a:endParaRPr kumimoji="0" lang="en-US" altLang="en-US" sz="1800" b="0" i="0" u="none" strike="noStrike" cap="none" normalizeH="0" baseline="0" dirty="0">
+              <a:ln>
+                <a:noFill/>
+              </a:ln>
+              <a:solidFill>
+                <a:schemeClr val="tx1"/>
+              </a:solidFill>
+              <a:effectLst/>
+              <a:latin typeface="Arial" panose="020B0604020202020204" pitchFamily="34" charset="0"/>
+            </a:endParaRPr>
+          </a:p>
+          <a:p>
+            <a:pPr marL="0" lvl="0" indent="0" defTabSz="914400" eaLnBrk="0" fontAlgn="base" hangingPunct="0">
+              <a:lnSpc>
+                <a:spcPct val="100000"/>
+              </a:lnSpc>
+              <a:spcBef>
+                <a:spcPct val="0"/>
+              </a:spcBef>
+              <a:spcAft>
+                <a:spcPct val="0"/>
+              </a:spcAft>
+              <a:buClrTx/>
+              <a:buSzTx/>
+              <a:buNone/>
+            </a:pPr>
+            <a:r>
+              <a:rPr lang="en-US" altLang="en-US" dirty="0">
+                <a:solidFill>
+                  <a:schemeClr val="tx1"/>
+                </a:solidFill>
+                <a:latin typeface="Arial" panose="020B0604020202020204" pitchFamily="34" charset="0"/>
+              </a:rPr>
+              <a:t>Extend the class for be able to support diff sets transformation rules. Use </a:t>
+            </a:r>
+            <a:r>
+              <a:rPr lang="en-US" altLang="en-US" dirty="0" err="1">
+                <a:solidFill>
+                  <a:schemeClr val="tx1"/>
+                </a:solidFill>
+                <a:latin typeface="Arial" panose="020B0604020202020204" pitchFamily="34" charset="0"/>
+              </a:rPr>
+              <a:t>enum</a:t>
+            </a:r>
+            <a:r>
+              <a:rPr lang="en-US" altLang="en-US" dirty="0">
+                <a:solidFill>
+                  <a:schemeClr val="tx1"/>
+                </a:solidFill>
+                <a:latin typeface="Arial" panose="020B0604020202020204" pitchFamily="34" charset="0"/>
+              </a:rPr>
+              <a:t> for choosing the transformation set.</a:t>
+            </a:r>
+          </a:p>
+          <a:p>
+            <a:pPr marL="0" lvl="0" indent="0" defTabSz="914400" eaLnBrk="0" fontAlgn="base" hangingPunct="0">
+              <a:lnSpc>
+                <a:spcPct val="100000"/>
+              </a:lnSpc>
+              <a:spcBef>
+                <a:spcPct val="0"/>
+              </a:spcBef>
+              <a:spcAft>
+                <a:spcPct val="0"/>
+              </a:spcAft>
+              <a:buClrTx/>
+              <a:buSzTx/>
+              <a:buNone/>
+            </a:pPr>
+            <a:endParaRPr kumimoji="0" lang="en-US" altLang="en-US" sz="1800" b="0" i="0" u="none" strike="noStrike" cap="none" normalizeH="0" baseline="0" dirty="0">
+              <a:ln>
+                <a:noFill/>
+              </a:ln>
+              <a:solidFill>
+                <a:schemeClr val="tx1"/>
+              </a:solidFill>
+              <a:effectLst/>
+              <a:latin typeface="Arial" panose="020B0604020202020204" pitchFamily="34" charset="0"/>
+            </a:endParaRPr>
+          </a:p>
+          <a:p>
+            <a:pPr marL="0" lvl="0" indent="0" defTabSz="914400" eaLnBrk="0" fontAlgn="base" hangingPunct="0">
+              <a:lnSpc>
+                <a:spcPct val="100000"/>
+              </a:lnSpc>
+              <a:spcBef>
+                <a:spcPct val="0"/>
+              </a:spcBef>
+              <a:spcAft>
+                <a:spcPct val="0"/>
+              </a:spcAft>
+              <a:buClrTx/>
+              <a:buSzTx/>
+              <a:buNone/>
+            </a:pPr>
+            <a:r>
+              <a:rPr lang="en-US" altLang="en-US" dirty="0">
+                <a:solidFill>
+                  <a:schemeClr val="tx1"/>
+                </a:solidFill>
+                <a:latin typeface="Arial" panose="020B0604020202020204" pitchFamily="34" charset="0"/>
+              </a:rPr>
+              <a:t>How can we improve it?</a:t>
+            </a:r>
+            <a:endParaRPr kumimoji="0" lang="en-US" altLang="en-US" sz="1800" b="0" i="0" u="none" strike="noStrike" cap="none" normalizeH="0" baseline="0" dirty="0">
+              <a:ln>
+                <a:noFill/>
+              </a:ln>
+              <a:solidFill>
+                <a:schemeClr val="tx1"/>
+              </a:solidFill>
+              <a:effectLst/>
+              <a:latin typeface="Arial" panose="020B0604020202020204" pitchFamily="34" charset="0"/>
+            </a:endParaRPr>
           </a:p>
         </p:txBody>
       </p:sp>
     </p:spTree>
     <p:extLst>
       <p:ext uri="{BB962C8B-B14F-4D97-AF65-F5344CB8AC3E}">
-        <p14:creationId xmlns:p14="http://schemas.microsoft.com/office/powerpoint/2010/main" val="3721376966"/>
+        <p14:creationId xmlns:p14="http://schemas.microsoft.com/office/powerpoint/2010/main" val="3697888238"/>
       </p:ext>
     </p:extLst>
   </p:cSld>
@@ -9652,7 +11739,7 @@
     </p:spTree>
     <p:extLst>
       <p:ext uri="{BB962C8B-B14F-4D97-AF65-F5344CB8AC3E}">
-        <p14:creationId xmlns:p14="http://schemas.microsoft.com/office/powerpoint/2010/main" val="2690538590"/>
+        <p14:creationId xmlns:p14="http://schemas.microsoft.com/office/powerpoint/2010/main" val="2824274169"/>
       </p:ext>
     </p:extLst>
   </p:cSld>
@@ -9720,7 +11807,7 @@
     </p:spTree>
     <p:extLst>
       <p:ext uri="{BB962C8B-B14F-4D97-AF65-F5344CB8AC3E}">
-        <p14:creationId xmlns:p14="http://schemas.microsoft.com/office/powerpoint/2010/main" val="4123792560"/>
+        <p14:creationId xmlns:p14="http://schemas.microsoft.com/office/powerpoint/2010/main" val="3721376966"/>
       </p:ext>
     </p:extLst>
   </p:cSld>
@@ -9785,6 +11872,142 @@
           </a:p>
         </p:txBody>
       </p:sp>
+    </p:spTree>
+    <p:extLst>
+      <p:ext uri="{BB962C8B-B14F-4D97-AF65-F5344CB8AC3E}">
+        <p14:creationId xmlns:p14="http://schemas.microsoft.com/office/powerpoint/2010/main" val="2690538590"/>
+      </p:ext>
+    </p:extLst>
+  </p:cSld>
+  <p:clrMapOvr>
+    <a:masterClrMapping/>
+  </p:clrMapOvr>
+</p:sld>
+</file>
+
+<file path=ppt/slides/slide17.xml><?xml version="1.0" encoding="utf-8"?>
+<p:sld xmlns:a="http://schemas.openxmlformats.org/drawingml/2006/main" xmlns:r="http://schemas.openxmlformats.org/officeDocument/2006/relationships" xmlns:p="http://schemas.openxmlformats.org/presentationml/2006/main">
+  <p:cSld>
+    <p:spTree>
+      <p:nvGrpSpPr>
+        <p:cNvPr id="1" name=""/>
+        <p:cNvGrpSpPr/>
+        <p:nvPr/>
+      </p:nvGrpSpPr>
+      <p:grpSpPr>
+        <a:xfrm>
+          <a:off x="0" y="0"/>
+          <a:ext cx="0" cy="0"/>
+          <a:chOff x="0" y="0"/>
+          <a:chExt cx="0" cy="0"/>
+        </a:xfrm>
+      </p:grpSpPr>
+      <p:sp>
+        <p:nvSpPr>
+          <p:cNvPr id="2" name="Titel 1"/>
+          <p:cNvSpPr>
+            <a:spLocks noGrp="1"/>
+          </p:cNvSpPr>
+          <p:nvPr>
+            <p:ph type="title"/>
+          </p:nvPr>
+        </p:nvSpPr>
+        <p:spPr/>
+        <p:txBody>
+          <a:bodyPr/>
+          <a:lstStyle/>
+          <a:p>
+            <a:endParaRPr lang="en-US" dirty="0"/>
+          </a:p>
+        </p:txBody>
+      </p:sp>
+      <p:sp>
+        <p:nvSpPr>
+          <p:cNvPr id="3" name="Inhaltsplatzhalter 2"/>
+          <p:cNvSpPr>
+            <a:spLocks noGrp="1"/>
+          </p:cNvSpPr>
+          <p:nvPr>
+            <p:ph idx="1"/>
+          </p:nvPr>
+        </p:nvSpPr>
+        <p:spPr/>
+        <p:txBody>
+          <a:bodyPr/>
+          <a:lstStyle/>
+          <a:p>
+            <a:endParaRPr lang="en-US" dirty="0"/>
+          </a:p>
+        </p:txBody>
+      </p:sp>
+    </p:spTree>
+    <p:extLst>
+      <p:ext uri="{BB962C8B-B14F-4D97-AF65-F5344CB8AC3E}">
+        <p14:creationId xmlns:p14="http://schemas.microsoft.com/office/powerpoint/2010/main" val="4123792560"/>
+      </p:ext>
+    </p:extLst>
+  </p:cSld>
+  <p:clrMapOvr>
+    <a:masterClrMapping/>
+  </p:clrMapOvr>
+</p:sld>
+</file>
+
+<file path=ppt/slides/slide18.xml><?xml version="1.0" encoding="utf-8"?>
+<p:sld xmlns:a="http://schemas.openxmlformats.org/drawingml/2006/main" xmlns:r="http://schemas.openxmlformats.org/officeDocument/2006/relationships" xmlns:p="http://schemas.openxmlformats.org/presentationml/2006/main">
+  <p:cSld>
+    <p:spTree>
+      <p:nvGrpSpPr>
+        <p:cNvPr id="1" name=""/>
+        <p:cNvGrpSpPr/>
+        <p:nvPr/>
+      </p:nvGrpSpPr>
+      <p:grpSpPr>
+        <a:xfrm>
+          <a:off x="0" y="0"/>
+          <a:ext cx="0" cy="0"/>
+          <a:chOff x="0" y="0"/>
+          <a:chExt cx="0" cy="0"/>
+        </a:xfrm>
+      </p:grpSpPr>
+      <p:sp>
+        <p:nvSpPr>
+          <p:cNvPr id="2" name="Titel 1"/>
+          <p:cNvSpPr>
+            <a:spLocks noGrp="1"/>
+          </p:cNvSpPr>
+          <p:nvPr>
+            <p:ph type="title"/>
+          </p:nvPr>
+        </p:nvSpPr>
+        <p:spPr/>
+        <p:txBody>
+          <a:bodyPr/>
+          <a:lstStyle/>
+          <a:p>
+            <a:endParaRPr lang="en-US" dirty="0"/>
+          </a:p>
+        </p:txBody>
+      </p:sp>
+      <p:sp>
+        <p:nvSpPr>
+          <p:cNvPr id="3" name="Inhaltsplatzhalter 2"/>
+          <p:cNvSpPr>
+            <a:spLocks noGrp="1"/>
+          </p:cNvSpPr>
+          <p:nvPr>
+            <p:ph idx="1"/>
+          </p:nvPr>
+        </p:nvSpPr>
+        <p:spPr/>
+        <p:txBody>
+          <a:bodyPr/>
+          <a:lstStyle/>
+          <a:p>
+            <a:endParaRPr lang="en-US" dirty="0"/>
+          </a:p>
+        </p:txBody>
+      </p:sp>
       <p:sp>
         <p:nvSpPr>
           <p:cNvPr id="4" name="Textplatzhalter 3"/>
@@ -9817,7 +12040,7 @@
 </p:sld>
 </file>
 
-<file path=ppt/slides/slide17.xml><?xml version="1.0" encoding="utf-8"?>
+<file path=ppt/slides/slide19.xml><?xml version="1.0" encoding="utf-8"?>
 <p:sld xmlns:a="http://schemas.openxmlformats.org/drawingml/2006/main" xmlns:r="http://schemas.openxmlformats.org/officeDocument/2006/relationships" xmlns:p="http://schemas.openxmlformats.org/presentationml/2006/main">
   <p:cSld>
     <p:spTree>
@@ -10721,7 +12944,7 @@
           <a:p>
             <a:r>
               <a:rPr lang="en-US" dirty="0"/>
-              <a:t>What are the attributes of good code?</a:t>
+              <a:t>What are the attributes (features) of good code?</a:t>
             </a:r>
           </a:p>
           <a:p>
@@ -10973,7 +13196,37 @@
           <a:bodyPr/>
           <a:lstStyle/>
           <a:p>
-            <a:endParaRPr lang="en-US"/>
+            <a:r>
+              <a:rPr lang="en-US" dirty="0"/>
+              <a:t>com.three60t.otc.reportingapi.models.ems.QuoteData</a:t>
+            </a:r>
+          </a:p>
+          <a:p>
+            <a:r>
+              <a:rPr lang="en-US" dirty="0"/>
+              <a:t>com.three60t.integration.orderapi.models.tradeintention.TradeIntention</a:t>
+            </a:r>
+          </a:p>
+          <a:p>
+            <a:r>
+              <a:rPr lang="en-US" dirty="0"/>
+              <a:t>com.three60t.marketdatasource.base.MockConsumer</a:t>
+            </a:r>
+          </a:p>
+          <a:p>
+            <a:r>
+              <a:rPr lang="en-US" dirty="0"/>
+              <a:t>com.three60t.api.models.config.autodealer.routing.AutoDealerTreeConfiguration.Builder</a:t>
+            </a:r>
+          </a:p>
+          <a:p>
+            <a:r>
+              <a:rPr lang="en-US" dirty="0"/>
+              <a:t>com.three60t.otcreporting.ems.negotiation.RelationProperties</a:t>
+            </a:r>
+          </a:p>
+          <a:p>
+            <a:endParaRPr lang="en-US" dirty="0"/>
           </a:p>
         </p:txBody>
       </p:sp>
@@ -11009,7 +13262,13 @@
       </p:grpSpPr>
       <p:sp>
         <p:nvSpPr>
-          <p:cNvPr id="2" name="Titel 1"/>
+          <p:cNvPr id="2" name="Title 1">
+            <a:extLst>
+              <a:ext uri="{FF2B5EF4-FFF2-40B4-BE49-F238E27FC236}">
+                <a16:creationId xmlns:a16="http://schemas.microsoft.com/office/drawing/2014/main" id="{226199FC-B2C8-40F9-AC71-27235C575EF1}"/>
+              </a:ext>
+            </a:extLst>
+          </p:cNvPr>
           <p:cNvSpPr>
             <a:spLocks noGrp="1"/>
           </p:cNvSpPr>
@@ -11024,1095 +13283,94 @@
           <a:p>
             <a:r>
               <a:rPr lang="en-US" dirty="0"/>
-              <a:t>Project Lombok</a:t>
+              <a:t>Patterns</a:t>
             </a:r>
           </a:p>
         </p:txBody>
       </p:sp>
       <p:sp>
         <p:nvSpPr>
-          <p:cNvPr id="4" name="Rectangle 1">
+          <p:cNvPr id="3" name="Content Placeholder 2">
             <a:extLst>
               <a:ext uri="{FF2B5EF4-FFF2-40B4-BE49-F238E27FC236}">
-                <a16:creationId xmlns:a16="http://schemas.microsoft.com/office/drawing/2014/main" id="{1790A692-93CE-4A1E-9BC3-F62DAE557A15}"/>
+                <a16:creationId xmlns:a16="http://schemas.microsoft.com/office/drawing/2014/main" id="{8947D4AA-9143-4ACC-B21E-3108D4161E37}"/>
               </a:ext>
             </a:extLst>
           </p:cNvPr>
           <p:cNvSpPr>
-            <a:spLocks noGrp="1" noChangeArrowheads="1"/>
+            <a:spLocks noGrp="1"/>
           </p:cNvSpPr>
           <p:nvPr>
             <p:ph idx="1"/>
           </p:nvPr>
         </p:nvSpPr>
-        <p:spPr bwMode="auto">
-          <a:xfrm>
-            <a:off x="525650" y="2066104"/>
-            <a:ext cx="6328076" cy="3724096"/>
-          </a:xfrm>
-          <a:prstGeom prst="rect">
-            <a:avLst/>
-          </a:prstGeom>
-          <a:solidFill>
-            <a:srgbClr val="FFFFFF"/>
-          </a:solidFill>
-          <a:ln>
-            <a:noFill/>
-          </a:ln>
-          <a:effectLst/>
-          <a:extLst>
-            <a:ext uri="{91240B29-F687-4F45-9708-019B960494DF}">
-              <a14:hiddenLine xmlns:a14="http://schemas.microsoft.com/office/drawing/2010/main" w="9525">
-                <a:solidFill>
-                  <a:schemeClr val="tx1"/>
-                </a:solidFill>
-                <a:miter lim="800000"/>
-                <a:headEnd/>
-                <a:tailEnd/>
-              </a14:hiddenLine>
-            </a:ext>
-            <a:ext uri="{AF507438-7753-43E0-B8FC-AC1667EBCBE1}">
-              <a14:hiddenEffects xmlns:a14="http://schemas.microsoft.com/office/drawing/2010/main">
-                <a:effectLst>
-                  <a:outerShdw dist="35921" dir="2700000" algn="ctr" rotWithShape="0">
-                    <a:schemeClr val="bg2"/>
-                  </a:outerShdw>
-                </a:effectLst>
-              </a14:hiddenEffects>
-            </a:ext>
-          </a:extLst>
-        </p:spPr>
+        <p:spPr/>
         <p:txBody>
-          <a:bodyPr vert="horz" wrap="square" lIns="91440" tIns="45720" rIns="91440" bIns="45720" numCol="1" anchor="ctr" anchorCtr="0" compatLnSpc="1">
-            <a:prstTxWarp prst="textNoShape">
-              <a:avLst/>
-            </a:prstTxWarp>
-            <a:spAutoFit/>
-          </a:bodyPr>
+          <a:bodyPr/>
           <a:lstStyle/>
           <a:p>
-            <a:pPr marL="0" lvl="0" indent="0" defTabSz="914400" eaLnBrk="0" fontAlgn="base" hangingPunct="0">
-              <a:lnSpc>
-                <a:spcPct val="100000"/>
-              </a:lnSpc>
-              <a:spcBef>
-                <a:spcPct val="0"/>
-              </a:spcBef>
-              <a:spcAft>
-                <a:spcPct val="0"/>
-              </a:spcAft>
-              <a:buClrTx/>
-              <a:buSzTx/>
-              <a:buNone/>
-            </a:pPr>
-            <a:r>
-              <a:rPr lang="en-US" altLang="en-US" dirty="0">
-                <a:solidFill>
-                  <a:schemeClr val="tx1"/>
-                </a:solidFill>
-                <a:latin typeface="Arial" panose="020B0604020202020204" pitchFamily="34" charset="0"/>
-                <a:hlinkClick r:id="rId2"/>
-              </a:rPr>
-              <a:t>https://projectlombok.org/</a:t>
-            </a:r>
-            <a:br>
-              <a:rPr lang="en-US" altLang="en-US" dirty="0">
-                <a:solidFill>
-                  <a:schemeClr val="tx1"/>
-                </a:solidFill>
-                <a:latin typeface="Arial" panose="020B0604020202020204" pitchFamily="34" charset="0"/>
-              </a:rPr>
-            </a:br>
-            <a:r>
-              <a:rPr lang="en-US" altLang="en-US" dirty="0">
-                <a:solidFill>
-                  <a:schemeClr val="tx1"/>
-                </a:solidFill>
-                <a:latin typeface="Arial" panose="020B0604020202020204" pitchFamily="34" charset="0"/>
-                <a:hlinkClick r:id="rId3"/>
-              </a:rPr>
-              <a:t>https://github.com/dimpon/fight-boilerplatecode-tutorial</a:t>
-            </a:r>
-            <a:r>
-              <a:rPr lang="en-US" altLang="en-US" dirty="0">
-                <a:solidFill>
-                  <a:schemeClr val="tx1"/>
-                </a:solidFill>
-                <a:latin typeface="Arial" panose="020B0604020202020204" pitchFamily="34" charset="0"/>
-              </a:rPr>
-              <a:t> </a:t>
-            </a:r>
-          </a:p>
-          <a:p>
-            <a:pPr marL="0" lvl="0" indent="0" defTabSz="914400" eaLnBrk="0" fontAlgn="base" hangingPunct="0">
-              <a:lnSpc>
-                <a:spcPct val="100000"/>
-              </a:lnSpc>
-              <a:spcBef>
-                <a:spcPct val="0"/>
-              </a:spcBef>
-              <a:spcAft>
-                <a:spcPct val="0"/>
-              </a:spcAft>
-              <a:buClrTx/>
-              <a:buSzTx/>
-              <a:buNone/>
-            </a:pPr>
-            <a:endParaRPr kumimoji="0" lang="en-US" altLang="en-US" sz="1800" b="0" i="0" u="none" strike="noStrike" cap="none" normalizeH="0" baseline="0" dirty="0">
-              <a:ln>
-                <a:noFill/>
-              </a:ln>
-              <a:solidFill>
-                <a:schemeClr val="tx1"/>
-              </a:solidFill>
-              <a:effectLst/>
-              <a:latin typeface="Arial" panose="020B0604020202020204" pitchFamily="34" charset="0"/>
-            </a:endParaRPr>
-          </a:p>
-          <a:p>
-            <a:pPr marL="0" lvl="0" indent="0" defTabSz="914400" eaLnBrk="0" fontAlgn="base" hangingPunct="0">
-              <a:lnSpc>
-                <a:spcPct val="100000"/>
-              </a:lnSpc>
-              <a:spcBef>
-                <a:spcPct val="0"/>
-              </a:spcBef>
-              <a:spcAft>
-                <a:spcPct val="0"/>
-              </a:spcAft>
-              <a:buClrTx/>
-              <a:buSzTx/>
-              <a:buNone/>
-            </a:pPr>
-            <a:r>
-              <a:rPr lang="en-US" altLang="en-US" sz="1400" dirty="0">
-                <a:solidFill>
-                  <a:schemeClr val="tx1"/>
-                </a:solidFill>
-                <a:latin typeface="Arial" panose="020B0604020202020204" pitchFamily="34" charset="0"/>
-              </a:rPr>
-              <a:t>Annotation processor for auto generation boilerplate code in compile time, It implements patterns, reduces complexity, increases readability.</a:t>
-            </a:r>
-          </a:p>
-          <a:p>
-            <a:pPr marL="0" lvl="0" indent="0" defTabSz="914400" eaLnBrk="0" fontAlgn="base" hangingPunct="0">
-              <a:lnSpc>
-                <a:spcPct val="100000"/>
-              </a:lnSpc>
-              <a:spcBef>
-                <a:spcPct val="0"/>
-              </a:spcBef>
-              <a:spcAft>
-                <a:spcPct val="0"/>
-              </a:spcAft>
-              <a:buClrTx/>
-              <a:buSzTx/>
-              <a:buNone/>
-            </a:pPr>
-            <a:endParaRPr kumimoji="0" lang="en-US" altLang="en-US" sz="1400" b="0" i="0" u="none" strike="noStrike" cap="none" normalizeH="0" baseline="0" dirty="0">
-              <a:ln>
-                <a:noFill/>
-              </a:ln>
-              <a:solidFill>
-                <a:schemeClr val="tx1"/>
-              </a:solidFill>
-              <a:effectLst/>
-              <a:latin typeface="Arial" panose="020B0604020202020204" pitchFamily="34" charset="0"/>
-            </a:endParaRPr>
-          </a:p>
-          <a:p>
-            <a:pPr defTabSz="914400" eaLnBrk="0" fontAlgn="base" hangingPunct="0">
-              <a:lnSpc>
-                <a:spcPct val="100000"/>
-              </a:lnSpc>
-              <a:spcBef>
-                <a:spcPct val="0"/>
-              </a:spcBef>
-              <a:spcAft>
-                <a:spcPct val="0"/>
-              </a:spcAft>
-              <a:buClrTx/>
-              <a:buSzTx/>
-            </a:pPr>
-            <a:r>
-              <a:rPr lang="en-US" altLang="en-US" sz="1400" dirty="0">
-                <a:solidFill>
-                  <a:schemeClr val="tx1"/>
-                </a:solidFill>
-                <a:latin typeface="Arial" panose="020B0604020202020204" pitchFamily="34" charset="0"/>
-              </a:rPr>
-              <a:t>Getters/Setters</a:t>
-            </a:r>
-          </a:p>
-          <a:p>
-            <a:pPr defTabSz="914400" eaLnBrk="0" fontAlgn="base" hangingPunct="0">
-              <a:lnSpc>
-                <a:spcPct val="100000"/>
-              </a:lnSpc>
-              <a:spcBef>
-                <a:spcPct val="0"/>
-              </a:spcBef>
-              <a:spcAft>
-                <a:spcPct val="0"/>
-              </a:spcAft>
-              <a:buClrTx/>
-              <a:buSzTx/>
-            </a:pPr>
-            <a:r>
-              <a:rPr kumimoji="0" lang="en-US" altLang="en-US" sz="1400" b="0" i="0" u="none" strike="noStrike" cap="none" normalizeH="0" baseline="0" dirty="0">
-                <a:ln>
-                  <a:noFill/>
-                </a:ln>
-                <a:solidFill>
-                  <a:schemeClr val="tx1"/>
-                </a:solidFill>
-                <a:effectLst/>
-                <a:latin typeface="Arial" panose="020B0604020202020204" pitchFamily="34" charset="0"/>
-              </a:rPr>
-              <a:t>Constructors</a:t>
-            </a:r>
-          </a:p>
-          <a:p>
-            <a:pPr defTabSz="914400" eaLnBrk="0" fontAlgn="base" hangingPunct="0">
-              <a:lnSpc>
-                <a:spcPct val="100000"/>
-              </a:lnSpc>
-              <a:spcBef>
-                <a:spcPct val="0"/>
-              </a:spcBef>
-              <a:spcAft>
-                <a:spcPct val="0"/>
-              </a:spcAft>
-              <a:buClrTx/>
-              <a:buSzTx/>
-            </a:pPr>
-            <a:r>
-              <a:rPr kumimoji="0" lang="en-US" altLang="en-US" sz="1400" b="0" i="0" u="none" strike="noStrike" cap="none" normalizeH="0" baseline="0" dirty="0">
-                <a:ln>
-                  <a:noFill/>
-                </a:ln>
-                <a:solidFill>
-                  <a:schemeClr val="tx1"/>
-                </a:solidFill>
-                <a:effectLst/>
-                <a:latin typeface="Arial" panose="020B0604020202020204" pitchFamily="34" charset="0"/>
-              </a:rPr>
-              <a:t>Equals/</a:t>
-            </a:r>
-            <a:r>
-              <a:rPr kumimoji="0" lang="en-US" altLang="en-US" sz="1400" b="0" i="0" u="none" strike="noStrike" cap="none" normalizeH="0" baseline="0" dirty="0" err="1">
-                <a:ln>
-                  <a:noFill/>
-                </a:ln>
-                <a:solidFill>
-                  <a:schemeClr val="tx1"/>
-                </a:solidFill>
-                <a:effectLst/>
-                <a:latin typeface="Arial" panose="020B0604020202020204" pitchFamily="34" charset="0"/>
-              </a:rPr>
-              <a:t>hashCode</a:t>
-            </a:r>
-            <a:r>
-              <a:rPr kumimoji="0" lang="en-US" altLang="en-US" sz="1400" b="0" i="0" u="none" strike="noStrike" cap="none" normalizeH="0" baseline="0" dirty="0">
-                <a:ln>
-                  <a:noFill/>
-                </a:ln>
-                <a:solidFill>
-                  <a:schemeClr val="tx1"/>
-                </a:solidFill>
-                <a:effectLst/>
-                <a:latin typeface="Arial" panose="020B0604020202020204" pitchFamily="34" charset="0"/>
-              </a:rPr>
-              <a:t>, </a:t>
-            </a:r>
-            <a:r>
-              <a:rPr kumimoji="0" lang="en-US" altLang="en-US" sz="1400" b="0" i="0" u="none" strike="noStrike" cap="none" normalizeH="0" baseline="0" dirty="0" err="1">
-                <a:ln>
-                  <a:noFill/>
-                </a:ln>
-                <a:solidFill>
-                  <a:schemeClr val="tx1"/>
-                </a:solidFill>
-                <a:effectLst/>
-                <a:latin typeface="Arial" panose="020B0604020202020204" pitchFamily="34" charset="0"/>
-              </a:rPr>
-              <a:t>toString</a:t>
-            </a:r>
-            <a:endParaRPr kumimoji="0" lang="en-US" altLang="en-US" sz="1400" b="0" i="0" u="none" strike="noStrike" cap="none" normalizeH="0" baseline="0" dirty="0">
-              <a:ln>
-                <a:noFill/>
-              </a:ln>
-              <a:solidFill>
-                <a:schemeClr val="tx1"/>
-              </a:solidFill>
-              <a:effectLst/>
-              <a:latin typeface="Arial" panose="020B0604020202020204" pitchFamily="34" charset="0"/>
-            </a:endParaRPr>
-          </a:p>
-          <a:p>
-            <a:pPr defTabSz="914400" eaLnBrk="0" fontAlgn="base" hangingPunct="0">
-              <a:lnSpc>
-                <a:spcPct val="100000"/>
-              </a:lnSpc>
-              <a:spcBef>
-                <a:spcPct val="0"/>
-              </a:spcBef>
-              <a:spcAft>
-                <a:spcPct val="0"/>
-              </a:spcAft>
-              <a:buClrTx/>
-              <a:buSzTx/>
-            </a:pPr>
-            <a:r>
-              <a:rPr lang="en-US" altLang="en-US" sz="1400" dirty="0">
-                <a:solidFill>
-                  <a:schemeClr val="tx1"/>
-                </a:solidFill>
-                <a:latin typeface="Arial" panose="020B0604020202020204" pitchFamily="34" charset="0"/>
-              </a:rPr>
-              <a:t>Builder</a:t>
-            </a:r>
-          </a:p>
-          <a:p>
-            <a:pPr defTabSz="914400" eaLnBrk="0" fontAlgn="base" hangingPunct="0">
-              <a:lnSpc>
-                <a:spcPct val="100000"/>
-              </a:lnSpc>
-              <a:spcBef>
-                <a:spcPct val="0"/>
-              </a:spcBef>
-              <a:spcAft>
-                <a:spcPct val="0"/>
-              </a:spcAft>
-              <a:buClrTx/>
-              <a:buSzTx/>
-            </a:pPr>
-            <a:r>
-              <a:rPr kumimoji="0" lang="en-US" altLang="en-US" sz="1400" b="0" i="0" u="none" strike="noStrike" cap="none" normalizeH="0" baseline="0" dirty="0">
-                <a:ln>
-                  <a:noFill/>
-                </a:ln>
-                <a:solidFill>
-                  <a:schemeClr val="tx1"/>
-                </a:solidFill>
-                <a:effectLst/>
-                <a:latin typeface="Arial" panose="020B0604020202020204" pitchFamily="34" charset="0"/>
-              </a:rPr>
-              <a:t>Loggers</a:t>
-            </a:r>
-          </a:p>
-          <a:p>
-            <a:pPr defTabSz="914400" eaLnBrk="0" fontAlgn="base" hangingPunct="0">
-              <a:lnSpc>
-                <a:spcPct val="100000"/>
-              </a:lnSpc>
-              <a:spcBef>
-                <a:spcPct val="0"/>
-              </a:spcBef>
-              <a:spcAft>
-                <a:spcPct val="0"/>
-              </a:spcAft>
-              <a:buClrTx/>
-              <a:buSzTx/>
-            </a:pPr>
-            <a:r>
-              <a:rPr lang="en-US" altLang="en-US" sz="1400" dirty="0">
-                <a:solidFill>
-                  <a:schemeClr val="tx1"/>
-                </a:solidFill>
-                <a:latin typeface="Arial" panose="020B0604020202020204" pitchFamily="34" charset="0"/>
-              </a:rPr>
-              <a:t>NPE checks</a:t>
-            </a:r>
-          </a:p>
-          <a:p>
-            <a:pPr defTabSz="914400" eaLnBrk="0" fontAlgn="base" hangingPunct="0">
-              <a:lnSpc>
-                <a:spcPct val="100000"/>
-              </a:lnSpc>
-              <a:spcBef>
-                <a:spcPct val="0"/>
-              </a:spcBef>
-              <a:spcAft>
-                <a:spcPct val="0"/>
-              </a:spcAft>
-              <a:buClrTx/>
-              <a:buSzTx/>
-            </a:pPr>
-            <a:r>
-              <a:rPr kumimoji="0" lang="en-US" altLang="en-US" sz="1400" b="0" i="0" u="none" strike="noStrike" cap="none" normalizeH="0" baseline="0" dirty="0">
-                <a:ln>
-                  <a:noFill/>
-                </a:ln>
-                <a:solidFill>
-                  <a:schemeClr val="tx1"/>
-                </a:solidFill>
-                <a:effectLst/>
-                <a:latin typeface="Arial" panose="020B0604020202020204" pitchFamily="34" charset="0"/>
-              </a:rPr>
-              <a:t>Cleanup, </a:t>
-            </a:r>
-            <a:r>
-              <a:rPr kumimoji="0" lang="en-US" altLang="en-US" sz="1400" b="0" i="0" u="none" strike="noStrike" cap="none" normalizeH="0" baseline="0" dirty="0" err="1">
-                <a:ln>
-                  <a:noFill/>
-                </a:ln>
-                <a:solidFill>
-                  <a:schemeClr val="tx1"/>
-                </a:solidFill>
-                <a:effectLst/>
-                <a:latin typeface="Arial" panose="020B0604020202020204" pitchFamily="34" charset="0"/>
-              </a:rPr>
-              <a:t>SneakyThrows</a:t>
-            </a:r>
-            <a:endParaRPr kumimoji="0" lang="en-US" altLang="en-US" sz="1400" b="0" i="0" u="none" strike="noStrike" cap="none" normalizeH="0" baseline="0" dirty="0">
-              <a:ln>
-                <a:noFill/>
-              </a:ln>
-              <a:solidFill>
-                <a:schemeClr val="tx1"/>
-              </a:solidFill>
-              <a:effectLst/>
-              <a:latin typeface="Arial" panose="020B0604020202020204" pitchFamily="34" charset="0"/>
-            </a:endParaRPr>
-          </a:p>
-          <a:p>
-            <a:pPr defTabSz="914400" eaLnBrk="0" fontAlgn="base" hangingPunct="0">
-              <a:lnSpc>
-                <a:spcPct val="100000"/>
-              </a:lnSpc>
-              <a:spcBef>
-                <a:spcPct val="0"/>
-              </a:spcBef>
-              <a:spcAft>
-                <a:spcPct val="0"/>
-              </a:spcAft>
-              <a:buClrTx/>
-              <a:buSzTx/>
-            </a:pPr>
-            <a:r>
-              <a:rPr lang="en-US" altLang="en-US" sz="1400" dirty="0">
-                <a:solidFill>
-                  <a:schemeClr val="tx1"/>
-                </a:solidFill>
-                <a:latin typeface="Arial" panose="020B0604020202020204" pitchFamily="34" charset="0"/>
-              </a:rPr>
-              <a:t>Accessors, </a:t>
-            </a:r>
-            <a:r>
-              <a:rPr lang="en-US" altLang="en-US" sz="1400" dirty="0" err="1">
-                <a:solidFill>
-                  <a:schemeClr val="tx1"/>
-                </a:solidFill>
-                <a:latin typeface="Arial" panose="020B0604020202020204" pitchFamily="34" charset="0"/>
-              </a:rPr>
-              <a:t>FieldDefaults</a:t>
-            </a:r>
-            <a:r>
-              <a:rPr lang="en-US" altLang="en-US" sz="1400" dirty="0">
-                <a:solidFill>
-                  <a:schemeClr val="tx1"/>
-                </a:solidFill>
-                <a:latin typeface="Arial" panose="020B0604020202020204" pitchFamily="34" charset="0"/>
-              </a:rPr>
-              <a:t>, </a:t>
-            </a:r>
-            <a:r>
-              <a:rPr lang="en-US" altLang="en-US" sz="1400" dirty="0" err="1">
-                <a:solidFill>
-                  <a:schemeClr val="tx1"/>
-                </a:solidFill>
-                <a:latin typeface="Arial" panose="020B0604020202020204" pitchFamily="34" charset="0"/>
-              </a:rPr>
-              <a:t>UtilityClass</a:t>
-            </a:r>
-            <a:endParaRPr lang="en-US" altLang="en-US" sz="1400" dirty="0">
-              <a:solidFill>
-                <a:schemeClr val="tx1"/>
-              </a:solidFill>
-              <a:latin typeface="Arial" panose="020B0604020202020204" pitchFamily="34" charset="0"/>
-            </a:endParaRPr>
-          </a:p>
-          <a:p>
-            <a:pPr defTabSz="914400" eaLnBrk="0" fontAlgn="base" hangingPunct="0">
-              <a:lnSpc>
-                <a:spcPct val="100000"/>
-              </a:lnSpc>
-              <a:spcBef>
-                <a:spcPct val="0"/>
-              </a:spcBef>
-              <a:spcAft>
-                <a:spcPct val="0"/>
-              </a:spcAft>
-              <a:buClrTx/>
-              <a:buSzTx/>
-            </a:pPr>
-            <a:r>
-              <a:rPr kumimoji="0" lang="en-US" altLang="en-US" sz="1400" b="0" i="0" u="none" strike="noStrike" cap="none" normalizeH="0" baseline="0" dirty="0">
-                <a:ln>
-                  <a:noFill/>
-                </a:ln>
-                <a:solidFill>
-                  <a:schemeClr val="tx1"/>
-                </a:solidFill>
-                <a:effectLst/>
-                <a:latin typeface="Arial" panose="020B0604020202020204" pitchFamily="34" charset="0"/>
-              </a:rPr>
-              <a:t>Delegate</a:t>
-            </a:r>
-          </a:p>
-          <a:p>
-            <a:pPr defTabSz="914400" eaLnBrk="0" fontAlgn="base" hangingPunct="0">
-              <a:lnSpc>
-                <a:spcPct val="100000"/>
-              </a:lnSpc>
-              <a:spcBef>
-                <a:spcPct val="0"/>
-              </a:spcBef>
-              <a:spcAft>
-                <a:spcPct val="0"/>
-              </a:spcAft>
-              <a:buClrTx/>
-              <a:buSzTx/>
-            </a:pPr>
-            <a:r>
-              <a:rPr kumimoji="0" lang="en-US" altLang="en-US" sz="1400" b="0" i="0" u="none" strike="noStrike" cap="none" normalizeH="0" baseline="0" dirty="0">
-                <a:ln>
-                  <a:noFill/>
-                </a:ln>
-                <a:solidFill>
-                  <a:schemeClr val="tx1"/>
-                </a:solidFill>
-                <a:effectLst/>
-                <a:latin typeface="Arial" panose="020B0604020202020204" pitchFamily="34" charset="0"/>
-              </a:rPr>
-              <a:t>Usage in real code</a:t>
-            </a:r>
-          </a:p>
-        </p:txBody>
-      </p:sp>
-      <p:sp>
-        <p:nvSpPr>
-          <p:cNvPr id="5" name="Rectangle 2">
-            <a:extLst>
-              <a:ext uri="{FF2B5EF4-FFF2-40B4-BE49-F238E27FC236}">
-                <a16:creationId xmlns:a16="http://schemas.microsoft.com/office/drawing/2014/main" id="{C410ECEB-BAB7-46A1-B0F4-AFD8D796AD66}"/>
-              </a:ext>
-            </a:extLst>
-          </p:cNvPr>
-          <p:cNvSpPr>
-            <a:spLocks noChangeArrowheads="1"/>
-          </p:cNvSpPr>
-          <p:nvPr/>
-        </p:nvSpPr>
-        <p:spPr bwMode="auto">
-          <a:xfrm>
-            <a:off x="350896" y="1202543"/>
-            <a:ext cx="5930782" cy="923330"/>
-          </a:xfrm>
-          <a:prstGeom prst="rect">
-            <a:avLst/>
-          </a:prstGeom>
-          <a:solidFill>
-            <a:srgbClr val="FFFFFF"/>
-          </a:solidFill>
-          <a:ln>
-            <a:noFill/>
-          </a:ln>
-          <a:effectLst/>
-          <a:extLst>
-            <a:ext uri="{91240B29-F687-4F45-9708-019B960494DF}">
-              <a14:hiddenLine xmlns:a14="http://schemas.microsoft.com/office/drawing/2010/main" w="9525">
-                <a:solidFill>
-                  <a:schemeClr val="tx1"/>
-                </a:solidFill>
-                <a:miter lim="800000"/>
-                <a:headEnd/>
-                <a:tailEnd/>
-              </a14:hiddenLine>
-            </a:ext>
-            <a:ext uri="{AF507438-7753-43E0-B8FC-AC1667EBCBE1}">
-              <a14:hiddenEffects xmlns:a14="http://schemas.microsoft.com/office/drawing/2010/main">
-                <a:effectLst>
-                  <a:outerShdw dist="35921" dir="2700000" algn="ctr" rotWithShape="0">
-                    <a:schemeClr val="bg2"/>
-                  </a:outerShdw>
-                </a:effectLst>
-              </a14:hiddenEffects>
-            </a:ext>
-          </a:extLst>
-        </p:spPr>
-        <p:txBody>
-          <a:bodyPr vert="horz" wrap="square" lIns="91440" tIns="45720" rIns="91440" bIns="45720" numCol="1" anchor="ctr" anchorCtr="0" compatLnSpc="1">
-            <a:prstTxWarp prst="textNoShape">
-              <a:avLst/>
-            </a:prstTxWarp>
-            <a:spAutoFit/>
-          </a:bodyPr>
-          <a:lstStyle/>
-          <a:p>
-            <a:pPr marL="0" marR="0" lvl="0" indent="0" algn="l" defTabSz="914400" rtl="0" eaLnBrk="0" fontAlgn="base" latinLnBrk="0" hangingPunct="0">
-              <a:lnSpc>
-                <a:spcPct val="100000"/>
-              </a:lnSpc>
-              <a:spcBef>
-                <a:spcPct val="0"/>
-              </a:spcBef>
-              <a:spcAft>
-                <a:spcPct val="0"/>
-              </a:spcAft>
-              <a:buClrTx/>
-              <a:buSzTx/>
-              <a:buFontTx/>
-              <a:buNone/>
-              <a:tabLst/>
-            </a:pPr>
-            <a:r>
-              <a:rPr kumimoji="0" lang="en-US" altLang="en-US" sz="900" b="0" i="0" u="none" strike="noStrike" cap="none" normalizeH="0" baseline="0" dirty="0">
-                <a:ln>
-                  <a:noFill/>
-                </a:ln>
-                <a:solidFill>
-                  <a:srgbClr val="000000"/>
-                </a:solidFill>
-                <a:effectLst/>
-                <a:latin typeface="Courier New" panose="02070309020205020404" pitchFamily="49" charset="0"/>
-                <a:cs typeface="Courier New" panose="02070309020205020404" pitchFamily="49" charset="0"/>
-              </a:rPr>
-              <a:t>&lt;</a:t>
-            </a:r>
-            <a:r>
-              <a:rPr kumimoji="0" lang="en-US" altLang="en-US" sz="900" b="1" i="0" u="none" strike="noStrike" cap="none" normalizeH="0" baseline="0" dirty="0">
-                <a:ln>
-                  <a:noFill/>
-                </a:ln>
-                <a:solidFill>
-                  <a:srgbClr val="000080"/>
-                </a:solidFill>
-                <a:effectLst/>
-                <a:latin typeface="Courier New" panose="02070309020205020404" pitchFamily="49" charset="0"/>
-                <a:cs typeface="Courier New" panose="02070309020205020404" pitchFamily="49" charset="0"/>
-              </a:rPr>
-              <a:t>dependency</a:t>
-            </a:r>
-            <a:r>
-              <a:rPr kumimoji="0" lang="en-US" altLang="en-US" sz="900" b="0" i="0" u="none" strike="noStrike" cap="none" normalizeH="0" baseline="0" dirty="0">
-                <a:ln>
-                  <a:noFill/>
-                </a:ln>
-                <a:solidFill>
-                  <a:srgbClr val="000000"/>
-                </a:solidFill>
-                <a:effectLst/>
-                <a:latin typeface="Courier New" panose="02070309020205020404" pitchFamily="49" charset="0"/>
-                <a:cs typeface="Courier New" panose="02070309020205020404" pitchFamily="49" charset="0"/>
-              </a:rPr>
-              <a:t>&gt;</a:t>
-            </a:r>
-            <a:br>
-              <a:rPr kumimoji="0" lang="en-US" altLang="en-US" sz="900" b="0" i="0" u="none" strike="noStrike" cap="none" normalizeH="0" baseline="0" dirty="0">
-                <a:ln>
-                  <a:noFill/>
-                </a:ln>
-                <a:solidFill>
-                  <a:srgbClr val="000000"/>
-                </a:solidFill>
-                <a:effectLst/>
-                <a:latin typeface="Courier New" panose="02070309020205020404" pitchFamily="49" charset="0"/>
-                <a:cs typeface="Courier New" panose="02070309020205020404" pitchFamily="49" charset="0"/>
-              </a:rPr>
-            </a:br>
-            <a:r>
-              <a:rPr kumimoji="0" lang="en-US" altLang="en-US" sz="900" b="0" i="0" u="none" strike="noStrike" cap="none" normalizeH="0" baseline="0" dirty="0">
-                <a:ln>
-                  <a:noFill/>
-                </a:ln>
-                <a:solidFill>
-                  <a:srgbClr val="000000"/>
-                </a:solidFill>
-                <a:effectLst/>
-                <a:latin typeface="Courier New" panose="02070309020205020404" pitchFamily="49" charset="0"/>
-                <a:cs typeface="Courier New" panose="02070309020205020404" pitchFamily="49" charset="0"/>
-              </a:rPr>
-              <a:t>    &lt;</a:t>
-            </a:r>
-            <a:r>
-              <a:rPr kumimoji="0" lang="en-US" altLang="en-US" sz="900" b="1" i="0" u="none" strike="noStrike" cap="none" normalizeH="0" baseline="0" dirty="0">
-                <a:ln>
-                  <a:noFill/>
-                </a:ln>
-                <a:solidFill>
-                  <a:srgbClr val="000080"/>
-                </a:solidFill>
-                <a:effectLst/>
-                <a:latin typeface="Courier New" panose="02070309020205020404" pitchFamily="49" charset="0"/>
-                <a:cs typeface="Courier New" panose="02070309020205020404" pitchFamily="49" charset="0"/>
-              </a:rPr>
-              <a:t>groupId</a:t>
-            </a:r>
-            <a:r>
-              <a:rPr kumimoji="0" lang="en-US" altLang="en-US" sz="900" b="0" i="0" u="none" strike="noStrike" cap="none" normalizeH="0" baseline="0" dirty="0">
-                <a:ln>
-                  <a:noFill/>
-                </a:ln>
-                <a:solidFill>
-                  <a:srgbClr val="000000"/>
-                </a:solidFill>
-                <a:effectLst/>
-                <a:latin typeface="Courier New" panose="02070309020205020404" pitchFamily="49" charset="0"/>
-                <a:cs typeface="Courier New" panose="02070309020205020404" pitchFamily="49" charset="0"/>
-              </a:rPr>
-              <a:t>&gt;org.projectlombok&lt;/</a:t>
-            </a:r>
-            <a:r>
-              <a:rPr kumimoji="0" lang="en-US" altLang="en-US" sz="900" b="1" i="0" u="none" strike="noStrike" cap="none" normalizeH="0" baseline="0" dirty="0">
-                <a:ln>
-                  <a:noFill/>
-                </a:ln>
-                <a:solidFill>
-                  <a:srgbClr val="000080"/>
-                </a:solidFill>
-                <a:effectLst/>
-                <a:latin typeface="Courier New" panose="02070309020205020404" pitchFamily="49" charset="0"/>
-                <a:cs typeface="Courier New" panose="02070309020205020404" pitchFamily="49" charset="0"/>
-              </a:rPr>
-              <a:t>groupId</a:t>
-            </a:r>
-            <a:r>
-              <a:rPr kumimoji="0" lang="en-US" altLang="en-US" sz="900" b="0" i="0" u="none" strike="noStrike" cap="none" normalizeH="0" baseline="0" dirty="0">
-                <a:ln>
-                  <a:noFill/>
-                </a:ln>
-                <a:solidFill>
-                  <a:srgbClr val="000000"/>
-                </a:solidFill>
-                <a:effectLst/>
-                <a:latin typeface="Courier New" panose="02070309020205020404" pitchFamily="49" charset="0"/>
-                <a:cs typeface="Courier New" panose="02070309020205020404" pitchFamily="49" charset="0"/>
-              </a:rPr>
-              <a:t>&gt;</a:t>
-            </a:r>
-            <a:br>
-              <a:rPr kumimoji="0" lang="en-US" altLang="en-US" sz="900" b="0" i="0" u="none" strike="noStrike" cap="none" normalizeH="0" baseline="0" dirty="0">
-                <a:ln>
-                  <a:noFill/>
-                </a:ln>
-                <a:solidFill>
-                  <a:srgbClr val="000000"/>
-                </a:solidFill>
-                <a:effectLst/>
-                <a:latin typeface="Courier New" panose="02070309020205020404" pitchFamily="49" charset="0"/>
-                <a:cs typeface="Courier New" panose="02070309020205020404" pitchFamily="49" charset="0"/>
-              </a:rPr>
-            </a:br>
-            <a:r>
-              <a:rPr kumimoji="0" lang="en-US" altLang="en-US" sz="900" b="0" i="0" u="none" strike="noStrike" cap="none" normalizeH="0" baseline="0" dirty="0">
-                <a:ln>
-                  <a:noFill/>
-                </a:ln>
-                <a:solidFill>
-                  <a:srgbClr val="000000"/>
-                </a:solidFill>
-                <a:effectLst/>
-                <a:latin typeface="Courier New" panose="02070309020205020404" pitchFamily="49" charset="0"/>
-                <a:cs typeface="Courier New" panose="02070309020205020404" pitchFamily="49" charset="0"/>
-              </a:rPr>
-              <a:t>    &lt;</a:t>
-            </a:r>
-            <a:r>
-              <a:rPr kumimoji="0" lang="en-US" altLang="en-US" sz="900" b="1" i="0" u="none" strike="noStrike" cap="none" normalizeH="0" baseline="0" dirty="0">
-                <a:ln>
-                  <a:noFill/>
-                </a:ln>
-                <a:solidFill>
-                  <a:srgbClr val="000080"/>
-                </a:solidFill>
-                <a:effectLst/>
-                <a:latin typeface="Courier New" panose="02070309020205020404" pitchFamily="49" charset="0"/>
-                <a:cs typeface="Courier New" panose="02070309020205020404" pitchFamily="49" charset="0"/>
-              </a:rPr>
-              <a:t>artifactId</a:t>
-            </a:r>
-            <a:r>
-              <a:rPr kumimoji="0" lang="en-US" altLang="en-US" sz="900" b="0" i="0" u="none" strike="noStrike" cap="none" normalizeH="0" baseline="0" dirty="0">
-                <a:ln>
-                  <a:noFill/>
-                </a:ln>
-                <a:solidFill>
-                  <a:srgbClr val="000000"/>
-                </a:solidFill>
-                <a:effectLst/>
-                <a:latin typeface="Courier New" panose="02070309020205020404" pitchFamily="49" charset="0"/>
-                <a:cs typeface="Courier New" panose="02070309020205020404" pitchFamily="49" charset="0"/>
-              </a:rPr>
-              <a:t>&gt;lombok&lt;/</a:t>
-            </a:r>
-            <a:r>
-              <a:rPr kumimoji="0" lang="en-US" altLang="en-US" sz="900" b="1" i="0" u="none" strike="noStrike" cap="none" normalizeH="0" baseline="0" dirty="0">
-                <a:ln>
-                  <a:noFill/>
-                </a:ln>
-                <a:solidFill>
-                  <a:srgbClr val="000080"/>
-                </a:solidFill>
-                <a:effectLst/>
-                <a:latin typeface="Courier New" panose="02070309020205020404" pitchFamily="49" charset="0"/>
-                <a:cs typeface="Courier New" panose="02070309020205020404" pitchFamily="49" charset="0"/>
-              </a:rPr>
-              <a:t>artifactId</a:t>
-            </a:r>
-            <a:r>
-              <a:rPr kumimoji="0" lang="en-US" altLang="en-US" sz="900" b="0" i="0" u="none" strike="noStrike" cap="none" normalizeH="0" baseline="0" dirty="0">
-                <a:ln>
-                  <a:noFill/>
-                </a:ln>
-                <a:solidFill>
-                  <a:srgbClr val="000000"/>
-                </a:solidFill>
-                <a:effectLst/>
-                <a:latin typeface="Courier New" panose="02070309020205020404" pitchFamily="49" charset="0"/>
-                <a:cs typeface="Courier New" panose="02070309020205020404" pitchFamily="49" charset="0"/>
-              </a:rPr>
-              <a:t>&gt;</a:t>
-            </a:r>
-            <a:br>
-              <a:rPr kumimoji="0" lang="en-US" altLang="en-US" sz="900" b="0" i="0" u="none" strike="noStrike" cap="none" normalizeH="0" baseline="0" dirty="0">
-                <a:ln>
-                  <a:noFill/>
-                </a:ln>
-                <a:solidFill>
-                  <a:srgbClr val="000000"/>
-                </a:solidFill>
-                <a:effectLst/>
-                <a:latin typeface="Courier New" panose="02070309020205020404" pitchFamily="49" charset="0"/>
-                <a:cs typeface="Courier New" panose="02070309020205020404" pitchFamily="49" charset="0"/>
-              </a:rPr>
-            </a:br>
-            <a:r>
-              <a:rPr kumimoji="0" lang="en-US" altLang="en-US" sz="900" b="0" i="0" u="none" strike="noStrike" cap="none" normalizeH="0" baseline="0" dirty="0">
-                <a:ln>
-                  <a:noFill/>
-                </a:ln>
-                <a:solidFill>
-                  <a:srgbClr val="000000"/>
-                </a:solidFill>
-                <a:effectLst/>
-                <a:latin typeface="Courier New" panose="02070309020205020404" pitchFamily="49" charset="0"/>
-                <a:cs typeface="Courier New" panose="02070309020205020404" pitchFamily="49" charset="0"/>
-              </a:rPr>
-              <a:t>    &lt;</a:t>
-            </a:r>
-            <a:r>
-              <a:rPr kumimoji="0" lang="en-US" altLang="en-US" sz="900" b="1" i="0" u="none" strike="noStrike" cap="none" normalizeH="0" baseline="0" dirty="0">
-                <a:ln>
-                  <a:noFill/>
-                </a:ln>
-                <a:solidFill>
-                  <a:srgbClr val="000080"/>
-                </a:solidFill>
-                <a:effectLst/>
-                <a:latin typeface="Courier New" panose="02070309020205020404" pitchFamily="49" charset="0"/>
-                <a:cs typeface="Courier New" panose="02070309020205020404" pitchFamily="49" charset="0"/>
-              </a:rPr>
-              <a:t>version</a:t>
-            </a:r>
-            <a:r>
-              <a:rPr kumimoji="0" lang="en-US" altLang="en-US" sz="900" b="0" i="0" u="none" strike="noStrike" cap="none" normalizeH="0" baseline="0" dirty="0">
-                <a:ln>
-                  <a:noFill/>
-                </a:ln>
-                <a:solidFill>
-                  <a:srgbClr val="000000"/>
-                </a:solidFill>
-                <a:effectLst/>
-                <a:latin typeface="Courier New" panose="02070309020205020404" pitchFamily="49" charset="0"/>
-                <a:cs typeface="Courier New" panose="02070309020205020404" pitchFamily="49" charset="0"/>
-              </a:rPr>
-              <a:t>&gt;1.18.2&lt;/</a:t>
-            </a:r>
-            <a:r>
-              <a:rPr kumimoji="0" lang="en-US" altLang="en-US" sz="900" b="1" i="0" u="none" strike="noStrike" cap="none" normalizeH="0" baseline="0" dirty="0">
-                <a:ln>
-                  <a:noFill/>
-                </a:ln>
-                <a:solidFill>
-                  <a:srgbClr val="000080"/>
-                </a:solidFill>
-                <a:effectLst/>
-                <a:latin typeface="Courier New" panose="02070309020205020404" pitchFamily="49" charset="0"/>
-                <a:cs typeface="Courier New" panose="02070309020205020404" pitchFamily="49" charset="0"/>
-              </a:rPr>
-              <a:t>version</a:t>
-            </a:r>
-            <a:r>
-              <a:rPr kumimoji="0" lang="en-US" altLang="en-US" sz="900" b="0" i="0" u="none" strike="noStrike" cap="none" normalizeH="0" baseline="0" dirty="0">
-                <a:ln>
-                  <a:noFill/>
-                </a:ln>
-                <a:solidFill>
-                  <a:srgbClr val="000000"/>
-                </a:solidFill>
-                <a:effectLst/>
-                <a:latin typeface="Courier New" panose="02070309020205020404" pitchFamily="49" charset="0"/>
-                <a:cs typeface="Courier New" panose="02070309020205020404" pitchFamily="49" charset="0"/>
-              </a:rPr>
-              <a:t>&gt;</a:t>
-            </a:r>
-            <a:br>
-              <a:rPr kumimoji="0" lang="en-US" altLang="en-US" sz="900" b="0" i="0" u="none" strike="noStrike" cap="none" normalizeH="0" baseline="0" dirty="0">
-                <a:ln>
-                  <a:noFill/>
-                </a:ln>
-                <a:solidFill>
-                  <a:srgbClr val="000000"/>
-                </a:solidFill>
-                <a:effectLst/>
-                <a:latin typeface="Courier New" panose="02070309020205020404" pitchFamily="49" charset="0"/>
-                <a:cs typeface="Courier New" panose="02070309020205020404" pitchFamily="49" charset="0"/>
-              </a:rPr>
-            </a:br>
-            <a:r>
-              <a:rPr kumimoji="0" lang="en-US" altLang="en-US" sz="900" b="0" i="0" u="none" strike="noStrike" cap="none" normalizeH="0" baseline="0" dirty="0">
-                <a:ln>
-                  <a:noFill/>
-                </a:ln>
-                <a:solidFill>
-                  <a:srgbClr val="000000"/>
-                </a:solidFill>
-                <a:effectLst/>
-                <a:latin typeface="Courier New" panose="02070309020205020404" pitchFamily="49" charset="0"/>
-                <a:cs typeface="Courier New" panose="02070309020205020404" pitchFamily="49" charset="0"/>
-              </a:rPr>
-              <a:t>    &lt;</a:t>
-            </a:r>
-            <a:r>
-              <a:rPr kumimoji="0" lang="en-US" altLang="en-US" sz="900" b="1" i="0" u="none" strike="noStrike" cap="none" normalizeH="0" baseline="0" dirty="0">
-                <a:ln>
-                  <a:noFill/>
-                </a:ln>
-                <a:solidFill>
-                  <a:srgbClr val="000080"/>
-                </a:solidFill>
-                <a:effectLst/>
-                <a:latin typeface="Courier New" panose="02070309020205020404" pitchFamily="49" charset="0"/>
-                <a:cs typeface="Courier New" panose="02070309020205020404" pitchFamily="49" charset="0"/>
-              </a:rPr>
-              <a:t>scope</a:t>
-            </a:r>
-            <a:r>
-              <a:rPr kumimoji="0" lang="en-US" altLang="en-US" sz="900" b="0" i="0" u="none" strike="noStrike" cap="none" normalizeH="0" baseline="0" dirty="0">
-                <a:ln>
-                  <a:noFill/>
-                </a:ln>
-                <a:solidFill>
-                  <a:srgbClr val="000000"/>
-                </a:solidFill>
-                <a:effectLst/>
-                <a:latin typeface="Courier New" panose="02070309020205020404" pitchFamily="49" charset="0"/>
-                <a:cs typeface="Courier New" panose="02070309020205020404" pitchFamily="49" charset="0"/>
-              </a:rPr>
-              <a:t>&gt;provided&lt;/</a:t>
-            </a:r>
-            <a:r>
-              <a:rPr kumimoji="0" lang="en-US" altLang="en-US" sz="900" b="1" i="0" u="none" strike="noStrike" cap="none" normalizeH="0" baseline="0" dirty="0">
-                <a:ln>
-                  <a:noFill/>
-                </a:ln>
-                <a:solidFill>
-                  <a:srgbClr val="000080"/>
-                </a:solidFill>
-                <a:effectLst/>
-                <a:latin typeface="Courier New" panose="02070309020205020404" pitchFamily="49" charset="0"/>
-                <a:cs typeface="Courier New" panose="02070309020205020404" pitchFamily="49" charset="0"/>
-              </a:rPr>
-              <a:t>scope</a:t>
-            </a:r>
-            <a:r>
-              <a:rPr kumimoji="0" lang="en-US" altLang="en-US" sz="900" b="0" i="0" u="none" strike="noStrike" cap="none" normalizeH="0" baseline="0" dirty="0">
-                <a:ln>
-                  <a:noFill/>
-                </a:ln>
-                <a:solidFill>
-                  <a:srgbClr val="000000"/>
-                </a:solidFill>
-                <a:effectLst/>
-                <a:latin typeface="Courier New" panose="02070309020205020404" pitchFamily="49" charset="0"/>
-                <a:cs typeface="Courier New" panose="02070309020205020404" pitchFamily="49" charset="0"/>
-              </a:rPr>
-              <a:t>&gt;</a:t>
-            </a:r>
-            <a:br>
-              <a:rPr kumimoji="0" lang="en-US" altLang="en-US" sz="900" b="0" i="0" u="none" strike="noStrike" cap="none" normalizeH="0" baseline="0" dirty="0">
-                <a:ln>
-                  <a:noFill/>
-                </a:ln>
-                <a:solidFill>
-                  <a:srgbClr val="000000"/>
-                </a:solidFill>
-                <a:effectLst/>
-                <a:latin typeface="Courier New" panose="02070309020205020404" pitchFamily="49" charset="0"/>
-                <a:cs typeface="Courier New" panose="02070309020205020404" pitchFamily="49" charset="0"/>
-              </a:rPr>
-            </a:br>
-            <a:r>
-              <a:rPr kumimoji="0" lang="en-US" altLang="en-US" sz="900" b="0" i="0" u="none" strike="noStrike" cap="none" normalizeH="0" baseline="0" dirty="0">
-                <a:ln>
-                  <a:noFill/>
-                </a:ln>
-                <a:solidFill>
-                  <a:srgbClr val="000000"/>
-                </a:solidFill>
-                <a:effectLst/>
-                <a:latin typeface="Courier New" panose="02070309020205020404" pitchFamily="49" charset="0"/>
-                <a:cs typeface="Courier New" panose="02070309020205020404" pitchFamily="49" charset="0"/>
-              </a:rPr>
-              <a:t>&lt;/</a:t>
-            </a:r>
-            <a:r>
-              <a:rPr kumimoji="0" lang="en-US" altLang="en-US" sz="900" b="1" i="0" u="none" strike="noStrike" cap="none" normalizeH="0" baseline="0" dirty="0">
-                <a:ln>
-                  <a:noFill/>
-                </a:ln>
-                <a:solidFill>
-                  <a:srgbClr val="000080"/>
-                </a:solidFill>
-                <a:effectLst/>
-                <a:latin typeface="Courier New" panose="02070309020205020404" pitchFamily="49" charset="0"/>
-                <a:cs typeface="Courier New" panose="02070309020205020404" pitchFamily="49" charset="0"/>
-              </a:rPr>
-              <a:t>dependency</a:t>
-            </a:r>
-            <a:r>
-              <a:rPr kumimoji="0" lang="en-US" altLang="en-US" sz="900" b="0" i="0" u="none" strike="noStrike" cap="none" normalizeH="0" baseline="0" dirty="0">
-                <a:ln>
-                  <a:noFill/>
-                </a:ln>
-                <a:solidFill>
-                  <a:srgbClr val="000000"/>
-                </a:solidFill>
-                <a:effectLst/>
-                <a:latin typeface="Courier New" panose="02070309020205020404" pitchFamily="49" charset="0"/>
-                <a:cs typeface="Courier New" panose="02070309020205020404" pitchFamily="49" charset="0"/>
-              </a:rPr>
-              <a:t>&gt;</a:t>
-            </a:r>
-            <a:endParaRPr kumimoji="0" lang="en-US" altLang="en-US" sz="1800" b="0" i="0" u="none" strike="noStrike" cap="none" normalizeH="0" baseline="0" dirty="0">
-              <a:ln>
-                <a:noFill/>
-              </a:ln>
-              <a:solidFill>
-                <a:schemeClr val="tx1"/>
-              </a:solidFill>
-              <a:effectLst/>
-              <a:latin typeface="Arial" panose="020B0604020202020204" pitchFamily="34" charset="0"/>
-            </a:endParaRPr>
+            <a:r>
+              <a:rPr lang="en-US" dirty="0"/>
+              <a:t>Hierarchy of inheritance;</a:t>
+            </a:r>
+          </a:p>
+          <a:p>
+            <a:r>
+              <a:rPr lang="en-US" dirty="0"/>
+              <a:t>Template method;</a:t>
+            </a:r>
+          </a:p>
+          <a:p>
+            <a:r>
+              <a:rPr lang="en-US" dirty="0"/>
+              <a:t>Strategy;</a:t>
+            </a:r>
+          </a:p>
+          <a:p>
+            <a:r>
+              <a:rPr lang="en-US" dirty="0"/>
+              <a:t>Composite;</a:t>
+            </a:r>
+          </a:p>
+          <a:p>
+            <a:r>
+              <a:rPr lang="en-US" dirty="0"/>
+              <a:t>Command;</a:t>
+            </a:r>
+          </a:p>
+          <a:p>
+            <a:r>
+              <a:rPr lang="en-US" dirty="0"/>
+              <a:t>Event/Event Listener;</a:t>
+            </a:r>
+          </a:p>
+          <a:p>
+            <a:r>
+              <a:rPr lang="en-US" dirty="0"/>
+              <a:t>Abstract factory;</a:t>
+            </a:r>
+          </a:p>
+          <a:p>
+            <a:r>
+              <a:rPr lang="en-US" dirty="0"/>
+              <a:t>Factory method;</a:t>
+            </a:r>
+          </a:p>
+          <a:p>
+            <a:r>
+              <a:rPr lang="en-US" dirty="0"/>
+              <a:t>Delegate;</a:t>
+            </a:r>
+          </a:p>
+          <a:p>
+            <a:endParaRPr lang="en-US" dirty="0"/>
           </a:p>
         </p:txBody>
       </p:sp>
     </p:spTree>
     <p:extLst>
       <p:ext uri="{BB962C8B-B14F-4D97-AF65-F5344CB8AC3E}">
-        <p14:creationId xmlns:p14="http://schemas.microsoft.com/office/powerpoint/2010/main" val="1138144586"/>
+        <p14:creationId xmlns:p14="http://schemas.microsoft.com/office/powerpoint/2010/main" val="3930013162"/>
       </p:ext>
     </p:extLst>
   </p:cSld>
@@ -12156,7 +13414,7 @@
           <a:p>
             <a:r>
               <a:rPr lang="en-US" dirty="0"/>
-              <a:t>A Theory.</a:t>
+              <a:t>Project Lombok</a:t>
             </a:r>
           </a:p>
         </p:txBody>
@@ -12179,8 +13437,8 @@
         </p:nvSpPr>
         <p:spPr bwMode="auto">
           <a:xfrm>
-            <a:off x="440193" y="1389443"/>
-            <a:ext cx="6328076" cy="1446550"/>
+            <a:off x="525650" y="2066104"/>
+            <a:ext cx="6328076" cy="3724096"/>
           </a:xfrm>
           <a:prstGeom prst="rect">
             <a:avLst/>
@@ -12238,49 +13496,37 @@
               <a:buNone/>
             </a:pPr>
             <a:r>
-              <a:rPr kumimoji="0" lang="en-US" altLang="en-US" sz="1800" b="0" i="0" u="none" strike="noStrike" cap="none" normalizeH="0" baseline="0" dirty="0">
-                <a:ln>
-                  <a:noFill/>
-                </a:ln>
+              <a:rPr lang="en-US" altLang="en-US" dirty="0">
                 <a:solidFill>
                   <a:schemeClr val="tx1"/>
                 </a:solidFill>
-                <a:effectLst/>
                 <a:latin typeface="Arial" panose="020B0604020202020204" pitchFamily="34" charset="0"/>
-              </a:rPr>
-              <a:t>Annotation Processor scans code in compile time and process </a:t>
-            </a:r>
-            <a:r>
+                <a:hlinkClick r:id="rId2"/>
+              </a:rPr>
+              <a:t>https://projectlombok.org/</a:t>
+            </a:r>
+            <a:br>
               <a:rPr lang="en-US" altLang="en-US" dirty="0">
                 <a:solidFill>
                   <a:schemeClr val="tx1"/>
                 </a:solidFill>
                 <a:latin typeface="Arial" panose="020B0604020202020204" pitchFamily="34" charset="0"/>
               </a:rPr>
-              <a:t>annotations with </a:t>
-            </a:r>
-            <a:r>
-              <a:rPr lang="en-US" altLang="en-US" sz="1600" i="1" dirty="0" err="1">
+            </a:br>
+            <a:r>
+              <a:rPr lang="en-US" altLang="en-US" dirty="0">
                 <a:solidFill>
                   <a:schemeClr val="tx1"/>
                 </a:solidFill>
                 <a:latin typeface="Arial" panose="020B0604020202020204" pitchFamily="34" charset="0"/>
-              </a:rPr>
-              <a:t>RetentionPolicy.</a:t>
-            </a:r>
-            <a:r>
-              <a:rPr lang="en-US" altLang="en-US" sz="1600" b="1" i="1" dirty="0" err="1">
-                <a:solidFill>
-                  <a:srgbClr val="7030A0"/>
-                </a:solidFill>
-                <a:latin typeface="Arial" panose="020B0604020202020204" pitchFamily="34" charset="0"/>
-              </a:rPr>
-              <a:t>SOURCE</a:t>
-            </a:r>
-            <a:r>
-              <a:rPr lang="en-US" altLang="en-US" sz="1600" b="1" i="1" dirty="0">
-                <a:solidFill>
-                  <a:srgbClr val="7030A0"/>
+                <a:hlinkClick r:id="rId3"/>
+              </a:rPr>
+              <a:t>https://github.com/dimpon/fight-boilerplatecode-tutorial</a:t>
+            </a:r>
+            <a:r>
+              <a:rPr lang="en-US" altLang="en-US" dirty="0">
+                <a:solidFill>
+                  <a:schemeClr val="tx1"/>
                 </a:solidFill>
                 <a:latin typeface="Arial" panose="020B0604020202020204" pitchFamily="34" charset="0"/>
               </a:rPr>
@@ -12302,12 +13548,12 @@
               <a:buSzTx/>
               <a:buNone/>
             </a:pPr>
-            <a:endParaRPr kumimoji="0" lang="en-US" altLang="en-US" sz="1600" b="1" i="1" u="none" strike="noStrike" cap="none" normalizeH="0" baseline="0" dirty="0">
+            <a:endParaRPr kumimoji="0" lang="en-US" altLang="en-US" sz="1800" b="0" i="0" u="none" strike="noStrike" cap="none" normalizeH="0" baseline="0" dirty="0">
               <a:ln>
                 <a:noFill/>
               </a:ln>
               <a:solidFill>
-                <a:srgbClr val="7030A0"/>
+                <a:schemeClr val="tx1"/>
               </a:solidFill>
               <a:effectLst/>
               <a:latin typeface="Arial" panose="020B0604020202020204" pitchFamily="34" charset="0"/>
@@ -12329,33 +13575,418 @@
               <a:buNone/>
             </a:pPr>
             <a:r>
-              <a:rPr lang="en-US" altLang="en-US" dirty="0">
+              <a:rPr lang="en-US" altLang="en-US" sz="1400" dirty="0">
                 <a:solidFill>
                   <a:schemeClr val="tx1"/>
                 </a:solidFill>
                 <a:latin typeface="Arial" panose="020B0604020202020204" pitchFamily="34" charset="0"/>
               </a:rPr>
-              <a:t>Lombok reads annotation and patches AST. Actually, creates java code before final compilation.</a:t>
-            </a:r>
-            <a:endParaRPr kumimoji="0" lang="en-US" altLang="en-US" b="1" i="1" u="none" strike="noStrike" cap="none" normalizeH="0" baseline="0" dirty="0">
+              <a:t>Annotation processor for auto generation boilerplate code in compile time, It implements patterns, reduces complexity, increases readability.</a:t>
+            </a:r>
+          </a:p>
+          <a:p>
+            <a:pPr marL="0" lvl="0" indent="0" defTabSz="914400" eaLnBrk="0" fontAlgn="base" hangingPunct="0">
+              <a:lnSpc>
+                <a:spcPct val="100000"/>
+              </a:lnSpc>
+              <a:spcBef>
+                <a:spcPct val="0"/>
+              </a:spcBef>
+              <a:spcAft>
+                <a:spcPct val="0"/>
+              </a:spcAft>
+              <a:buClrTx/>
+              <a:buSzTx/>
+              <a:buNone/>
+            </a:pPr>
+            <a:endParaRPr kumimoji="0" lang="en-US" altLang="en-US" sz="1400" b="0" i="0" u="none" strike="noStrike" cap="none" normalizeH="0" baseline="0" dirty="0">
               <a:ln>
                 <a:noFill/>
               </a:ln>
               <a:solidFill>
-                <a:srgbClr val="7030A0"/>
+                <a:schemeClr val="tx1"/>
               </a:solidFill>
               <a:effectLst/>
               <a:latin typeface="Arial" panose="020B0604020202020204" pitchFamily="34" charset="0"/>
             </a:endParaRPr>
           </a:p>
+          <a:p>
+            <a:pPr defTabSz="914400" eaLnBrk="0" fontAlgn="base" hangingPunct="0">
+              <a:lnSpc>
+                <a:spcPct val="100000"/>
+              </a:lnSpc>
+              <a:spcBef>
+                <a:spcPct val="0"/>
+              </a:spcBef>
+              <a:spcAft>
+                <a:spcPct val="0"/>
+              </a:spcAft>
+              <a:buClrTx/>
+              <a:buSzTx/>
+            </a:pPr>
+            <a:r>
+              <a:rPr lang="en-US" altLang="en-US" sz="1400" dirty="0">
+                <a:solidFill>
+                  <a:schemeClr val="tx1"/>
+                </a:solidFill>
+                <a:latin typeface="Arial" panose="020B0604020202020204" pitchFamily="34" charset="0"/>
+              </a:rPr>
+              <a:t>Getters/Setters</a:t>
+            </a:r>
+          </a:p>
+          <a:p>
+            <a:pPr defTabSz="914400" eaLnBrk="0" fontAlgn="base" hangingPunct="0">
+              <a:lnSpc>
+                <a:spcPct val="100000"/>
+              </a:lnSpc>
+              <a:spcBef>
+                <a:spcPct val="0"/>
+              </a:spcBef>
+              <a:spcAft>
+                <a:spcPct val="0"/>
+              </a:spcAft>
+              <a:buClrTx/>
+              <a:buSzTx/>
+            </a:pPr>
+            <a:r>
+              <a:rPr kumimoji="0" lang="en-US" altLang="en-US" sz="1400" b="0" i="0" u="none" strike="noStrike" cap="none" normalizeH="0" baseline="0" dirty="0">
+                <a:ln>
+                  <a:noFill/>
+                </a:ln>
+                <a:solidFill>
+                  <a:schemeClr val="tx1"/>
+                </a:solidFill>
+                <a:effectLst/>
+                <a:latin typeface="Arial" panose="020B0604020202020204" pitchFamily="34" charset="0"/>
+              </a:rPr>
+              <a:t>Constructors</a:t>
+            </a:r>
+          </a:p>
+          <a:p>
+            <a:pPr defTabSz="914400" eaLnBrk="0" fontAlgn="base" hangingPunct="0">
+              <a:lnSpc>
+                <a:spcPct val="100000"/>
+              </a:lnSpc>
+              <a:spcBef>
+                <a:spcPct val="0"/>
+              </a:spcBef>
+              <a:spcAft>
+                <a:spcPct val="0"/>
+              </a:spcAft>
+              <a:buClrTx/>
+              <a:buSzTx/>
+            </a:pPr>
+            <a:r>
+              <a:rPr kumimoji="0" lang="en-US" altLang="en-US" sz="1400" b="0" i="0" u="none" strike="noStrike" cap="none" normalizeH="0" baseline="0" dirty="0">
+                <a:ln>
+                  <a:noFill/>
+                </a:ln>
+                <a:solidFill>
+                  <a:schemeClr val="tx1"/>
+                </a:solidFill>
+                <a:effectLst/>
+                <a:latin typeface="Arial" panose="020B0604020202020204" pitchFamily="34" charset="0"/>
+              </a:rPr>
+              <a:t>Equals/</a:t>
+            </a:r>
+            <a:r>
+              <a:rPr kumimoji="0" lang="en-US" altLang="en-US" sz="1400" b="0" i="0" u="none" strike="noStrike" cap="none" normalizeH="0" baseline="0" dirty="0" err="1">
+                <a:ln>
+                  <a:noFill/>
+                </a:ln>
+                <a:solidFill>
+                  <a:schemeClr val="tx1"/>
+                </a:solidFill>
+                <a:effectLst/>
+                <a:latin typeface="Arial" panose="020B0604020202020204" pitchFamily="34" charset="0"/>
+              </a:rPr>
+              <a:t>hashCode</a:t>
+            </a:r>
+            <a:r>
+              <a:rPr kumimoji="0" lang="en-US" altLang="en-US" sz="1400" b="0" i="0" u="none" strike="noStrike" cap="none" normalizeH="0" baseline="0" dirty="0">
+                <a:ln>
+                  <a:noFill/>
+                </a:ln>
+                <a:solidFill>
+                  <a:schemeClr val="tx1"/>
+                </a:solidFill>
+                <a:effectLst/>
+                <a:latin typeface="Arial" panose="020B0604020202020204" pitchFamily="34" charset="0"/>
+              </a:rPr>
+              <a:t>, </a:t>
+            </a:r>
+            <a:r>
+              <a:rPr kumimoji="0" lang="en-US" altLang="en-US" sz="1400" b="0" i="0" u="none" strike="noStrike" cap="none" normalizeH="0" baseline="0" dirty="0" err="1">
+                <a:ln>
+                  <a:noFill/>
+                </a:ln>
+                <a:solidFill>
+                  <a:schemeClr val="tx1"/>
+                </a:solidFill>
+                <a:effectLst/>
+                <a:latin typeface="Arial" panose="020B0604020202020204" pitchFamily="34" charset="0"/>
+              </a:rPr>
+              <a:t>toString</a:t>
+            </a:r>
+            <a:endParaRPr kumimoji="0" lang="en-US" altLang="en-US" sz="1400" b="0" i="0" u="none" strike="noStrike" cap="none" normalizeH="0" baseline="0" dirty="0">
+              <a:ln>
+                <a:noFill/>
+              </a:ln>
+              <a:solidFill>
+                <a:schemeClr val="tx1"/>
+              </a:solidFill>
+              <a:effectLst/>
+              <a:latin typeface="Arial" panose="020B0604020202020204" pitchFamily="34" charset="0"/>
+            </a:endParaRPr>
+          </a:p>
+          <a:p>
+            <a:pPr defTabSz="914400" eaLnBrk="0" fontAlgn="base" hangingPunct="0">
+              <a:lnSpc>
+                <a:spcPct val="100000"/>
+              </a:lnSpc>
+              <a:spcBef>
+                <a:spcPct val="0"/>
+              </a:spcBef>
+              <a:spcAft>
+                <a:spcPct val="0"/>
+              </a:spcAft>
+              <a:buClrTx/>
+              <a:buSzTx/>
+            </a:pPr>
+            <a:r>
+              <a:rPr lang="en-US" altLang="en-US" sz="1400" dirty="0">
+                <a:solidFill>
+                  <a:schemeClr val="tx1"/>
+                </a:solidFill>
+                <a:latin typeface="Arial" panose="020B0604020202020204" pitchFamily="34" charset="0"/>
+              </a:rPr>
+              <a:t>Builder</a:t>
+            </a:r>
+          </a:p>
+          <a:p>
+            <a:pPr defTabSz="914400" eaLnBrk="0" fontAlgn="base" hangingPunct="0">
+              <a:lnSpc>
+                <a:spcPct val="100000"/>
+              </a:lnSpc>
+              <a:spcBef>
+                <a:spcPct val="0"/>
+              </a:spcBef>
+              <a:spcAft>
+                <a:spcPct val="0"/>
+              </a:spcAft>
+              <a:buClrTx/>
+              <a:buSzTx/>
+            </a:pPr>
+            <a:r>
+              <a:rPr kumimoji="0" lang="en-US" altLang="en-US" sz="1400" b="0" i="0" u="none" strike="noStrike" cap="none" normalizeH="0" baseline="0" dirty="0">
+                <a:ln>
+                  <a:noFill/>
+                </a:ln>
+                <a:solidFill>
+                  <a:schemeClr val="tx1"/>
+                </a:solidFill>
+                <a:effectLst/>
+                <a:latin typeface="Arial" panose="020B0604020202020204" pitchFamily="34" charset="0"/>
+              </a:rPr>
+              <a:t>Loggers</a:t>
+            </a:r>
+          </a:p>
+          <a:p>
+            <a:pPr defTabSz="914400" eaLnBrk="0" fontAlgn="base" hangingPunct="0">
+              <a:lnSpc>
+                <a:spcPct val="100000"/>
+              </a:lnSpc>
+              <a:spcBef>
+                <a:spcPct val="0"/>
+              </a:spcBef>
+              <a:spcAft>
+                <a:spcPct val="0"/>
+              </a:spcAft>
+              <a:buClrTx/>
+              <a:buSzTx/>
+            </a:pPr>
+            <a:r>
+              <a:rPr lang="en-US" altLang="en-US" sz="1400" dirty="0">
+                <a:solidFill>
+                  <a:schemeClr val="tx1"/>
+                </a:solidFill>
+                <a:latin typeface="Arial" panose="020B0604020202020204" pitchFamily="34" charset="0"/>
+              </a:rPr>
+              <a:t>NPE checks</a:t>
+            </a:r>
+          </a:p>
+          <a:p>
+            <a:pPr defTabSz="914400" eaLnBrk="0" fontAlgn="base" hangingPunct="0">
+              <a:lnSpc>
+                <a:spcPct val="100000"/>
+              </a:lnSpc>
+              <a:spcBef>
+                <a:spcPct val="0"/>
+              </a:spcBef>
+              <a:spcAft>
+                <a:spcPct val="0"/>
+              </a:spcAft>
+              <a:buClrTx/>
+              <a:buSzTx/>
+            </a:pPr>
+            <a:r>
+              <a:rPr kumimoji="0" lang="en-US" altLang="en-US" sz="1400" b="0" i="0" u="none" strike="noStrike" cap="none" normalizeH="0" baseline="0" dirty="0">
+                <a:ln>
+                  <a:noFill/>
+                </a:ln>
+                <a:solidFill>
+                  <a:schemeClr val="tx1"/>
+                </a:solidFill>
+                <a:effectLst/>
+                <a:latin typeface="Arial" panose="020B0604020202020204" pitchFamily="34" charset="0"/>
+              </a:rPr>
+              <a:t>Cleanup, </a:t>
+            </a:r>
+            <a:r>
+              <a:rPr kumimoji="0" lang="en-US" altLang="en-US" sz="1400" b="0" i="0" u="none" strike="noStrike" cap="none" normalizeH="0" baseline="0" dirty="0" err="1">
+                <a:ln>
+                  <a:noFill/>
+                </a:ln>
+                <a:solidFill>
+                  <a:schemeClr val="tx1"/>
+                </a:solidFill>
+                <a:effectLst/>
+                <a:latin typeface="Arial" panose="020B0604020202020204" pitchFamily="34" charset="0"/>
+              </a:rPr>
+              <a:t>SneakyThrows</a:t>
+            </a:r>
+            <a:endParaRPr kumimoji="0" lang="en-US" altLang="en-US" sz="1400" b="0" i="0" u="none" strike="noStrike" cap="none" normalizeH="0" baseline="0" dirty="0">
+              <a:ln>
+                <a:noFill/>
+              </a:ln>
+              <a:solidFill>
+                <a:schemeClr val="tx1"/>
+              </a:solidFill>
+              <a:effectLst/>
+              <a:latin typeface="Arial" panose="020B0604020202020204" pitchFamily="34" charset="0"/>
+            </a:endParaRPr>
+          </a:p>
+          <a:p>
+            <a:pPr defTabSz="914400" eaLnBrk="0" fontAlgn="base" hangingPunct="0">
+              <a:lnSpc>
+                <a:spcPct val="100000"/>
+              </a:lnSpc>
+              <a:spcBef>
+                <a:spcPct val="0"/>
+              </a:spcBef>
+              <a:spcAft>
+                <a:spcPct val="0"/>
+              </a:spcAft>
+              <a:buClrTx/>
+              <a:buSzTx/>
+            </a:pPr>
+            <a:r>
+              <a:rPr lang="en-US" altLang="en-US" sz="1400" dirty="0">
+                <a:solidFill>
+                  <a:schemeClr val="tx1"/>
+                </a:solidFill>
+                <a:latin typeface="Arial" panose="020B0604020202020204" pitchFamily="34" charset="0"/>
+              </a:rPr>
+              <a:t>Accessors, </a:t>
+            </a:r>
+            <a:r>
+              <a:rPr lang="en-US" altLang="en-US" sz="1400" dirty="0" err="1">
+                <a:solidFill>
+                  <a:schemeClr val="tx1"/>
+                </a:solidFill>
+                <a:latin typeface="Arial" panose="020B0604020202020204" pitchFamily="34" charset="0"/>
+              </a:rPr>
+              <a:t>FieldDefaults</a:t>
+            </a:r>
+            <a:r>
+              <a:rPr lang="en-US" altLang="en-US" sz="1400" dirty="0">
+                <a:solidFill>
+                  <a:schemeClr val="tx1"/>
+                </a:solidFill>
+                <a:latin typeface="Arial" panose="020B0604020202020204" pitchFamily="34" charset="0"/>
+              </a:rPr>
+              <a:t>, </a:t>
+            </a:r>
+            <a:r>
+              <a:rPr lang="en-US" altLang="en-US" sz="1400" dirty="0" err="1">
+                <a:solidFill>
+                  <a:schemeClr val="tx1"/>
+                </a:solidFill>
+                <a:latin typeface="Arial" panose="020B0604020202020204" pitchFamily="34" charset="0"/>
+              </a:rPr>
+              <a:t>UtilityClass</a:t>
+            </a:r>
+            <a:endParaRPr lang="en-US" altLang="en-US" sz="1400" dirty="0">
+              <a:solidFill>
+                <a:schemeClr val="tx1"/>
+              </a:solidFill>
+              <a:latin typeface="Arial" panose="020B0604020202020204" pitchFamily="34" charset="0"/>
+            </a:endParaRPr>
+          </a:p>
+          <a:p>
+            <a:pPr defTabSz="914400" eaLnBrk="0" fontAlgn="base" hangingPunct="0">
+              <a:lnSpc>
+                <a:spcPct val="100000"/>
+              </a:lnSpc>
+              <a:spcBef>
+                <a:spcPct val="0"/>
+              </a:spcBef>
+              <a:spcAft>
+                <a:spcPct val="0"/>
+              </a:spcAft>
+              <a:buClrTx/>
+              <a:buSzTx/>
+            </a:pPr>
+            <a:r>
+              <a:rPr kumimoji="0" lang="en-US" altLang="en-US" sz="1400" b="0" i="0" u="none" strike="noStrike" cap="none" normalizeH="0" baseline="0" dirty="0">
+                <a:ln>
+                  <a:noFill/>
+                </a:ln>
+                <a:solidFill>
+                  <a:schemeClr val="tx1"/>
+                </a:solidFill>
+                <a:effectLst/>
+                <a:latin typeface="Arial" panose="020B0604020202020204" pitchFamily="34" charset="0"/>
+              </a:rPr>
+              <a:t>Delegate</a:t>
+            </a:r>
+          </a:p>
+          <a:p>
+            <a:pPr defTabSz="914400" eaLnBrk="0" fontAlgn="base" hangingPunct="0">
+              <a:lnSpc>
+                <a:spcPct val="100000"/>
+              </a:lnSpc>
+              <a:spcBef>
+                <a:spcPct val="0"/>
+              </a:spcBef>
+              <a:spcAft>
+                <a:spcPct val="0"/>
+              </a:spcAft>
+              <a:buClrTx/>
+              <a:buSzTx/>
+            </a:pPr>
+            <a:r>
+              <a:rPr kumimoji="0" lang="en-US" altLang="en-US" sz="1400" b="0" i="0" u="none" strike="noStrike" cap="none" normalizeH="0" baseline="0" dirty="0">
+                <a:ln>
+                  <a:noFill/>
+                </a:ln>
+                <a:solidFill>
+                  <a:schemeClr val="tx1"/>
+                </a:solidFill>
+                <a:effectLst/>
+                <a:latin typeface="Arial" panose="020B0604020202020204" pitchFamily="34" charset="0"/>
+              </a:rPr>
+              <a:t>Usage in real code</a:t>
+            </a:r>
+          </a:p>
         </p:txBody>
       </p:sp>
       <p:sp>
         <p:nvSpPr>
-          <p:cNvPr id="7" name="Rectangle 4">
+          <p:cNvPr id="5" name="Rectangle 2">
             <a:extLst>
               <a:ext uri="{FF2B5EF4-FFF2-40B4-BE49-F238E27FC236}">
-                <a16:creationId xmlns:a16="http://schemas.microsoft.com/office/drawing/2014/main" id="{3329BF8F-372D-4E16-998F-F58AEAE6FDC5}"/>
+                <a16:creationId xmlns:a16="http://schemas.microsoft.com/office/drawing/2014/main" id="{C410ECEB-BAB7-46A1-B0F4-AFD8D796AD66}"/>
               </a:ext>
             </a:extLst>
           </p:cNvPr>
@@ -12366,8 +13997,8 @@
         </p:nvSpPr>
         <p:spPr bwMode="auto">
           <a:xfrm>
-            <a:off x="0" y="0"/>
-            <a:ext cx="9144000" cy="457200"/>
+            <a:off x="350896" y="1202543"/>
+            <a:ext cx="5930782" cy="923330"/>
           </a:xfrm>
           <a:prstGeom prst="rect">
             <a:avLst/>
@@ -12402,7 +14033,7 @@
           </a:extLst>
         </p:spPr>
         <p:txBody>
-          <a:bodyPr vert="horz" wrap="none" lIns="91440" tIns="45720" rIns="91440" bIns="45720" numCol="1" anchor="ctr" anchorCtr="0" compatLnSpc="1">
+          <a:bodyPr vert="horz" wrap="square" lIns="91440" tIns="45720" rIns="91440" bIns="45720" numCol="1" anchor="ctr" anchorCtr="0" compatLnSpc="1">
             <a:prstTxWarp prst="textNoShape">
               <a:avLst/>
             </a:prstTxWarp>
@@ -12427,7 +14058,7 @@
               <a:tabLst/>
             </a:pPr>
             <a:r>
-              <a:rPr kumimoji="0" lang="en-US" altLang="en-US" sz="900" b="0" i="0" u="none" strike="noStrike" cap="none" normalizeH="0" baseline="0">
+              <a:rPr kumimoji="0" lang="en-US" altLang="en-US" sz="900" b="0" i="0" u="none" strike="noStrike" cap="none" normalizeH="0" baseline="0" dirty="0">
                 <a:ln>
                   <a:noFill/>
                 </a:ln>
@@ -12438,23 +14069,424 @@
                 <a:latin typeface="Courier New" panose="02070309020205020404" pitchFamily="49" charset="0"/>
                 <a:cs typeface="Courier New" panose="02070309020205020404" pitchFamily="49" charset="0"/>
               </a:rPr>
-              <a:t>RetentionPolicy.</a:t>
-            </a:r>
-            <a:r>
-              <a:rPr kumimoji="0" lang="en-US" altLang="en-US" sz="900" b="1" i="1" u="none" strike="noStrike" cap="none" normalizeH="0" baseline="0">
+              <a:t>&lt;</a:t>
+            </a:r>
+            <a:r>
+              <a:rPr kumimoji="0" lang="en-US" altLang="en-US" sz="900" b="1" i="0" u="none" strike="noStrike" cap="none" normalizeH="0" baseline="0" dirty="0">
                 <a:ln>
                   <a:noFill/>
                 </a:ln>
                 <a:solidFill>
-                  <a:srgbClr val="660E7A"/>
+                  <a:srgbClr val="000080"/>
                 </a:solidFill>
                 <a:effectLst/>
                 <a:latin typeface="Courier New" panose="02070309020205020404" pitchFamily="49" charset="0"/>
                 <a:cs typeface="Courier New" panose="02070309020205020404" pitchFamily="49" charset="0"/>
               </a:rPr>
-              <a:t>SOURCE</a:t>
-            </a:r>
-            <a:endParaRPr kumimoji="0" lang="en-US" altLang="en-US" sz="1800" b="0" i="0" u="none" strike="noStrike" cap="none" normalizeH="0" baseline="0">
+              <a:t>dependency</a:t>
+            </a:r>
+            <a:r>
+              <a:rPr kumimoji="0" lang="en-US" altLang="en-US" sz="900" b="0" i="0" u="none" strike="noStrike" cap="none" normalizeH="0" baseline="0" dirty="0">
+                <a:ln>
+                  <a:noFill/>
+                </a:ln>
+                <a:solidFill>
+                  <a:srgbClr val="000000"/>
+                </a:solidFill>
+                <a:effectLst/>
+                <a:latin typeface="Courier New" panose="02070309020205020404" pitchFamily="49" charset="0"/>
+                <a:cs typeface="Courier New" panose="02070309020205020404" pitchFamily="49" charset="0"/>
+              </a:rPr>
+              <a:t>&gt;</a:t>
+            </a:r>
+            <a:br>
+              <a:rPr kumimoji="0" lang="en-US" altLang="en-US" sz="900" b="0" i="0" u="none" strike="noStrike" cap="none" normalizeH="0" baseline="0" dirty="0">
+                <a:ln>
+                  <a:noFill/>
+                </a:ln>
+                <a:solidFill>
+                  <a:srgbClr val="000000"/>
+                </a:solidFill>
+                <a:effectLst/>
+                <a:latin typeface="Courier New" panose="02070309020205020404" pitchFamily="49" charset="0"/>
+                <a:cs typeface="Courier New" panose="02070309020205020404" pitchFamily="49" charset="0"/>
+              </a:rPr>
+            </a:br>
+            <a:r>
+              <a:rPr kumimoji="0" lang="en-US" altLang="en-US" sz="900" b="0" i="0" u="none" strike="noStrike" cap="none" normalizeH="0" baseline="0" dirty="0">
+                <a:ln>
+                  <a:noFill/>
+                </a:ln>
+                <a:solidFill>
+                  <a:srgbClr val="000000"/>
+                </a:solidFill>
+                <a:effectLst/>
+                <a:latin typeface="Courier New" panose="02070309020205020404" pitchFamily="49" charset="0"/>
+                <a:cs typeface="Courier New" panose="02070309020205020404" pitchFamily="49" charset="0"/>
+              </a:rPr>
+              <a:t>    &lt;</a:t>
+            </a:r>
+            <a:r>
+              <a:rPr kumimoji="0" lang="en-US" altLang="en-US" sz="900" b="1" i="0" u="none" strike="noStrike" cap="none" normalizeH="0" baseline="0" dirty="0">
+                <a:ln>
+                  <a:noFill/>
+                </a:ln>
+                <a:solidFill>
+                  <a:srgbClr val="000080"/>
+                </a:solidFill>
+                <a:effectLst/>
+                <a:latin typeface="Courier New" panose="02070309020205020404" pitchFamily="49" charset="0"/>
+                <a:cs typeface="Courier New" panose="02070309020205020404" pitchFamily="49" charset="0"/>
+              </a:rPr>
+              <a:t>groupId</a:t>
+            </a:r>
+            <a:r>
+              <a:rPr kumimoji="0" lang="en-US" altLang="en-US" sz="900" b="0" i="0" u="none" strike="noStrike" cap="none" normalizeH="0" baseline="0" dirty="0">
+                <a:ln>
+                  <a:noFill/>
+                </a:ln>
+                <a:solidFill>
+                  <a:srgbClr val="000000"/>
+                </a:solidFill>
+                <a:effectLst/>
+                <a:latin typeface="Courier New" panose="02070309020205020404" pitchFamily="49" charset="0"/>
+                <a:cs typeface="Courier New" panose="02070309020205020404" pitchFamily="49" charset="0"/>
+              </a:rPr>
+              <a:t>&gt;org.projectlombok&lt;/</a:t>
+            </a:r>
+            <a:r>
+              <a:rPr kumimoji="0" lang="en-US" altLang="en-US" sz="900" b="1" i="0" u="none" strike="noStrike" cap="none" normalizeH="0" baseline="0" dirty="0">
+                <a:ln>
+                  <a:noFill/>
+                </a:ln>
+                <a:solidFill>
+                  <a:srgbClr val="000080"/>
+                </a:solidFill>
+                <a:effectLst/>
+                <a:latin typeface="Courier New" panose="02070309020205020404" pitchFamily="49" charset="0"/>
+                <a:cs typeface="Courier New" panose="02070309020205020404" pitchFamily="49" charset="0"/>
+              </a:rPr>
+              <a:t>groupId</a:t>
+            </a:r>
+            <a:r>
+              <a:rPr kumimoji="0" lang="en-US" altLang="en-US" sz="900" b="0" i="0" u="none" strike="noStrike" cap="none" normalizeH="0" baseline="0" dirty="0">
+                <a:ln>
+                  <a:noFill/>
+                </a:ln>
+                <a:solidFill>
+                  <a:srgbClr val="000000"/>
+                </a:solidFill>
+                <a:effectLst/>
+                <a:latin typeface="Courier New" panose="02070309020205020404" pitchFamily="49" charset="0"/>
+                <a:cs typeface="Courier New" panose="02070309020205020404" pitchFamily="49" charset="0"/>
+              </a:rPr>
+              <a:t>&gt;</a:t>
+            </a:r>
+            <a:br>
+              <a:rPr kumimoji="0" lang="en-US" altLang="en-US" sz="900" b="0" i="0" u="none" strike="noStrike" cap="none" normalizeH="0" baseline="0" dirty="0">
+                <a:ln>
+                  <a:noFill/>
+                </a:ln>
+                <a:solidFill>
+                  <a:srgbClr val="000000"/>
+                </a:solidFill>
+                <a:effectLst/>
+                <a:latin typeface="Courier New" panose="02070309020205020404" pitchFamily="49" charset="0"/>
+                <a:cs typeface="Courier New" panose="02070309020205020404" pitchFamily="49" charset="0"/>
+              </a:rPr>
+            </a:br>
+            <a:r>
+              <a:rPr kumimoji="0" lang="en-US" altLang="en-US" sz="900" b="0" i="0" u="none" strike="noStrike" cap="none" normalizeH="0" baseline="0" dirty="0">
+                <a:ln>
+                  <a:noFill/>
+                </a:ln>
+                <a:solidFill>
+                  <a:srgbClr val="000000"/>
+                </a:solidFill>
+                <a:effectLst/>
+                <a:latin typeface="Courier New" panose="02070309020205020404" pitchFamily="49" charset="0"/>
+                <a:cs typeface="Courier New" panose="02070309020205020404" pitchFamily="49" charset="0"/>
+              </a:rPr>
+              <a:t>    &lt;</a:t>
+            </a:r>
+            <a:r>
+              <a:rPr kumimoji="0" lang="en-US" altLang="en-US" sz="900" b="1" i="0" u="none" strike="noStrike" cap="none" normalizeH="0" baseline="0" dirty="0">
+                <a:ln>
+                  <a:noFill/>
+                </a:ln>
+                <a:solidFill>
+                  <a:srgbClr val="000080"/>
+                </a:solidFill>
+                <a:effectLst/>
+                <a:latin typeface="Courier New" panose="02070309020205020404" pitchFamily="49" charset="0"/>
+                <a:cs typeface="Courier New" panose="02070309020205020404" pitchFamily="49" charset="0"/>
+              </a:rPr>
+              <a:t>artifactId</a:t>
+            </a:r>
+            <a:r>
+              <a:rPr kumimoji="0" lang="en-US" altLang="en-US" sz="900" b="0" i="0" u="none" strike="noStrike" cap="none" normalizeH="0" baseline="0" dirty="0">
+                <a:ln>
+                  <a:noFill/>
+                </a:ln>
+                <a:solidFill>
+                  <a:srgbClr val="000000"/>
+                </a:solidFill>
+                <a:effectLst/>
+                <a:latin typeface="Courier New" panose="02070309020205020404" pitchFamily="49" charset="0"/>
+                <a:cs typeface="Courier New" panose="02070309020205020404" pitchFamily="49" charset="0"/>
+              </a:rPr>
+              <a:t>&gt;lombok&lt;/</a:t>
+            </a:r>
+            <a:r>
+              <a:rPr kumimoji="0" lang="en-US" altLang="en-US" sz="900" b="1" i="0" u="none" strike="noStrike" cap="none" normalizeH="0" baseline="0" dirty="0">
+                <a:ln>
+                  <a:noFill/>
+                </a:ln>
+                <a:solidFill>
+                  <a:srgbClr val="000080"/>
+                </a:solidFill>
+                <a:effectLst/>
+                <a:latin typeface="Courier New" panose="02070309020205020404" pitchFamily="49" charset="0"/>
+                <a:cs typeface="Courier New" panose="02070309020205020404" pitchFamily="49" charset="0"/>
+              </a:rPr>
+              <a:t>artifactId</a:t>
+            </a:r>
+            <a:r>
+              <a:rPr kumimoji="0" lang="en-US" altLang="en-US" sz="900" b="0" i="0" u="none" strike="noStrike" cap="none" normalizeH="0" baseline="0" dirty="0">
+                <a:ln>
+                  <a:noFill/>
+                </a:ln>
+                <a:solidFill>
+                  <a:srgbClr val="000000"/>
+                </a:solidFill>
+                <a:effectLst/>
+                <a:latin typeface="Courier New" panose="02070309020205020404" pitchFamily="49" charset="0"/>
+                <a:cs typeface="Courier New" panose="02070309020205020404" pitchFamily="49" charset="0"/>
+              </a:rPr>
+              <a:t>&gt;</a:t>
+            </a:r>
+            <a:br>
+              <a:rPr kumimoji="0" lang="en-US" altLang="en-US" sz="900" b="0" i="0" u="none" strike="noStrike" cap="none" normalizeH="0" baseline="0" dirty="0">
+                <a:ln>
+                  <a:noFill/>
+                </a:ln>
+                <a:solidFill>
+                  <a:srgbClr val="000000"/>
+                </a:solidFill>
+                <a:effectLst/>
+                <a:latin typeface="Courier New" panose="02070309020205020404" pitchFamily="49" charset="0"/>
+                <a:cs typeface="Courier New" panose="02070309020205020404" pitchFamily="49" charset="0"/>
+              </a:rPr>
+            </a:br>
+            <a:r>
+              <a:rPr kumimoji="0" lang="en-US" altLang="en-US" sz="900" b="0" i="0" u="none" strike="noStrike" cap="none" normalizeH="0" baseline="0" dirty="0">
+                <a:ln>
+                  <a:noFill/>
+                </a:ln>
+                <a:solidFill>
+                  <a:srgbClr val="000000"/>
+                </a:solidFill>
+                <a:effectLst/>
+                <a:latin typeface="Courier New" panose="02070309020205020404" pitchFamily="49" charset="0"/>
+                <a:cs typeface="Courier New" panose="02070309020205020404" pitchFamily="49" charset="0"/>
+              </a:rPr>
+              <a:t>    &lt;</a:t>
+            </a:r>
+            <a:r>
+              <a:rPr kumimoji="0" lang="en-US" altLang="en-US" sz="900" b="1" i="0" u="none" strike="noStrike" cap="none" normalizeH="0" baseline="0" dirty="0">
+                <a:ln>
+                  <a:noFill/>
+                </a:ln>
+                <a:solidFill>
+                  <a:srgbClr val="000080"/>
+                </a:solidFill>
+                <a:effectLst/>
+                <a:latin typeface="Courier New" panose="02070309020205020404" pitchFamily="49" charset="0"/>
+                <a:cs typeface="Courier New" panose="02070309020205020404" pitchFamily="49" charset="0"/>
+              </a:rPr>
+              <a:t>version</a:t>
+            </a:r>
+            <a:r>
+              <a:rPr kumimoji="0" lang="en-US" altLang="en-US" sz="900" b="0" i="0" u="none" strike="noStrike" cap="none" normalizeH="0" baseline="0" dirty="0">
+                <a:ln>
+                  <a:noFill/>
+                </a:ln>
+                <a:solidFill>
+                  <a:srgbClr val="000000"/>
+                </a:solidFill>
+                <a:effectLst/>
+                <a:latin typeface="Courier New" panose="02070309020205020404" pitchFamily="49" charset="0"/>
+                <a:cs typeface="Courier New" panose="02070309020205020404" pitchFamily="49" charset="0"/>
+              </a:rPr>
+              <a:t>&gt;1.18.2&lt;/</a:t>
+            </a:r>
+            <a:r>
+              <a:rPr kumimoji="0" lang="en-US" altLang="en-US" sz="900" b="1" i="0" u="none" strike="noStrike" cap="none" normalizeH="0" baseline="0" dirty="0">
+                <a:ln>
+                  <a:noFill/>
+                </a:ln>
+                <a:solidFill>
+                  <a:srgbClr val="000080"/>
+                </a:solidFill>
+                <a:effectLst/>
+                <a:latin typeface="Courier New" panose="02070309020205020404" pitchFamily="49" charset="0"/>
+                <a:cs typeface="Courier New" panose="02070309020205020404" pitchFamily="49" charset="0"/>
+              </a:rPr>
+              <a:t>version</a:t>
+            </a:r>
+            <a:r>
+              <a:rPr kumimoji="0" lang="en-US" altLang="en-US" sz="900" b="0" i="0" u="none" strike="noStrike" cap="none" normalizeH="0" baseline="0" dirty="0">
+                <a:ln>
+                  <a:noFill/>
+                </a:ln>
+                <a:solidFill>
+                  <a:srgbClr val="000000"/>
+                </a:solidFill>
+                <a:effectLst/>
+                <a:latin typeface="Courier New" panose="02070309020205020404" pitchFamily="49" charset="0"/>
+                <a:cs typeface="Courier New" panose="02070309020205020404" pitchFamily="49" charset="0"/>
+              </a:rPr>
+              <a:t>&gt;</a:t>
+            </a:r>
+            <a:br>
+              <a:rPr kumimoji="0" lang="en-US" altLang="en-US" sz="900" b="0" i="0" u="none" strike="noStrike" cap="none" normalizeH="0" baseline="0" dirty="0">
+                <a:ln>
+                  <a:noFill/>
+                </a:ln>
+                <a:solidFill>
+                  <a:srgbClr val="000000"/>
+                </a:solidFill>
+                <a:effectLst/>
+                <a:latin typeface="Courier New" panose="02070309020205020404" pitchFamily="49" charset="0"/>
+                <a:cs typeface="Courier New" panose="02070309020205020404" pitchFamily="49" charset="0"/>
+              </a:rPr>
+            </a:br>
+            <a:r>
+              <a:rPr kumimoji="0" lang="en-US" altLang="en-US" sz="900" b="0" i="0" u="none" strike="noStrike" cap="none" normalizeH="0" baseline="0" dirty="0">
+                <a:ln>
+                  <a:noFill/>
+                </a:ln>
+                <a:solidFill>
+                  <a:srgbClr val="000000"/>
+                </a:solidFill>
+                <a:effectLst/>
+                <a:latin typeface="Courier New" panose="02070309020205020404" pitchFamily="49" charset="0"/>
+                <a:cs typeface="Courier New" panose="02070309020205020404" pitchFamily="49" charset="0"/>
+              </a:rPr>
+              <a:t>    &lt;</a:t>
+            </a:r>
+            <a:r>
+              <a:rPr kumimoji="0" lang="en-US" altLang="en-US" sz="900" b="1" i="0" u="none" strike="noStrike" cap="none" normalizeH="0" baseline="0" dirty="0">
+                <a:ln>
+                  <a:noFill/>
+                </a:ln>
+                <a:solidFill>
+                  <a:srgbClr val="000080"/>
+                </a:solidFill>
+                <a:effectLst/>
+                <a:latin typeface="Courier New" panose="02070309020205020404" pitchFamily="49" charset="0"/>
+                <a:cs typeface="Courier New" panose="02070309020205020404" pitchFamily="49" charset="0"/>
+              </a:rPr>
+              <a:t>scope</a:t>
+            </a:r>
+            <a:r>
+              <a:rPr kumimoji="0" lang="en-US" altLang="en-US" sz="900" b="0" i="0" u="none" strike="noStrike" cap="none" normalizeH="0" baseline="0" dirty="0">
+                <a:ln>
+                  <a:noFill/>
+                </a:ln>
+                <a:solidFill>
+                  <a:srgbClr val="000000"/>
+                </a:solidFill>
+                <a:effectLst/>
+                <a:latin typeface="Courier New" panose="02070309020205020404" pitchFamily="49" charset="0"/>
+                <a:cs typeface="Courier New" panose="02070309020205020404" pitchFamily="49" charset="0"/>
+              </a:rPr>
+              <a:t>&gt;provided&lt;/</a:t>
+            </a:r>
+            <a:r>
+              <a:rPr kumimoji="0" lang="en-US" altLang="en-US" sz="900" b="1" i="0" u="none" strike="noStrike" cap="none" normalizeH="0" baseline="0" dirty="0">
+                <a:ln>
+                  <a:noFill/>
+                </a:ln>
+                <a:solidFill>
+                  <a:srgbClr val="000080"/>
+                </a:solidFill>
+                <a:effectLst/>
+                <a:latin typeface="Courier New" panose="02070309020205020404" pitchFamily="49" charset="0"/>
+                <a:cs typeface="Courier New" panose="02070309020205020404" pitchFamily="49" charset="0"/>
+              </a:rPr>
+              <a:t>scope</a:t>
+            </a:r>
+            <a:r>
+              <a:rPr kumimoji="0" lang="en-US" altLang="en-US" sz="900" b="0" i="0" u="none" strike="noStrike" cap="none" normalizeH="0" baseline="0" dirty="0">
+                <a:ln>
+                  <a:noFill/>
+                </a:ln>
+                <a:solidFill>
+                  <a:srgbClr val="000000"/>
+                </a:solidFill>
+                <a:effectLst/>
+                <a:latin typeface="Courier New" panose="02070309020205020404" pitchFamily="49" charset="0"/>
+                <a:cs typeface="Courier New" panose="02070309020205020404" pitchFamily="49" charset="0"/>
+              </a:rPr>
+              <a:t>&gt;</a:t>
+            </a:r>
+            <a:br>
+              <a:rPr kumimoji="0" lang="en-US" altLang="en-US" sz="900" b="0" i="0" u="none" strike="noStrike" cap="none" normalizeH="0" baseline="0" dirty="0">
+                <a:ln>
+                  <a:noFill/>
+                </a:ln>
+                <a:solidFill>
+                  <a:srgbClr val="000000"/>
+                </a:solidFill>
+                <a:effectLst/>
+                <a:latin typeface="Courier New" panose="02070309020205020404" pitchFamily="49" charset="0"/>
+                <a:cs typeface="Courier New" panose="02070309020205020404" pitchFamily="49" charset="0"/>
+              </a:rPr>
+            </a:br>
+            <a:r>
+              <a:rPr kumimoji="0" lang="en-US" altLang="en-US" sz="900" b="0" i="0" u="none" strike="noStrike" cap="none" normalizeH="0" baseline="0" dirty="0">
+                <a:ln>
+                  <a:noFill/>
+                </a:ln>
+                <a:solidFill>
+                  <a:srgbClr val="000000"/>
+                </a:solidFill>
+                <a:effectLst/>
+                <a:latin typeface="Courier New" panose="02070309020205020404" pitchFamily="49" charset="0"/>
+                <a:cs typeface="Courier New" panose="02070309020205020404" pitchFamily="49" charset="0"/>
+              </a:rPr>
+              <a:t>&lt;/</a:t>
+            </a:r>
+            <a:r>
+              <a:rPr kumimoji="0" lang="en-US" altLang="en-US" sz="900" b="1" i="0" u="none" strike="noStrike" cap="none" normalizeH="0" baseline="0" dirty="0">
+                <a:ln>
+                  <a:noFill/>
+                </a:ln>
+                <a:solidFill>
+                  <a:srgbClr val="000080"/>
+                </a:solidFill>
+                <a:effectLst/>
+                <a:latin typeface="Courier New" panose="02070309020205020404" pitchFamily="49" charset="0"/>
+                <a:cs typeface="Courier New" panose="02070309020205020404" pitchFamily="49" charset="0"/>
+              </a:rPr>
+              <a:t>dependency</a:t>
+            </a:r>
+            <a:r>
+              <a:rPr kumimoji="0" lang="en-US" altLang="en-US" sz="900" b="0" i="0" u="none" strike="noStrike" cap="none" normalizeH="0" baseline="0" dirty="0">
+                <a:ln>
+                  <a:noFill/>
+                </a:ln>
+                <a:solidFill>
+                  <a:srgbClr val="000000"/>
+                </a:solidFill>
+                <a:effectLst/>
+                <a:latin typeface="Courier New" panose="02070309020205020404" pitchFamily="49" charset="0"/>
+                <a:cs typeface="Courier New" panose="02070309020205020404" pitchFamily="49" charset="0"/>
+              </a:rPr>
+              <a:t>&gt;</a:t>
+            </a:r>
+            <a:endParaRPr kumimoji="0" lang="en-US" altLang="en-US" sz="1800" b="0" i="0" u="none" strike="noStrike" cap="none" normalizeH="0" baseline="0" dirty="0">
               <a:ln>
                 <a:noFill/>
               </a:ln>
@@ -12467,40 +14499,10 @@
           </a:p>
         </p:txBody>
       </p:sp>
-      <p:pic>
-        <p:nvPicPr>
-          <p:cNvPr id="9" name="Picture 8">
-            <a:extLst>
-              <a:ext uri="{FF2B5EF4-FFF2-40B4-BE49-F238E27FC236}">
-                <a16:creationId xmlns:a16="http://schemas.microsoft.com/office/drawing/2014/main" id="{5C285F82-D461-4CEB-B101-FF925C3DD377}"/>
-              </a:ext>
-            </a:extLst>
-          </p:cNvPr>
-          <p:cNvPicPr>
-            <a:picLocks noChangeAspect="1"/>
-          </p:cNvPicPr>
-          <p:nvPr/>
-        </p:nvPicPr>
-        <p:blipFill>
-          <a:blip r:embed="rId2"/>
-          <a:stretch>
-            <a:fillRect/>
-          </a:stretch>
-        </p:blipFill>
-        <p:spPr>
-          <a:xfrm>
-            <a:off x="440193" y="3107606"/>
-            <a:ext cx="7543815" cy="1828804"/>
-          </a:xfrm>
-          <a:prstGeom prst="rect">
-            <a:avLst/>
-          </a:prstGeom>
-        </p:spPr>
-      </p:pic>
     </p:spTree>
     <p:extLst>
       <p:ext uri="{BB962C8B-B14F-4D97-AF65-F5344CB8AC3E}">
-        <p14:creationId xmlns:p14="http://schemas.microsoft.com/office/powerpoint/2010/main" val="3576057412"/>
+        <p14:creationId xmlns:p14="http://schemas.microsoft.com/office/powerpoint/2010/main" val="1138144586"/>
       </p:ext>
     </p:extLst>
   </p:cSld>
@@ -12544,7 +14546,7 @@
           <a:p>
             <a:r>
               <a:rPr lang="en-US" dirty="0"/>
-              <a:t>Let’s go coding!</a:t>
+              <a:t>A Theory.</a:t>
             </a:r>
           </a:p>
         </p:txBody>
@@ -12567,8 +14569,8 @@
         </p:nvSpPr>
         <p:spPr bwMode="auto">
           <a:xfrm>
-            <a:off x="440193" y="1435611"/>
-            <a:ext cx="6328076" cy="4247317"/>
+            <a:off x="440193" y="1389443"/>
+            <a:ext cx="6328076" cy="1446550"/>
           </a:xfrm>
           <a:prstGeom prst="rect">
             <a:avLst/>
@@ -12636,7 +14638,7 @@
                 <a:effectLst/>
                 <a:latin typeface="Arial" panose="020B0604020202020204" pitchFamily="34" charset="0"/>
               </a:rPr>
-              <a:t>Play with DTO </a:t>
+              <a:t>Annotation Processor scans code in compile time and process </a:t>
             </a:r>
             <a:r>
               <a:rPr lang="en-US" altLang="en-US" dirty="0">
@@ -12645,30 +14647,30 @@
                 </a:solidFill>
                 <a:latin typeface="Arial" panose="020B0604020202020204" pitchFamily="34" charset="0"/>
               </a:rPr>
-              <a:t>classes.</a:t>
-            </a:r>
-            <a:br>
-              <a:rPr lang="en-US" altLang="en-US" dirty="0">
+              <a:t>annotations with </a:t>
+            </a:r>
+            <a:r>
+              <a:rPr lang="en-US" altLang="en-US" sz="1600" i="1" dirty="0" err="1">
                 <a:solidFill>
                   <a:schemeClr val="tx1"/>
                 </a:solidFill>
                 <a:latin typeface="Arial" panose="020B0604020202020204" pitchFamily="34" charset="0"/>
               </a:rPr>
-            </a:br>
-            <a:r>
-              <a:rPr lang="en-US" altLang="en-US" dirty="0">
-                <a:solidFill>
-                  <a:schemeClr val="tx1"/>
+              <a:t>RetentionPolicy.</a:t>
+            </a:r>
+            <a:r>
+              <a:rPr lang="en-US" altLang="en-US" sz="1600" b="1" i="1" dirty="0" err="1">
+                <a:solidFill>
+                  <a:srgbClr val="7030A0"/>
                 </a:solidFill>
                 <a:latin typeface="Arial" panose="020B0604020202020204" pitchFamily="34" charset="0"/>
-                <a:hlinkClick r:id="rId2"/>
-              </a:rPr>
-              <a:t>https://github.com/dimpon/fight-boilerplatecode-tutorial/tree/master/src/main/java/com/dimpon/tutorals/lombok/dto</a:t>
-            </a:r>
-            <a:r>
-              <a:rPr lang="en-US" altLang="en-US" dirty="0">
-                <a:solidFill>
-                  <a:schemeClr val="tx1"/>
+              </a:rPr>
+              <a:t>SOURCE</a:t>
+            </a:r>
+            <a:r>
+              <a:rPr lang="en-US" altLang="en-US" sz="1600" b="1" i="1" dirty="0">
+                <a:solidFill>
+                  <a:srgbClr val="7030A0"/>
                 </a:solidFill>
                 <a:latin typeface="Arial" panose="020B0604020202020204" pitchFamily="34" charset="0"/>
               </a:rPr>
@@ -12690,12 +14692,12 @@
               <a:buSzTx/>
               <a:buNone/>
             </a:pPr>
-            <a:endParaRPr kumimoji="0" lang="en-US" altLang="en-US" sz="1800" b="0" i="0" u="none" strike="noStrike" cap="none" normalizeH="0" baseline="0" dirty="0">
+            <a:endParaRPr kumimoji="0" lang="en-US" altLang="en-US" sz="1600" b="1" i="1" u="none" strike="noStrike" cap="none" normalizeH="0" baseline="0" dirty="0">
               <a:ln>
                 <a:noFill/>
               </a:ln>
               <a:solidFill>
-                <a:schemeClr val="tx1"/>
+                <a:srgbClr val="7030A0"/>
               </a:solidFill>
               <a:effectLst/>
               <a:latin typeface="Arial" panose="020B0604020202020204" pitchFamily="34" charset="0"/>
@@ -12723,21 +14725,82 @@
                 </a:solidFill>
                 <a:latin typeface="Arial" panose="020B0604020202020204" pitchFamily="34" charset="0"/>
               </a:rPr>
-              <a:t>NPE</a:t>
-            </a:r>
-            <a:endParaRPr kumimoji="0" lang="en-US" altLang="en-US" sz="1800" b="0" i="0" u="none" strike="noStrike" cap="none" normalizeH="0" baseline="0" dirty="0">
+              <a:t>Lombok reads annotation and patches AST. Actually, creates java code before final compilation.</a:t>
+            </a:r>
+            <a:endParaRPr kumimoji="0" lang="en-US" altLang="en-US" b="1" i="1" u="none" strike="noStrike" cap="none" normalizeH="0" baseline="0" dirty="0">
               <a:ln>
                 <a:noFill/>
               </a:ln>
               <a:solidFill>
-                <a:schemeClr val="tx1"/>
+                <a:srgbClr val="7030A0"/>
               </a:solidFill>
               <a:effectLst/>
               <a:latin typeface="Arial" panose="020B0604020202020204" pitchFamily="34" charset="0"/>
             </a:endParaRPr>
           </a:p>
-          <a:p>
-            <a:pPr marL="0" lvl="0" indent="0" defTabSz="914400" eaLnBrk="0" fontAlgn="base" hangingPunct="0">
+        </p:txBody>
+      </p:sp>
+      <p:sp>
+        <p:nvSpPr>
+          <p:cNvPr id="7" name="Rectangle 4">
+            <a:extLst>
+              <a:ext uri="{FF2B5EF4-FFF2-40B4-BE49-F238E27FC236}">
+                <a16:creationId xmlns:a16="http://schemas.microsoft.com/office/drawing/2014/main" id="{3329BF8F-372D-4E16-998F-F58AEAE6FDC5}"/>
+              </a:ext>
+            </a:extLst>
+          </p:cNvPr>
+          <p:cNvSpPr>
+            <a:spLocks noChangeArrowheads="1"/>
+          </p:cNvSpPr>
+          <p:nvPr/>
+        </p:nvSpPr>
+        <p:spPr bwMode="auto">
+          <a:xfrm>
+            <a:off x="0" y="0"/>
+            <a:ext cx="9144000" cy="457200"/>
+          </a:xfrm>
+          <a:prstGeom prst="rect">
+            <a:avLst/>
+          </a:prstGeom>
+          <a:solidFill>
+            <a:srgbClr val="FFFFFF"/>
+          </a:solidFill>
+          <a:ln>
+            <a:noFill/>
+          </a:ln>
+          <a:effectLst/>
+          <a:extLst>
+            <a:ext uri="{91240B29-F687-4F45-9708-019B960494DF}">
+              <a14:hiddenLine xmlns:a14="http://schemas.microsoft.com/office/drawing/2010/main" w="9525">
+                <a:solidFill>
+                  <a:schemeClr val="tx1"/>
+                </a:solidFill>
+                <a:miter lim="800000"/>
+                <a:headEnd/>
+                <a:tailEnd/>
+              </a14:hiddenLine>
+            </a:ext>
+            <a:ext uri="{AF507438-7753-43E0-B8FC-AC1667EBCBE1}">
+              <a14:hiddenEffects xmlns:a14="http://schemas.microsoft.com/office/drawing/2010/main">
+                <a:effectLst>
+                  <a:outerShdw dist="35921" dir="2700000" algn="ctr" rotWithShape="0">
+                    <a:schemeClr val="bg2"/>
+                  </a:outerShdw>
+                </a:effectLst>
+              </a14:hiddenEffects>
+            </a:ext>
+          </a:extLst>
+        </p:spPr>
+        <p:txBody>
+          <a:bodyPr vert="horz" wrap="none" lIns="91440" tIns="45720" rIns="91440" bIns="45720" numCol="1" anchor="ctr" anchorCtr="0" compatLnSpc="1">
+            <a:prstTxWarp prst="textNoShape">
+              <a:avLst/>
+            </a:prstTxWarp>
+            <a:spAutoFit/>
+          </a:bodyPr>
+          <a:lstStyle/>
+          <a:p>
+            <a:pPr marL="0" marR="0" lvl="0" indent="0" algn="l" defTabSz="914400" rtl="0" eaLnBrk="0" fontAlgn="base" latinLnBrk="0" hangingPunct="0">
               <a:lnSpc>
                 <a:spcPct val="100000"/>
               </a:lnSpc>
@@ -12749,41 +14812,39 @@
               </a:spcAft>
               <a:buClrTx/>
               <a:buSzTx/>
+              <a:buFontTx/>
               <a:buNone/>
+              <a:tabLst/>
             </a:pPr>
             <a:r>
-              <a:rPr lang="en-US" altLang="en-US" dirty="0">
-                <a:solidFill>
-                  <a:schemeClr val="tx1"/>
-                </a:solidFill>
-                <a:latin typeface="Arial" panose="020B0604020202020204" pitchFamily="34" charset="0"/>
-                <a:hlinkClick r:id="rId3"/>
-              </a:rPr>
-              <a:t>https://github.com/dimpon/fight-boilerplatecode-tutorial/tree/master/src/main/java/com/dimpon/tutorals/lombok/npe</a:t>
-            </a:r>
-            <a:endParaRPr lang="en-US" altLang="en-US" dirty="0">
-              <a:solidFill>
-                <a:schemeClr val="tx1"/>
-              </a:solidFill>
-              <a:latin typeface="Arial" panose="020B0604020202020204" pitchFamily="34" charset="0"/>
-            </a:endParaRPr>
-          </a:p>
-          <a:p>
-            <a:pPr marL="0" lvl="0" indent="0" defTabSz="914400" eaLnBrk="0" fontAlgn="base" hangingPunct="0">
-              <a:lnSpc>
-                <a:spcPct val="100000"/>
-              </a:lnSpc>
-              <a:spcBef>
-                <a:spcPct val="0"/>
-              </a:spcBef>
-              <a:spcAft>
-                <a:spcPct val="0"/>
-              </a:spcAft>
-              <a:buClrTx/>
-              <a:buSzTx/>
-              <a:buNone/>
-            </a:pPr>
-            <a:endParaRPr kumimoji="0" lang="en-US" altLang="en-US" sz="1800" b="0" i="0" u="none" strike="noStrike" cap="none" normalizeH="0" baseline="0" dirty="0">
+              <a:rPr kumimoji="0" lang="en-US" altLang="en-US" sz="900" b="0" i="0" u="none" strike="noStrike" cap="none" normalizeH="0" baseline="0">
+                <a:ln>
+                  <a:noFill/>
+                </a:ln>
+                <a:solidFill>
+                  <a:srgbClr val="000000"/>
+                </a:solidFill>
+                <a:effectLst/>
+                <a:latin typeface="Courier New" panose="02070309020205020404" pitchFamily="49" charset="0"/>
+                <a:cs typeface="Courier New" panose="02070309020205020404" pitchFamily="49" charset="0"/>
+              </a:rPr>
+              <a:t>RetentionPolicy.</a:t>
+            </a:r>
+            <a:r>
+              <a:rPr kumimoji="0" lang="en-US" altLang="en-US" sz="900" b="1" i="1" u="none" strike="noStrike" cap="none" normalizeH="0" baseline="0">
+                <a:ln>
+                  <a:noFill/>
+                </a:ln>
+                <a:solidFill>
+                  <a:srgbClr val="660E7A"/>
+                </a:solidFill>
+                <a:effectLst/>
+                <a:latin typeface="Courier New" panose="02070309020205020404" pitchFamily="49" charset="0"/>
+                <a:cs typeface="Courier New" panose="02070309020205020404" pitchFamily="49" charset="0"/>
+              </a:rPr>
+              <a:t>SOURCE</a:t>
+            </a:r>
+            <a:endParaRPr kumimoji="0" lang="en-US" altLang="en-US" sz="1800" b="0" i="0" u="none" strike="noStrike" cap="none" normalizeH="0" baseline="0">
               <a:ln>
                 <a:noFill/>
               </a:ln>
@@ -12794,99 +14855,42 @@
               <a:latin typeface="Arial" panose="020B0604020202020204" pitchFamily="34" charset="0"/>
             </a:endParaRPr>
           </a:p>
-          <a:p>
-            <a:pPr marL="0" lvl="0" indent="0" defTabSz="914400" eaLnBrk="0" fontAlgn="base" hangingPunct="0">
-              <a:lnSpc>
-                <a:spcPct val="100000"/>
-              </a:lnSpc>
-              <a:spcBef>
-                <a:spcPct val="0"/>
-              </a:spcBef>
-              <a:spcAft>
-                <a:spcPct val="0"/>
-              </a:spcAft>
-              <a:buClrTx/>
-              <a:buSzTx/>
-              <a:buNone/>
-            </a:pPr>
-            <a:r>
-              <a:rPr lang="en-US" altLang="en-US" dirty="0" err="1">
-                <a:solidFill>
-                  <a:schemeClr val="tx1"/>
-                </a:solidFill>
-                <a:latin typeface="Arial" panose="020B0604020202020204" pitchFamily="34" charset="0"/>
-              </a:rPr>
-              <a:t>val</a:t>
-            </a:r>
-            <a:r>
-              <a:rPr lang="en-US" altLang="en-US" dirty="0">
-                <a:solidFill>
-                  <a:schemeClr val="tx1"/>
-                </a:solidFill>
-                <a:latin typeface="Arial" panose="020B0604020202020204" pitchFamily="34" charset="0"/>
-              </a:rPr>
-              <a:t> &amp; var</a:t>
-            </a:r>
-            <a:br>
-              <a:rPr lang="en-US" altLang="en-US" dirty="0">
-                <a:solidFill>
-                  <a:schemeClr val="tx1"/>
-                </a:solidFill>
-                <a:latin typeface="Arial" panose="020B0604020202020204" pitchFamily="34" charset="0"/>
-              </a:rPr>
-            </a:br>
-            <a:r>
-              <a:rPr lang="en-US" altLang="en-US" dirty="0">
-                <a:solidFill>
-                  <a:schemeClr val="tx1"/>
-                </a:solidFill>
-                <a:latin typeface="Arial" panose="020B0604020202020204" pitchFamily="34" charset="0"/>
-                <a:hlinkClick r:id="rId4"/>
-              </a:rPr>
-              <a:t>https://github.com/dimpon/fight-boilerplatecode-tutorial/tree/master/src/main/java/com/dimpon/tutorals/lombok/valandvar</a:t>
-            </a:r>
-            <a:r>
-              <a:rPr lang="en-US" altLang="en-US" dirty="0">
-                <a:solidFill>
-                  <a:schemeClr val="tx1"/>
-                </a:solidFill>
-                <a:latin typeface="Arial" panose="020B0604020202020204" pitchFamily="34" charset="0"/>
-              </a:rPr>
-              <a:t> </a:t>
-            </a:r>
-          </a:p>
-          <a:p>
-            <a:pPr marL="0" lvl="0" indent="0" defTabSz="914400" eaLnBrk="0" fontAlgn="base" hangingPunct="0">
-              <a:lnSpc>
-                <a:spcPct val="100000"/>
-              </a:lnSpc>
-              <a:spcBef>
-                <a:spcPct val="0"/>
-              </a:spcBef>
-              <a:spcAft>
-                <a:spcPct val="0"/>
-              </a:spcAft>
-              <a:buClrTx/>
-              <a:buSzTx/>
-              <a:buNone/>
-            </a:pPr>
-            <a:endParaRPr kumimoji="0" lang="en-US" altLang="en-US" sz="1800" b="0" i="0" u="none" strike="noStrike" cap="none" normalizeH="0" baseline="0" dirty="0">
-              <a:ln>
-                <a:noFill/>
-              </a:ln>
-              <a:solidFill>
-                <a:schemeClr val="tx1"/>
-              </a:solidFill>
-              <a:effectLst/>
-              <a:latin typeface="Arial" panose="020B0604020202020204" pitchFamily="34" charset="0"/>
-            </a:endParaRPr>
-          </a:p>
         </p:txBody>
       </p:sp>
+      <p:pic>
+        <p:nvPicPr>
+          <p:cNvPr id="9" name="Picture 8">
+            <a:extLst>
+              <a:ext uri="{FF2B5EF4-FFF2-40B4-BE49-F238E27FC236}">
+                <a16:creationId xmlns:a16="http://schemas.microsoft.com/office/drawing/2014/main" id="{5C285F82-D461-4CEB-B101-FF925C3DD377}"/>
+              </a:ext>
+            </a:extLst>
+          </p:cNvPr>
+          <p:cNvPicPr>
+            <a:picLocks noChangeAspect="1"/>
+          </p:cNvPicPr>
+          <p:nvPr/>
+        </p:nvPicPr>
+        <p:blipFill>
+          <a:blip r:embed="rId2"/>
+          <a:stretch>
+            <a:fillRect/>
+          </a:stretch>
+        </p:blipFill>
+        <p:spPr>
+          <a:xfrm>
+            <a:off x="440193" y="3107606"/>
+            <a:ext cx="7543815" cy="1828804"/>
+          </a:xfrm>
+          <a:prstGeom prst="rect">
+            <a:avLst/>
+          </a:prstGeom>
+        </p:spPr>
+      </p:pic>
     </p:spTree>
     <p:extLst>
       <p:ext uri="{BB962C8B-B14F-4D97-AF65-F5344CB8AC3E}">
-        <p14:creationId xmlns:p14="http://schemas.microsoft.com/office/powerpoint/2010/main" val="3765592248"/>
+        <p14:creationId xmlns:p14="http://schemas.microsoft.com/office/powerpoint/2010/main" val="3576057412"/>
       </p:ext>
     </p:extLst>
   </p:cSld>

--- a/Boilerplate.pptx
+++ b/Boilerplate.pptx
@@ -5,7 +5,7 @@
     <p:sldMasterId id="2147483708" r:id="rId1"/>
   </p:sldMasterIdLst>
   <p:notesMasterIdLst>
-    <p:notesMasterId r:id="rId21"/>
+    <p:notesMasterId r:id="rId15"/>
   </p:notesMasterIdLst>
   <p:sldIdLst>
     <p:sldId id="256" r:id="rId2"/>
@@ -21,12 +21,6 @@
     <p:sldId id="291" r:id="rId12"/>
     <p:sldId id="292" r:id="rId13"/>
     <p:sldId id="293" r:id="rId14"/>
-    <p:sldId id="274" r:id="rId15"/>
-    <p:sldId id="275" r:id="rId16"/>
-    <p:sldId id="276" r:id="rId17"/>
-    <p:sldId id="277" r:id="rId18"/>
-    <p:sldId id="280" r:id="rId19"/>
-    <p:sldId id="279" r:id="rId20"/>
   </p:sldIdLst>
   <p:sldSz cx="9144000" cy="6858000" type="screen4x3"/>
   <p:notesSz cx="6858000" cy="9144000"/>
@@ -236,7 +230,7 @@
           <a:p>
             <a:fld id="{EB3D77A0-B43B-634A-9176-B27E5EE9C15B}" type="datetimeFigureOut">
               <a:rPr lang="de-DE" smtClean="0"/>
-              <a:t>26.11.2018</a:t>
+              <a:t>10.12.2018</a:t>
             </a:fld>
             <a:endParaRPr lang="de-DE"/>
           </a:p>
@@ -10632,8 +10626,8 @@
         </p:nvSpPr>
         <p:spPr bwMode="auto">
           <a:xfrm>
-            <a:off x="440193" y="1250945"/>
-            <a:ext cx="6328076" cy="4616648"/>
+            <a:off x="440193" y="1020113"/>
+            <a:ext cx="6328076" cy="5078313"/>
           </a:xfrm>
           <a:prstGeom prst="rect">
             <a:avLst/>
@@ -10772,16 +10766,15 @@
               <a:buSzTx/>
               <a:buNone/>
             </a:pPr>
-            <a:endParaRPr kumimoji="0" lang="en-US" altLang="en-US" sz="1800" b="0" i="0" u="none" strike="noStrike" cap="none" normalizeH="0" baseline="0" dirty="0">
-              <a:ln>
-                <a:noFill/>
-              </a:ln>
-              <a:solidFill>
-                <a:schemeClr val="tx1"/>
-              </a:solidFill>
-              <a:effectLst/>
-              <a:latin typeface="Arial" panose="020B0604020202020204" pitchFamily="34" charset="0"/>
-            </a:endParaRPr>
+            <a:r>
+              <a:rPr lang="en-US" altLang="en-US" dirty="0">
+                <a:solidFill>
+                  <a:schemeClr val="tx1"/>
+                </a:solidFill>
+                <a:latin typeface="Arial" panose="020B0604020202020204" pitchFamily="34" charset="0"/>
+              </a:rPr>
+              <a:t>Small task: write Singleton.</a:t>
+            </a:r>
           </a:p>
           <a:p>
             <a:pPr marL="0" lvl="0" indent="0" defTabSz="914400" eaLnBrk="0" fontAlgn="base" hangingPunct="0">
@@ -10798,15 +10791,6 @@
               <a:buSzTx/>
               <a:buNone/>
             </a:pPr>
-            <a:r>
-              <a:rPr lang="en-US" altLang="en-US" dirty="0">
-                <a:solidFill>
-                  <a:schemeClr val="tx1"/>
-                </a:solidFill>
-                <a:latin typeface="Arial" panose="020B0604020202020204" pitchFamily="34" charset="0"/>
-              </a:rPr>
-              <a:t>NPE</a:t>
-            </a:r>
             <a:endParaRPr kumimoji="0" lang="en-US" altLang="en-US" sz="1800" b="0" i="0" u="none" strike="noStrike" cap="none" normalizeH="0" baseline="0" dirty="0">
               <a:ln>
                 <a:noFill/>
@@ -10839,16 +10823,80 @@
                   <a:schemeClr val="tx1"/>
                 </a:solidFill>
                 <a:latin typeface="Arial" panose="020B0604020202020204" pitchFamily="34" charset="0"/>
-                <a:hlinkClick r:id="rId3"/>
-              </a:rPr>
-              <a:t>https://github.com/dimpon/fight-boilerplatecode-tutorial/tree/master/src/main/java/com/dimpon/tutorals/lombok/npe</a:t>
-            </a:r>
-            <a:endParaRPr lang="en-US" altLang="en-US" dirty="0">
+              </a:rPr>
+              <a:t>NPE</a:t>
+            </a:r>
+            <a:endParaRPr kumimoji="0" lang="en-US" altLang="en-US" sz="1800" b="0" i="0" u="none" strike="noStrike" cap="none" normalizeH="0" baseline="0" dirty="0">
+              <a:ln>
+                <a:noFill/>
+              </a:ln>
               <a:solidFill>
                 <a:schemeClr val="tx1"/>
               </a:solidFill>
+              <a:effectLst/>
               <a:latin typeface="Arial" panose="020B0604020202020204" pitchFamily="34" charset="0"/>
             </a:endParaRPr>
+          </a:p>
+          <a:p>
+            <a:pPr marL="0" lvl="0" indent="0" defTabSz="914400" eaLnBrk="0" fontAlgn="base" hangingPunct="0">
+              <a:lnSpc>
+                <a:spcPct val="100000"/>
+              </a:lnSpc>
+              <a:spcBef>
+                <a:spcPct val="0"/>
+              </a:spcBef>
+              <a:spcAft>
+                <a:spcPct val="0"/>
+              </a:spcAft>
+              <a:buClrTx/>
+              <a:buSzTx/>
+              <a:buNone/>
+            </a:pPr>
+            <a:r>
+              <a:rPr lang="en-US" altLang="en-US" dirty="0">
+                <a:solidFill>
+                  <a:schemeClr val="tx1"/>
+                </a:solidFill>
+                <a:latin typeface="Arial" panose="020B0604020202020204" pitchFamily="34" charset="0"/>
+                <a:hlinkClick r:id="rId3"/>
+              </a:rPr>
+              <a:t>https://github.com/dimpon/fight-boilerplatecode-tutorial/tree/master/src/main/java/com/dimpon/tutorals/lombok/npe</a:t>
+            </a:r>
+            <a:br>
+              <a:rPr lang="en-US" altLang="en-US" dirty="0">
+                <a:solidFill>
+                  <a:schemeClr val="tx1"/>
+                </a:solidFill>
+                <a:latin typeface="Arial" panose="020B0604020202020204" pitchFamily="34" charset="0"/>
+              </a:rPr>
+            </a:br>
+            <a:r>
+              <a:rPr lang="en-US" altLang="en-US" dirty="0">
+                <a:solidFill>
+                  <a:schemeClr val="tx1"/>
+                </a:solidFill>
+                <a:latin typeface="Arial" panose="020B0604020202020204" pitchFamily="34" charset="0"/>
+              </a:rPr>
+              <a:t>Small task: Add @</a:t>
+            </a:r>
+            <a:r>
+              <a:rPr lang="en-US" altLang="en-US" dirty="0" err="1">
+                <a:solidFill>
+                  <a:schemeClr val="tx1"/>
+                </a:solidFill>
+                <a:latin typeface="Arial" panose="020B0604020202020204" pitchFamily="34" charset="0"/>
+              </a:rPr>
+              <a:t>NotNull</a:t>
+            </a:r>
+            <a:r>
+              <a:rPr lang="en-US" altLang="en-US" dirty="0">
+                <a:solidFill>
+                  <a:schemeClr val="tx1"/>
+                </a:solidFill>
+                <a:latin typeface="Arial" panose="020B0604020202020204" pitchFamily="34" charset="0"/>
+              </a:rPr>
+              <a:t> to DTO</a:t>
+            </a:r>
           </a:p>
           <a:p>
             <a:pPr marL="0" lvl="0" indent="0" defTabSz="914400" eaLnBrk="0" fontAlgn="base" hangingPunct="0">
@@ -11013,8 +11061,8 @@
         </p:nvSpPr>
         <p:spPr bwMode="auto">
           <a:xfrm>
-            <a:off x="440193" y="1297113"/>
-            <a:ext cx="6328076" cy="4524315"/>
+            <a:off x="440193" y="1158614"/>
+            <a:ext cx="6328076" cy="4801314"/>
           </a:xfrm>
           <a:prstGeom prst="rect">
             <a:avLst/>
@@ -11115,6 +11163,23 @@
               </a:rPr>
               <a:t> </a:t>
             </a:r>
+            <a:br>
+              <a:rPr lang="en-US" altLang="en-US" dirty="0">
+                <a:solidFill>
+                  <a:schemeClr val="tx1"/>
+                </a:solidFill>
+                <a:latin typeface="Arial" panose="020B0604020202020204" pitchFamily="34" charset="0"/>
+              </a:rPr>
+            </a:br>
+            <a:r>
+              <a:rPr lang="en-US" altLang="en-US" dirty="0">
+                <a:solidFill>
+                  <a:schemeClr val="tx1"/>
+                </a:solidFill>
+                <a:latin typeface="Arial" panose="020B0604020202020204" pitchFamily="34" charset="0"/>
+              </a:rPr>
+              <a:t>Small task: create builder which contain some configuration.</a:t>
+            </a:r>
           </a:p>
           <a:p>
             <a:pPr marL="0" lvl="0" indent="0" defTabSz="914400" eaLnBrk="0" fontAlgn="base" hangingPunct="0">
@@ -11158,20 +11223,14 @@
               <a:buNone/>
             </a:pPr>
             <a:r>
-              <a:rPr lang="en-US" altLang="en-US" dirty="0" err="1">
+              <a:rPr lang="en-US" altLang="en-US" dirty="0">
                 <a:solidFill>
                   <a:schemeClr val="tx1"/>
                 </a:solidFill>
                 <a:latin typeface="Arial" panose="020B0604020202020204" pitchFamily="34" charset="0"/>
               </a:rPr>
-              <a:t>Delagates</a:t>
-            </a:r>
-            <a:endParaRPr lang="en-US" altLang="en-US" dirty="0">
-              <a:solidFill>
-                <a:schemeClr val="tx1"/>
-              </a:solidFill>
-              <a:latin typeface="Arial" panose="020B0604020202020204" pitchFamily="34" charset="0"/>
-            </a:endParaRPr>
+              <a:t>Delegates</a:t>
+            </a:r>
           </a:p>
           <a:p>
             <a:pPr marL="0" lvl="0" indent="0" defTabSz="914400" eaLnBrk="0" fontAlgn="base" hangingPunct="0">
@@ -11249,7 +11308,7 @@
                 </a:solidFill>
                 <a:latin typeface="Arial" panose="020B0604020202020204" pitchFamily="34" charset="0"/>
               </a:rPr>
-              <a:t>Utilities</a:t>
+              <a:t>Utilities &amp; Miscellaneous</a:t>
             </a:r>
           </a:p>
           <a:p>
@@ -11268,7 +11327,7 @@
               <a:buNone/>
             </a:pPr>
             <a:r>
-              <a:rPr lang="en-US" altLang="en-US">
+              <a:rPr lang="en-US" altLang="en-US" dirty="0">
                 <a:solidFill>
                   <a:schemeClr val="tx1"/>
                 </a:solidFill>
@@ -11278,7 +11337,7 @@
               <a:t>https://github.com/dimpon/fight-boilerplatecode-tutorial/tree/master/src/main/java/com/dimpon/tutorals/lombok/ulility</a:t>
             </a:r>
             <a:r>
-              <a:rPr lang="en-US" altLang="en-US">
+              <a:rPr lang="en-US" altLang="en-US" dirty="0">
                 <a:solidFill>
                   <a:schemeClr val="tx1"/>
                 </a:solidFill>
@@ -11286,12 +11345,6 @@
               </a:rPr>
               <a:t> </a:t>
             </a:r>
-            <a:endParaRPr lang="en-US" altLang="en-US" dirty="0">
-              <a:solidFill>
-                <a:schemeClr val="tx1"/>
-              </a:solidFill>
-              <a:latin typeface="Arial" panose="020B0604020202020204" pitchFamily="34" charset="0"/>
-            </a:endParaRPr>
           </a:p>
           <a:p>
             <a:pPr marL="0" lvl="0" indent="0" defTabSz="914400" eaLnBrk="0" fontAlgn="base" hangingPunct="0">
@@ -11417,8 +11470,8 @@
         </p:nvSpPr>
         <p:spPr bwMode="auto">
           <a:xfrm>
-            <a:off x="440193" y="1574113"/>
-            <a:ext cx="6328076" cy="3970318"/>
+            <a:off x="440193" y="1158619"/>
+            <a:ext cx="6328076" cy="4801314"/>
           </a:xfrm>
           <a:prstGeom prst="rect">
             <a:avLst/>
@@ -11533,7 +11586,32 @@
                 </a:solidFill>
                 <a:latin typeface="Arial" panose="020B0604020202020204" pitchFamily="34" charset="0"/>
               </a:rPr>
-              <a:t>Write transformer class, which can work with arbitrary classes, and any transformation functions (transformation functions can be reused) and, in same time, class must type safe. (accidently the object of wrong class can not be passed)</a:t>
+              <a:t>Write transformer class, which accept source object and return result object. The transformation must be split on independent granular reusable functions. The types of object </a:t>
+            </a:r>
+          </a:p>
+          <a:p>
+            <a:pPr marL="0" lvl="0" indent="0" defTabSz="914400" eaLnBrk="0" fontAlgn="base" hangingPunct="0">
+              <a:lnSpc>
+                <a:spcPct val="100000"/>
+              </a:lnSpc>
+              <a:spcBef>
+                <a:spcPct val="0"/>
+              </a:spcBef>
+              <a:spcAft>
+                <a:spcPct val="0"/>
+              </a:spcAft>
+              <a:buClrTx/>
+              <a:buSzTx/>
+              <a:buNone/>
+            </a:pPr>
+            <a:r>
+              <a:rPr lang="en-US" altLang="en-US" dirty="0">
+                <a:solidFill>
+                  <a:schemeClr val="tx1"/>
+                </a:solidFill>
+                <a:latin typeface="Arial" panose="020B0604020202020204" pitchFamily="34" charset="0"/>
+              </a:rPr>
+              <a:t>are any. The transformer must be type safe – the function for another types can not be used by mistake.</a:t>
             </a:r>
           </a:p>
           <a:p>
@@ -11584,17 +11662,53 @@
                 </a:solidFill>
                 <a:latin typeface="Arial" panose="020B0604020202020204" pitchFamily="34" charset="0"/>
               </a:rPr>
-              <a:t>Extend the class for be able to support diff sets transformation rules. Use </a:t>
-            </a:r>
-            <a:r>
-              <a:rPr lang="en-US" altLang="en-US" dirty="0" err="1">
+              <a:t>How can we improve it?</a:t>
+            </a:r>
+          </a:p>
+          <a:p>
+            <a:pPr marL="0" lvl="0" indent="0" defTabSz="914400" eaLnBrk="0" fontAlgn="base" hangingPunct="0">
+              <a:lnSpc>
+                <a:spcPct val="100000"/>
+              </a:lnSpc>
+              <a:spcBef>
+                <a:spcPct val="0"/>
+              </a:spcBef>
+              <a:spcAft>
+                <a:spcPct val="0"/>
+              </a:spcAft>
+              <a:buClrTx/>
+              <a:buSzTx/>
+              <a:buNone/>
+            </a:pPr>
+            <a:r>
+              <a:rPr kumimoji="0" lang="en-US" altLang="en-US" sz="1800" b="0" i="0" u="none" strike="noStrike" cap="none" normalizeH="0" baseline="0" dirty="0">
+                <a:ln>
+                  <a:noFill/>
+                </a:ln>
                 <a:solidFill>
                   <a:schemeClr val="tx1"/>
                 </a:solidFill>
+                <a:effectLst/>
                 <a:latin typeface="Arial" panose="020B0604020202020204" pitchFamily="34" charset="0"/>
               </a:rPr>
-              <a:t>enum</a:t>
-            </a:r>
+              <a:t>…………..</a:t>
+            </a:r>
+          </a:p>
+          <a:p>
+            <a:pPr marL="0" lvl="0" indent="0" defTabSz="914400" eaLnBrk="0" fontAlgn="base" hangingPunct="0">
+              <a:lnSpc>
+                <a:spcPct val="100000"/>
+              </a:lnSpc>
+              <a:spcBef>
+                <a:spcPct val="0"/>
+              </a:spcBef>
+              <a:spcAft>
+                <a:spcPct val="0"/>
+              </a:spcAft>
+              <a:buClrTx/>
+              <a:buSzTx/>
+              <a:buNone/>
+            </a:pPr>
             <a:r>
               <a:rPr lang="en-US" altLang="en-US" dirty="0">
                 <a:solidFill>
@@ -11602,7 +11716,7 @@
                 </a:solidFill>
                 <a:latin typeface="Arial" panose="020B0604020202020204" pitchFamily="34" charset="0"/>
               </a:rPr>
-              <a:t> for choosing the transformation set.</a:t>
+              <a:t>Wrap you logger object to the wrapper in order to be lazy initialized. (the object of real logger can be created only if some method is invoked)</a:t>
             </a:r>
           </a:p>
           <a:p>
@@ -11653,7 +11767,25 @@
                 </a:solidFill>
                 <a:latin typeface="Arial" panose="020B0604020202020204" pitchFamily="34" charset="0"/>
               </a:rPr>
-              <a:t>How can we improve it?</a:t>
+              <a:t>How can we create a lazy-</a:t>
+            </a:r>
+            <a:r>
+              <a:rPr lang="en-US" altLang="en-US" dirty="0" err="1">
+                <a:solidFill>
+                  <a:schemeClr val="tx1"/>
+                </a:solidFill>
+                <a:latin typeface="Arial" panose="020B0604020202020204" pitchFamily="34" charset="0"/>
+              </a:rPr>
+              <a:t>init</a:t>
+            </a:r>
+            <a:r>
+              <a:rPr lang="en-US" altLang="en-US" dirty="0">
+                <a:solidFill>
+                  <a:schemeClr val="tx1"/>
+                </a:solidFill>
+                <a:latin typeface="Arial" panose="020B0604020202020204" pitchFamily="34" charset="0"/>
+              </a:rPr>
+              <a:t> wrapper for arbitrary class?</a:t>
             </a:r>
             <a:endParaRPr kumimoji="0" lang="en-US" altLang="en-US" sz="1800" b="0" i="0" u="none" strike="noStrike" cap="none" normalizeH="0" baseline="0" dirty="0">
               <a:ln>
@@ -11666,401 +11798,38 @@
               <a:latin typeface="Arial" panose="020B0604020202020204" pitchFamily="34" charset="0"/>
             </a:endParaRPr>
           </a:p>
+          <a:p>
+            <a:pPr marL="0" lvl="0" indent="0" defTabSz="914400" eaLnBrk="0" fontAlgn="base" hangingPunct="0">
+              <a:lnSpc>
+                <a:spcPct val="100000"/>
+              </a:lnSpc>
+              <a:spcBef>
+                <a:spcPct val="0"/>
+              </a:spcBef>
+              <a:spcAft>
+                <a:spcPct val="0"/>
+              </a:spcAft>
+              <a:buClrTx/>
+              <a:buSzTx/>
+              <a:buNone/>
+            </a:pPr>
+            <a:endParaRPr kumimoji="0" lang="en-US" altLang="en-US" sz="1800" b="0" i="0" u="none" strike="noStrike" cap="none" normalizeH="0" baseline="0" dirty="0">
+              <a:ln>
+                <a:noFill/>
+              </a:ln>
+              <a:solidFill>
+                <a:schemeClr val="tx1"/>
+              </a:solidFill>
+              <a:effectLst/>
+              <a:latin typeface="Arial" panose="020B0604020202020204" pitchFamily="34" charset="0"/>
+            </a:endParaRPr>
+          </a:p>
         </p:txBody>
       </p:sp>
     </p:spTree>
     <p:extLst>
       <p:ext uri="{BB962C8B-B14F-4D97-AF65-F5344CB8AC3E}">
         <p14:creationId xmlns:p14="http://schemas.microsoft.com/office/powerpoint/2010/main" val="3697888238"/>
-      </p:ext>
-    </p:extLst>
-  </p:cSld>
-  <p:clrMapOvr>
-    <a:masterClrMapping/>
-  </p:clrMapOvr>
-</p:sld>
-</file>
-
-<file path=ppt/slides/slide14.xml><?xml version="1.0" encoding="utf-8"?>
-<p:sld xmlns:a="http://schemas.openxmlformats.org/drawingml/2006/main" xmlns:r="http://schemas.openxmlformats.org/officeDocument/2006/relationships" xmlns:p="http://schemas.openxmlformats.org/presentationml/2006/main">
-  <p:cSld>
-    <p:spTree>
-      <p:nvGrpSpPr>
-        <p:cNvPr id="1" name=""/>
-        <p:cNvGrpSpPr/>
-        <p:nvPr/>
-      </p:nvGrpSpPr>
-      <p:grpSpPr>
-        <a:xfrm>
-          <a:off x="0" y="0"/>
-          <a:ext cx="0" cy="0"/>
-          <a:chOff x="0" y="0"/>
-          <a:chExt cx="0" cy="0"/>
-        </a:xfrm>
-      </p:grpSpPr>
-      <p:sp>
-        <p:nvSpPr>
-          <p:cNvPr id="2" name="Titel 1"/>
-          <p:cNvSpPr>
-            <a:spLocks noGrp="1"/>
-          </p:cNvSpPr>
-          <p:nvPr>
-            <p:ph type="title"/>
-          </p:nvPr>
-        </p:nvSpPr>
-        <p:spPr/>
-        <p:txBody>
-          <a:bodyPr/>
-          <a:lstStyle/>
-          <a:p>
-            <a:endParaRPr lang="en-US" dirty="0"/>
-          </a:p>
-        </p:txBody>
-      </p:sp>
-      <p:sp>
-        <p:nvSpPr>
-          <p:cNvPr id="3" name="Inhaltsplatzhalter 2"/>
-          <p:cNvSpPr>
-            <a:spLocks noGrp="1"/>
-          </p:cNvSpPr>
-          <p:nvPr>
-            <p:ph idx="1"/>
-          </p:nvPr>
-        </p:nvSpPr>
-        <p:spPr/>
-        <p:txBody>
-          <a:bodyPr/>
-          <a:lstStyle/>
-          <a:p>
-            <a:endParaRPr lang="en-US" dirty="0"/>
-          </a:p>
-        </p:txBody>
-      </p:sp>
-    </p:spTree>
-    <p:extLst>
-      <p:ext uri="{BB962C8B-B14F-4D97-AF65-F5344CB8AC3E}">
-        <p14:creationId xmlns:p14="http://schemas.microsoft.com/office/powerpoint/2010/main" val="2824274169"/>
-      </p:ext>
-    </p:extLst>
-  </p:cSld>
-  <p:clrMapOvr>
-    <a:masterClrMapping/>
-  </p:clrMapOvr>
-</p:sld>
-</file>
-
-<file path=ppt/slides/slide15.xml><?xml version="1.0" encoding="utf-8"?>
-<p:sld xmlns:a="http://schemas.openxmlformats.org/drawingml/2006/main" xmlns:r="http://schemas.openxmlformats.org/officeDocument/2006/relationships" xmlns:p="http://schemas.openxmlformats.org/presentationml/2006/main">
-  <p:cSld>
-    <p:spTree>
-      <p:nvGrpSpPr>
-        <p:cNvPr id="1" name=""/>
-        <p:cNvGrpSpPr/>
-        <p:nvPr/>
-      </p:nvGrpSpPr>
-      <p:grpSpPr>
-        <a:xfrm>
-          <a:off x="0" y="0"/>
-          <a:ext cx="0" cy="0"/>
-          <a:chOff x="0" y="0"/>
-          <a:chExt cx="0" cy="0"/>
-        </a:xfrm>
-      </p:grpSpPr>
-      <p:sp>
-        <p:nvSpPr>
-          <p:cNvPr id="2" name="Titel 1"/>
-          <p:cNvSpPr>
-            <a:spLocks noGrp="1"/>
-          </p:cNvSpPr>
-          <p:nvPr>
-            <p:ph type="title"/>
-          </p:nvPr>
-        </p:nvSpPr>
-        <p:spPr/>
-        <p:txBody>
-          <a:bodyPr/>
-          <a:lstStyle/>
-          <a:p>
-            <a:endParaRPr lang="en-US" dirty="0"/>
-          </a:p>
-        </p:txBody>
-      </p:sp>
-      <p:sp>
-        <p:nvSpPr>
-          <p:cNvPr id="3" name="Inhaltsplatzhalter 2"/>
-          <p:cNvSpPr>
-            <a:spLocks noGrp="1"/>
-          </p:cNvSpPr>
-          <p:nvPr>
-            <p:ph idx="1"/>
-          </p:nvPr>
-        </p:nvSpPr>
-        <p:spPr/>
-        <p:txBody>
-          <a:bodyPr/>
-          <a:lstStyle/>
-          <a:p>
-            <a:endParaRPr lang="en-US" dirty="0"/>
-          </a:p>
-        </p:txBody>
-      </p:sp>
-    </p:spTree>
-    <p:extLst>
-      <p:ext uri="{BB962C8B-B14F-4D97-AF65-F5344CB8AC3E}">
-        <p14:creationId xmlns:p14="http://schemas.microsoft.com/office/powerpoint/2010/main" val="3721376966"/>
-      </p:ext>
-    </p:extLst>
-  </p:cSld>
-  <p:clrMapOvr>
-    <a:masterClrMapping/>
-  </p:clrMapOvr>
-</p:sld>
-</file>
-
-<file path=ppt/slides/slide16.xml><?xml version="1.0" encoding="utf-8"?>
-<p:sld xmlns:a="http://schemas.openxmlformats.org/drawingml/2006/main" xmlns:r="http://schemas.openxmlformats.org/officeDocument/2006/relationships" xmlns:p="http://schemas.openxmlformats.org/presentationml/2006/main">
-  <p:cSld>
-    <p:spTree>
-      <p:nvGrpSpPr>
-        <p:cNvPr id="1" name=""/>
-        <p:cNvGrpSpPr/>
-        <p:nvPr/>
-      </p:nvGrpSpPr>
-      <p:grpSpPr>
-        <a:xfrm>
-          <a:off x="0" y="0"/>
-          <a:ext cx="0" cy="0"/>
-          <a:chOff x="0" y="0"/>
-          <a:chExt cx="0" cy="0"/>
-        </a:xfrm>
-      </p:grpSpPr>
-      <p:sp>
-        <p:nvSpPr>
-          <p:cNvPr id="2" name="Titel 1"/>
-          <p:cNvSpPr>
-            <a:spLocks noGrp="1"/>
-          </p:cNvSpPr>
-          <p:nvPr>
-            <p:ph type="title"/>
-          </p:nvPr>
-        </p:nvSpPr>
-        <p:spPr/>
-        <p:txBody>
-          <a:bodyPr/>
-          <a:lstStyle/>
-          <a:p>
-            <a:endParaRPr lang="en-US" dirty="0"/>
-          </a:p>
-        </p:txBody>
-      </p:sp>
-      <p:sp>
-        <p:nvSpPr>
-          <p:cNvPr id="3" name="Inhaltsplatzhalter 2"/>
-          <p:cNvSpPr>
-            <a:spLocks noGrp="1"/>
-          </p:cNvSpPr>
-          <p:nvPr>
-            <p:ph idx="1"/>
-          </p:nvPr>
-        </p:nvSpPr>
-        <p:spPr/>
-        <p:txBody>
-          <a:bodyPr/>
-          <a:lstStyle/>
-          <a:p>
-            <a:endParaRPr lang="en-US" dirty="0"/>
-          </a:p>
-        </p:txBody>
-      </p:sp>
-    </p:spTree>
-    <p:extLst>
-      <p:ext uri="{BB962C8B-B14F-4D97-AF65-F5344CB8AC3E}">
-        <p14:creationId xmlns:p14="http://schemas.microsoft.com/office/powerpoint/2010/main" val="2690538590"/>
-      </p:ext>
-    </p:extLst>
-  </p:cSld>
-  <p:clrMapOvr>
-    <a:masterClrMapping/>
-  </p:clrMapOvr>
-</p:sld>
-</file>
-
-<file path=ppt/slides/slide17.xml><?xml version="1.0" encoding="utf-8"?>
-<p:sld xmlns:a="http://schemas.openxmlformats.org/drawingml/2006/main" xmlns:r="http://schemas.openxmlformats.org/officeDocument/2006/relationships" xmlns:p="http://schemas.openxmlformats.org/presentationml/2006/main">
-  <p:cSld>
-    <p:spTree>
-      <p:nvGrpSpPr>
-        <p:cNvPr id="1" name=""/>
-        <p:cNvGrpSpPr/>
-        <p:nvPr/>
-      </p:nvGrpSpPr>
-      <p:grpSpPr>
-        <a:xfrm>
-          <a:off x="0" y="0"/>
-          <a:ext cx="0" cy="0"/>
-          <a:chOff x="0" y="0"/>
-          <a:chExt cx="0" cy="0"/>
-        </a:xfrm>
-      </p:grpSpPr>
-      <p:sp>
-        <p:nvSpPr>
-          <p:cNvPr id="2" name="Titel 1"/>
-          <p:cNvSpPr>
-            <a:spLocks noGrp="1"/>
-          </p:cNvSpPr>
-          <p:nvPr>
-            <p:ph type="title"/>
-          </p:nvPr>
-        </p:nvSpPr>
-        <p:spPr/>
-        <p:txBody>
-          <a:bodyPr/>
-          <a:lstStyle/>
-          <a:p>
-            <a:endParaRPr lang="en-US" dirty="0"/>
-          </a:p>
-        </p:txBody>
-      </p:sp>
-      <p:sp>
-        <p:nvSpPr>
-          <p:cNvPr id="3" name="Inhaltsplatzhalter 2"/>
-          <p:cNvSpPr>
-            <a:spLocks noGrp="1"/>
-          </p:cNvSpPr>
-          <p:nvPr>
-            <p:ph idx="1"/>
-          </p:nvPr>
-        </p:nvSpPr>
-        <p:spPr/>
-        <p:txBody>
-          <a:bodyPr/>
-          <a:lstStyle/>
-          <a:p>
-            <a:endParaRPr lang="en-US" dirty="0"/>
-          </a:p>
-        </p:txBody>
-      </p:sp>
-    </p:spTree>
-    <p:extLst>
-      <p:ext uri="{BB962C8B-B14F-4D97-AF65-F5344CB8AC3E}">
-        <p14:creationId xmlns:p14="http://schemas.microsoft.com/office/powerpoint/2010/main" val="4123792560"/>
-      </p:ext>
-    </p:extLst>
-  </p:cSld>
-  <p:clrMapOvr>
-    <a:masterClrMapping/>
-  </p:clrMapOvr>
-</p:sld>
-</file>
-
-<file path=ppt/slides/slide18.xml><?xml version="1.0" encoding="utf-8"?>
-<p:sld xmlns:a="http://schemas.openxmlformats.org/drawingml/2006/main" xmlns:r="http://schemas.openxmlformats.org/officeDocument/2006/relationships" xmlns:p="http://schemas.openxmlformats.org/presentationml/2006/main">
-  <p:cSld>
-    <p:spTree>
-      <p:nvGrpSpPr>
-        <p:cNvPr id="1" name=""/>
-        <p:cNvGrpSpPr/>
-        <p:nvPr/>
-      </p:nvGrpSpPr>
-      <p:grpSpPr>
-        <a:xfrm>
-          <a:off x="0" y="0"/>
-          <a:ext cx="0" cy="0"/>
-          <a:chOff x="0" y="0"/>
-          <a:chExt cx="0" cy="0"/>
-        </a:xfrm>
-      </p:grpSpPr>
-      <p:sp>
-        <p:nvSpPr>
-          <p:cNvPr id="2" name="Titel 1"/>
-          <p:cNvSpPr>
-            <a:spLocks noGrp="1"/>
-          </p:cNvSpPr>
-          <p:nvPr>
-            <p:ph type="title"/>
-          </p:nvPr>
-        </p:nvSpPr>
-        <p:spPr/>
-        <p:txBody>
-          <a:bodyPr/>
-          <a:lstStyle/>
-          <a:p>
-            <a:endParaRPr lang="en-US" dirty="0"/>
-          </a:p>
-        </p:txBody>
-      </p:sp>
-      <p:sp>
-        <p:nvSpPr>
-          <p:cNvPr id="3" name="Inhaltsplatzhalter 2"/>
-          <p:cNvSpPr>
-            <a:spLocks noGrp="1"/>
-          </p:cNvSpPr>
-          <p:nvPr>
-            <p:ph idx="1"/>
-          </p:nvPr>
-        </p:nvSpPr>
-        <p:spPr/>
-        <p:txBody>
-          <a:bodyPr/>
-          <a:lstStyle/>
-          <a:p>
-            <a:endParaRPr lang="en-US" dirty="0"/>
-          </a:p>
-        </p:txBody>
-      </p:sp>
-      <p:sp>
-        <p:nvSpPr>
-          <p:cNvPr id="4" name="Textplatzhalter 3"/>
-          <p:cNvSpPr>
-            <a:spLocks noGrp="1"/>
-          </p:cNvSpPr>
-          <p:nvPr>
-            <p:ph type="body" idx="10"/>
-          </p:nvPr>
-        </p:nvSpPr>
-        <p:spPr/>
-        <p:txBody>
-          <a:bodyPr/>
-          <a:lstStyle/>
-          <a:p>
-            <a:endParaRPr lang="en-US" dirty="0"/>
-          </a:p>
-        </p:txBody>
-      </p:sp>
-    </p:spTree>
-    <p:extLst>
-      <p:ext uri="{BB962C8B-B14F-4D97-AF65-F5344CB8AC3E}">
-        <p14:creationId xmlns:p14="http://schemas.microsoft.com/office/powerpoint/2010/main" val="982351894"/>
-      </p:ext>
-    </p:extLst>
-  </p:cSld>
-  <p:clrMapOvr>
-    <a:masterClrMapping/>
-  </p:clrMapOvr>
-</p:sld>
-</file>
-
-<file path=ppt/slides/slide19.xml><?xml version="1.0" encoding="utf-8"?>
-<p:sld xmlns:a="http://schemas.openxmlformats.org/drawingml/2006/main" xmlns:r="http://schemas.openxmlformats.org/officeDocument/2006/relationships" xmlns:p="http://schemas.openxmlformats.org/presentationml/2006/main">
-  <p:cSld>
-    <p:spTree>
-      <p:nvGrpSpPr>
-        <p:cNvPr id="1" name=""/>
-        <p:cNvGrpSpPr/>
-        <p:nvPr/>
-      </p:nvGrpSpPr>
-      <p:grpSpPr>
-        <a:xfrm>
-          <a:off x="0" y="0"/>
-          <a:ext cx="0" cy="0"/>
-          <a:chOff x="0" y="0"/>
-          <a:chExt cx="0" cy="0"/>
-        </a:xfrm>
-      </p:grpSpPr>
-    </p:spTree>
-    <p:extLst>
-      <p:ext uri="{BB962C8B-B14F-4D97-AF65-F5344CB8AC3E}">
-        <p14:creationId xmlns:p14="http://schemas.microsoft.com/office/powerpoint/2010/main" val="52787242"/>
       </p:ext>
     </p:extLst>
   </p:cSld>
